--- a/spring12/slidesS12/rep-partial-orders.pptx
+++ b/spring12/slidesS12/rep-partial-orders.pptx
@@ -3,30 +3,34 @@
 <p:presentation xmlns:a="http://schemas.openxmlformats.org/drawingml/2006/main" xmlns:r="http://schemas.openxmlformats.org/officeDocument/2006/relationships" xmlns:p="http://schemas.openxmlformats.org/presentationml/2006/main" embedTrueTypeFonts="1">
   <p:sldMasterIdLst>
     <p:sldMasterId id="2147483648" r:id="rId1"/>
+    <p:sldMasterId id="2147483676" r:id="rId2"/>
   </p:sldMasterIdLst>
   <p:notesMasterIdLst>
-    <p:notesMasterId r:id="rId13"/>
+    <p:notesMasterId r:id="rId17"/>
   </p:notesMasterIdLst>
   <p:handoutMasterIdLst>
-    <p:handoutMasterId r:id="rId14"/>
+    <p:handoutMasterId r:id="rId18"/>
   </p:handoutMasterIdLst>
   <p:sldIdLst>
-    <p:sldId id="276" r:id="rId2"/>
-    <p:sldId id="459" r:id="rId3"/>
-    <p:sldId id="392" r:id="rId4"/>
-    <p:sldId id="417" r:id="rId5"/>
-    <p:sldId id="418" r:id="rId6"/>
-    <p:sldId id="419" r:id="rId7"/>
-    <p:sldId id="432" r:id="rId8"/>
-    <p:sldId id="421" r:id="rId9"/>
-    <p:sldId id="420" r:id="rId10"/>
-    <p:sldId id="424" r:id="rId11"/>
-    <p:sldId id="422" r:id="rId12"/>
+    <p:sldId id="276" r:id="rId3"/>
+    <p:sldId id="459" r:id="rId4"/>
+    <p:sldId id="392" r:id="rId5"/>
+    <p:sldId id="417" r:id="rId6"/>
+    <p:sldId id="418" r:id="rId7"/>
+    <p:sldId id="419" r:id="rId8"/>
+    <p:sldId id="432" r:id="rId9"/>
+    <p:sldId id="421" r:id="rId10"/>
+    <p:sldId id="461" r:id="rId11"/>
+    <p:sldId id="460" r:id="rId12"/>
+    <p:sldId id="462" r:id="rId13"/>
+    <p:sldId id="420" r:id="rId14"/>
+    <p:sldId id="424" r:id="rId15"/>
+    <p:sldId id="422" r:id="rId16"/>
   </p:sldIdLst>
   <p:sldSz cx="9144000" cy="6858000" type="screen4x3"/>
   <p:notesSz cx="9601200" cy="7315200"/>
   <p:custDataLst>
-    <p:tags r:id="rId16"/>
+    <p:tags r:id="rId20"/>
   </p:custDataLst>
   <p:defaultTextStyle>
     <a:defPPr>
@@ -209,7 +213,7 @@
             <a:fld id="{D875CB5D-1501-4E8C-8449-8F562B53033D}" type="datetimeFigureOut">
               <a:rPr lang="en-US" smtClean="0"/>
               <a:pPr/>
-              <a:t>3/12/12</a:t>
+              <a:t>3/17/12</a:t>
             </a:fld>
             <a:endParaRPr lang="en-US"/>
           </a:p>
@@ -376,7 +380,7 @@
             <a:fld id="{2E64E5CB-D4EF-403A-9BB6-139C52688DF7}" type="datetimeFigureOut">
               <a:rPr lang="en-US" smtClean="0"/>
               <a:pPr/>
-              <a:t>3/12/12</a:t>
+              <a:t>3/17/12</a:t>
             </a:fld>
             <a:endParaRPr lang="en-US"/>
           </a:p>
@@ -765,10 +769,268 @@
           <a:bodyPr/>
           <a:lstStyle/>
           <a:p>
+            <a:fld id="{1B5043CD-B8DD-4C28-B91F-82BC4DF56AF0}" type="slidenum">
+              <a:rPr lang="en-US"/>
+              <a:pPr/>
+              <a:t>10</a:t>
+            </a:fld>
+            <a:endParaRPr lang="en-US"/>
+          </a:p>
+        </p:txBody>
+      </p:sp>
+      <p:sp>
+        <p:nvSpPr>
+          <p:cNvPr id="611330" name="Rectangle 2"/>
+          <p:cNvSpPr>
+            <a:spLocks noGrp="1" noRot="1" noChangeAspect="1" noChangeArrowheads="1" noTextEdit="1"/>
+          </p:cNvSpPr>
+          <p:nvPr>
+            <p:ph type="sldImg"/>
+          </p:nvPr>
+        </p:nvSpPr>
+        <p:spPr>
+          <a:ln/>
+        </p:spPr>
+      </p:sp>
+      <p:sp>
+        <p:nvSpPr>
+          <p:cNvPr id="611331" name="Rectangle 3"/>
+          <p:cNvSpPr>
+            <a:spLocks noGrp="1" noChangeArrowheads="1"/>
+          </p:cNvSpPr>
+          <p:nvPr>
+            <p:ph type="body" idx="1"/>
+          </p:nvPr>
+        </p:nvSpPr>
+        <p:spPr/>
+        <p:txBody>
+          <a:bodyPr/>
+          <a:lstStyle/>
+          <a:p>
+            <a:endParaRPr lang="en-US"/>
+          </a:p>
+        </p:txBody>
+      </p:sp>
+    </p:spTree>
+  </p:cSld>
+  <p:clrMapOvr>
+    <a:masterClrMapping/>
+  </p:clrMapOvr>
+</p:notes>
+</file>
+
+<file path=ppt/notesSlides/notesSlide11.xml><?xml version="1.0" encoding="utf-8"?>
+<p:notes xmlns:a="http://schemas.openxmlformats.org/drawingml/2006/main" xmlns:r="http://schemas.openxmlformats.org/officeDocument/2006/relationships" xmlns:p="http://schemas.openxmlformats.org/presentationml/2006/main">
+  <p:cSld>
+    <p:spTree>
+      <p:nvGrpSpPr>
+        <p:cNvPr id="1" name=""/>
+        <p:cNvGrpSpPr/>
+        <p:nvPr/>
+      </p:nvGrpSpPr>
+      <p:grpSpPr>
+        <a:xfrm>
+          <a:off x="0" y="0"/>
+          <a:ext cx="0" cy="0"/>
+          <a:chOff x="0" y="0"/>
+          <a:chExt cx="0" cy="0"/>
+        </a:xfrm>
+      </p:grpSpPr>
+      <p:sp>
+        <p:nvSpPr>
+          <p:cNvPr id="7" name="Rectangle 7"/>
+          <p:cNvSpPr>
+            <a:spLocks noGrp="1" noChangeArrowheads="1"/>
+          </p:cNvSpPr>
+          <p:nvPr>
+            <p:ph type="sldNum" sz="quarter" idx="5"/>
+          </p:nvPr>
+        </p:nvSpPr>
+        <p:spPr>
+          <a:ln/>
+        </p:spPr>
+        <p:txBody>
+          <a:bodyPr/>
+          <a:lstStyle/>
+          <a:p>
+            <a:fld id="{482CBA68-1A8A-4E1E-B48D-335D29983FA7}" type="slidenum">
+              <a:rPr lang="en-US">
+                <a:solidFill>
+                  <a:prstClr val="black"/>
+                </a:solidFill>
+              </a:rPr>
+              <a:pPr/>
+              <a:t>11</a:t>
+            </a:fld>
+            <a:endParaRPr lang="en-US">
+              <a:solidFill>
+                <a:prstClr val="black"/>
+              </a:solidFill>
+            </a:endParaRPr>
+          </a:p>
+        </p:txBody>
+      </p:sp>
+      <p:sp>
+        <p:nvSpPr>
+          <p:cNvPr id="670722" name="Rectangle 2"/>
+          <p:cNvSpPr>
+            <a:spLocks noGrp="1" noRot="1" noChangeAspect="1" noChangeArrowheads="1" noTextEdit="1"/>
+          </p:cNvSpPr>
+          <p:nvPr>
+            <p:ph type="sldImg"/>
+          </p:nvPr>
+        </p:nvSpPr>
+        <p:spPr>
+          <a:ln/>
+        </p:spPr>
+      </p:sp>
+      <p:sp>
+        <p:nvSpPr>
+          <p:cNvPr id="670723" name="Rectangle 3"/>
+          <p:cNvSpPr>
+            <a:spLocks noGrp="1" noChangeArrowheads="1"/>
+          </p:cNvSpPr>
+          <p:nvPr>
+            <p:ph type="body" idx="1"/>
+          </p:nvPr>
+        </p:nvSpPr>
+        <p:spPr/>
+        <p:txBody>
+          <a:bodyPr/>
+          <a:lstStyle/>
+          <a:p>
+            <a:endParaRPr lang="en-US"/>
+          </a:p>
+        </p:txBody>
+      </p:sp>
+    </p:spTree>
+  </p:cSld>
+  <p:clrMapOvr>
+    <a:masterClrMapping/>
+  </p:clrMapOvr>
+</p:notes>
+</file>
+
+<file path=ppt/notesSlides/notesSlide12.xml><?xml version="1.0" encoding="utf-8"?>
+<p:notes xmlns:a="http://schemas.openxmlformats.org/drawingml/2006/main" xmlns:r="http://schemas.openxmlformats.org/officeDocument/2006/relationships" xmlns:p="http://schemas.openxmlformats.org/presentationml/2006/main">
+  <p:cSld>
+    <p:spTree>
+      <p:nvGrpSpPr>
+        <p:cNvPr id="1" name=""/>
+        <p:cNvGrpSpPr/>
+        <p:nvPr/>
+      </p:nvGrpSpPr>
+      <p:grpSpPr>
+        <a:xfrm>
+          <a:off x="0" y="0"/>
+          <a:ext cx="0" cy="0"/>
+          <a:chOff x="0" y="0"/>
+          <a:chExt cx="0" cy="0"/>
+        </a:xfrm>
+      </p:grpSpPr>
+      <p:sp>
+        <p:nvSpPr>
+          <p:cNvPr id="2" name="Slide Image Placeholder 1"/>
+          <p:cNvSpPr>
+            <a:spLocks noGrp="1" noRot="1" noChangeAspect="1"/>
+          </p:cNvSpPr>
+          <p:nvPr>
+            <p:ph type="sldImg"/>
+          </p:nvPr>
+        </p:nvSpPr>
+        <p:spPr/>
+      </p:sp>
+      <p:sp>
+        <p:nvSpPr>
+          <p:cNvPr id="3" name="Notes Placeholder 2"/>
+          <p:cNvSpPr>
+            <a:spLocks noGrp="1"/>
+          </p:cNvSpPr>
+          <p:nvPr>
+            <p:ph type="body" idx="1"/>
+          </p:nvPr>
+        </p:nvSpPr>
+        <p:spPr/>
+        <p:txBody>
+          <a:bodyPr>
+            <a:normAutofit/>
+          </a:bodyPr>
+          <a:lstStyle/>
+          <a:p>
+            <a:endParaRPr lang="en-US"/>
+          </a:p>
+        </p:txBody>
+      </p:sp>
+      <p:sp>
+        <p:nvSpPr>
+          <p:cNvPr id="4" name="Slide Number Placeholder 3"/>
+          <p:cNvSpPr>
+            <a:spLocks noGrp="1"/>
+          </p:cNvSpPr>
+          <p:nvPr>
+            <p:ph type="sldNum" sz="quarter" idx="10"/>
+          </p:nvPr>
+        </p:nvSpPr>
+        <p:spPr/>
+        <p:txBody>
+          <a:bodyPr/>
+          <a:lstStyle/>
+          <a:p>
+            <a:fld id="{4E59DC59-ED3D-4108-AF3A-3AFD1215876E}" type="slidenum">
+              <a:rPr lang="en-US" smtClean="0"/>
+              <a:pPr/>
+              <a:t>12</a:t>
+            </a:fld>
+            <a:endParaRPr lang="en-US"/>
+          </a:p>
+        </p:txBody>
+      </p:sp>
+    </p:spTree>
+  </p:cSld>
+  <p:clrMapOvr>
+    <a:masterClrMapping/>
+  </p:clrMapOvr>
+</p:notes>
+</file>
+
+<file path=ppt/notesSlides/notesSlide13.xml><?xml version="1.0" encoding="utf-8"?>
+<p:notes xmlns:a="http://schemas.openxmlformats.org/drawingml/2006/main" xmlns:r="http://schemas.openxmlformats.org/officeDocument/2006/relationships" xmlns:p="http://schemas.openxmlformats.org/presentationml/2006/main">
+  <p:cSld>
+    <p:spTree>
+      <p:nvGrpSpPr>
+        <p:cNvPr id="1" name=""/>
+        <p:cNvGrpSpPr/>
+        <p:nvPr/>
+      </p:nvGrpSpPr>
+      <p:grpSpPr>
+        <a:xfrm>
+          <a:off x="0" y="0"/>
+          <a:ext cx="0" cy="0"/>
+          <a:chOff x="0" y="0"/>
+          <a:chExt cx="0" cy="0"/>
+        </a:xfrm>
+      </p:grpSpPr>
+      <p:sp>
+        <p:nvSpPr>
+          <p:cNvPr id="7" name="Rectangle 7"/>
+          <p:cNvSpPr>
+            <a:spLocks noGrp="1" noChangeArrowheads="1"/>
+          </p:cNvSpPr>
+          <p:nvPr>
+            <p:ph type="sldNum" sz="quarter" idx="5"/>
+          </p:nvPr>
+        </p:nvSpPr>
+        <p:spPr>
+          <a:ln/>
+        </p:spPr>
+        <p:txBody>
+          <a:bodyPr/>
+          <a:lstStyle/>
+          <a:p>
             <a:fld id="{E52C0FD9-01BA-49C9-862B-3DBB9ED90316}" type="slidenum">
               <a:rPr lang="en-US"/>
               <a:pPr/>
-              <a:t>10</a:t>
+              <a:t>13</a:t>
             </a:fld>
             <a:endParaRPr lang="en-US"/>
           </a:p>
@@ -1422,21 +1684,57 @@
       </p:grpSpPr>
       <p:sp>
         <p:nvSpPr>
-          <p:cNvPr id="2" name="Slide Image Placeholder 1"/>
+          <p:cNvPr id="7" name="Rectangle 7"/>
           <p:cNvSpPr>
-            <a:spLocks noGrp="1" noRot="1" noChangeAspect="1"/>
+            <a:spLocks noGrp="1" noChangeArrowheads="1"/>
+          </p:cNvSpPr>
+          <p:nvPr>
+            <p:ph type="sldNum" sz="quarter" idx="5"/>
+          </p:nvPr>
+        </p:nvSpPr>
+        <p:spPr>
+          <a:ln/>
+        </p:spPr>
+        <p:txBody>
+          <a:bodyPr/>
+          <a:lstStyle/>
+          <a:p>
+            <a:fld id="{A00F1CD8-CF1A-4651-87AE-465770144312}" type="slidenum">
+              <a:rPr lang="en-US">
+                <a:solidFill>
+                  <a:prstClr val="black"/>
+                </a:solidFill>
+              </a:rPr>
+              <a:pPr/>
+              <a:t>9</a:t>
+            </a:fld>
+            <a:endParaRPr lang="en-US">
+              <a:solidFill>
+                <a:prstClr val="black"/>
+              </a:solidFill>
+            </a:endParaRPr>
+          </a:p>
+        </p:txBody>
+      </p:sp>
+      <p:sp>
+        <p:nvSpPr>
+          <p:cNvPr id="662530" name="Rectangle 2"/>
+          <p:cNvSpPr>
+            <a:spLocks noGrp="1" noRot="1" noChangeAspect="1" noChangeArrowheads="1" noTextEdit="1"/>
           </p:cNvSpPr>
           <p:nvPr>
             <p:ph type="sldImg"/>
           </p:nvPr>
         </p:nvSpPr>
-        <p:spPr/>
+        <p:spPr>
+          <a:ln/>
+        </p:spPr>
       </p:sp>
       <p:sp>
         <p:nvSpPr>
-          <p:cNvPr id="3" name="Notes Placeholder 2"/>
+          <p:cNvPr id="662531" name="Rectangle 3"/>
           <p:cNvSpPr>
-            <a:spLocks noGrp="1"/>
+            <a:spLocks noGrp="1" noChangeArrowheads="1"/>
           </p:cNvSpPr>
           <p:nvPr>
             <p:ph type="body" idx="1"/>
@@ -1444,35 +1742,9 @@
         </p:nvSpPr>
         <p:spPr/>
         <p:txBody>
-          <a:bodyPr>
-            <a:normAutofit/>
-          </a:bodyPr>
-          <a:lstStyle/>
-          <a:p>
-            <a:endParaRPr lang="en-US"/>
-          </a:p>
-        </p:txBody>
-      </p:sp>
-      <p:sp>
-        <p:nvSpPr>
-          <p:cNvPr id="4" name="Slide Number Placeholder 3"/>
-          <p:cNvSpPr>
-            <a:spLocks noGrp="1"/>
-          </p:cNvSpPr>
-          <p:nvPr>
-            <p:ph type="sldNum" sz="quarter" idx="10"/>
-          </p:nvPr>
-        </p:nvSpPr>
-        <p:spPr/>
-        <p:txBody>
           <a:bodyPr/>
           <a:lstStyle/>
           <a:p>
-            <a:fld id="{4E59DC59-ED3D-4108-AF3A-3AFD1215876E}" type="slidenum">
-              <a:rPr lang="en-US" smtClean="0"/>
-              <a:pPr/>
-              <a:t>9</a:t>
-            </a:fld>
             <a:endParaRPr lang="en-US"/>
           </a:p>
         </p:txBody>
@@ -1664,120 +1936,7 @@
 </p:sldLayout>
 </file>
 
-<file path=ppt/slideLayouts/slideLayout2.xml><?xml version="1.0" encoding="utf-8"?>
-<p:sldLayout xmlns:a="http://schemas.openxmlformats.org/drawingml/2006/main" xmlns:r="http://schemas.openxmlformats.org/officeDocument/2006/relationships" xmlns:p="http://schemas.openxmlformats.org/presentationml/2006/main" type="obj" preserve="1">
-  <p:cSld name="Title and Content">
-    <p:spTree>
-      <p:nvGrpSpPr>
-        <p:cNvPr id="1" name=""/>
-        <p:cNvGrpSpPr/>
-        <p:nvPr/>
-      </p:nvGrpSpPr>
-      <p:grpSpPr>
-        <a:xfrm>
-          <a:off x="0" y="0"/>
-          <a:ext cx="0" cy="0"/>
-          <a:chOff x="0" y="0"/>
-          <a:chExt cx="0" cy="0"/>
-        </a:xfrm>
-      </p:grpSpPr>
-      <p:sp>
-        <p:nvSpPr>
-          <p:cNvPr id="2" name="Title 1"/>
-          <p:cNvSpPr>
-            <a:spLocks noGrp="1"/>
-          </p:cNvSpPr>
-          <p:nvPr>
-            <p:ph type="title"/>
-          </p:nvPr>
-        </p:nvSpPr>
-        <p:spPr/>
-        <p:txBody>
-          <a:bodyPr>
-            <a:normAutofit/>
-          </a:bodyPr>
-          <a:lstStyle>
-            <a:lvl1pPr>
-              <a:defRPr sz="3200"/>
-            </a:lvl1pPr>
-          </a:lstStyle>
-          <a:p>
-            <a:r>
-              <a:rPr lang="en-US" dirty="0" smtClean="0"/>
-              <a:t>Click to edit Master title style</a:t>
-            </a:r>
-            <a:endParaRPr lang="en-US" dirty="0"/>
-          </a:p>
-        </p:txBody>
-      </p:sp>
-      <p:sp>
-        <p:nvSpPr>
-          <p:cNvPr id="3" name="Content Placeholder 2"/>
-          <p:cNvSpPr>
-            <a:spLocks noGrp="1"/>
-          </p:cNvSpPr>
-          <p:nvPr>
-            <p:ph idx="1"/>
-          </p:nvPr>
-        </p:nvSpPr>
-        <p:spPr/>
-        <p:txBody>
-          <a:bodyPr/>
-          <a:lstStyle/>
-          <a:p>
-            <a:pPr lvl="0"/>
-            <a:r>
-              <a:rPr lang="en-US" smtClean="0"/>
-              <a:t>Click to edit Master text styles</a:t>
-            </a:r>
-          </a:p>
-          <a:p>
-            <a:pPr lvl="1"/>
-            <a:r>
-              <a:rPr lang="en-US" smtClean="0"/>
-              <a:t>Second level</a:t>
-            </a:r>
-          </a:p>
-          <a:p>
-            <a:pPr lvl="2"/>
-            <a:r>
-              <a:rPr lang="en-US" smtClean="0"/>
-              <a:t>Third level</a:t>
-            </a:r>
-          </a:p>
-          <a:p>
-            <a:pPr lvl="3"/>
-            <a:r>
-              <a:rPr lang="en-US" smtClean="0"/>
-              <a:t>Fourth level</a:t>
-            </a:r>
-          </a:p>
-          <a:p>
-            <a:pPr lvl="4"/>
-            <a:r>
-              <a:rPr lang="en-US" smtClean="0"/>
-              <a:t>Fifth level</a:t>
-            </a:r>
-            <a:endParaRPr lang="en-US"/>
-          </a:p>
-        </p:txBody>
-      </p:sp>
-    </p:spTree>
-  </p:cSld>
-  <p:clrMapOvr>
-    <a:masterClrMapping/>
-  </p:clrMapOvr>
-  <p:timing>
-    <p:tnLst>
-      <p:par>
-        <p:cTn xmlns:p14="http://schemas.microsoft.com/office/powerpoint/2010/main" id="1" dur="indefinite" restart="never" nodeType="tmRoot"/>
-      </p:par>
-    </p:tnLst>
-  </p:timing>
-</p:sldLayout>
-</file>
-
-<file path=ppt/slideLayouts/slideLayout3.xml><?xml version="1.0" encoding="utf-8"?>
+<file path=ppt/slideLayouts/slideLayout10.xml><?xml version="1.0" encoding="utf-8"?>
 <p:sldLayout xmlns:a="http://schemas.openxmlformats.org/drawingml/2006/main" xmlns:r="http://schemas.openxmlformats.org/officeDocument/2006/relationships" xmlns:p="http://schemas.openxmlformats.org/presentationml/2006/main" type="secHead" preserve="1">
   <p:cSld name="Section Header">
     <p:spTree>
@@ -1847,93 +2006,39 @@
           <a:lstStyle>
             <a:lvl1pPr marL="0" indent="0">
               <a:buNone/>
-              <a:defRPr sz="2000">
-                <a:solidFill>
-                  <a:schemeClr val="tx1">
-                    <a:tint val="75000"/>
-                  </a:schemeClr>
-                </a:solidFill>
-              </a:defRPr>
+              <a:defRPr sz="2000"/>
             </a:lvl1pPr>
             <a:lvl2pPr marL="457200" indent="0">
               <a:buNone/>
-              <a:defRPr sz="1800">
-                <a:solidFill>
-                  <a:schemeClr val="tx1">
-                    <a:tint val="75000"/>
-                  </a:schemeClr>
-                </a:solidFill>
-              </a:defRPr>
+              <a:defRPr sz="1800"/>
             </a:lvl2pPr>
             <a:lvl3pPr marL="914400" indent="0">
               <a:buNone/>
-              <a:defRPr sz="1600">
-                <a:solidFill>
-                  <a:schemeClr val="tx1">
-                    <a:tint val="75000"/>
-                  </a:schemeClr>
-                </a:solidFill>
-              </a:defRPr>
+              <a:defRPr sz="1600"/>
             </a:lvl3pPr>
             <a:lvl4pPr marL="1371600" indent="0">
               <a:buNone/>
-              <a:defRPr sz="1400">
-                <a:solidFill>
-                  <a:schemeClr val="tx1">
-                    <a:tint val="75000"/>
-                  </a:schemeClr>
-                </a:solidFill>
-              </a:defRPr>
+              <a:defRPr sz="1400"/>
             </a:lvl4pPr>
             <a:lvl5pPr marL="1828800" indent="0">
               <a:buNone/>
-              <a:defRPr sz="1400">
-                <a:solidFill>
-                  <a:schemeClr val="tx1">
-                    <a:tint val="75000"/>
-                  </a:schemeClr>
-                </a:solidFill>
-              </a:defRPr>
+              <a:defRPr sz="1400"/>
             </a:lvl5pPr>
             <a:lvl6pPr marL="2286000" indent="0">
               <a:buNone/>
-              <a:defRPr sz="1400">
-                <a:solidFill>
-                  <a:schemeClr val="tx1">
-                    <a:tint val="75000"/>
-                  </a:schemeClr>
-                </a:solidFill>
-              </a:defRPr>
+              <a:defRPr sz="1400"/>
             </a:lvl6pPr>
             <a:lvl7pPr marL="2743200" indent="0">
               <a:buNone/>
-              <a:defRPr sz="1400">
-                <a:solidFill>
-                  <a:schemeClr val="tx1">
-                    <a:tint val="75000"/>
-                  </a:schemeClr>
-                </a:solidFill>
-              </a:defRPr>
+              <a:defRPr sz="1400"/>
             </a:lvl7pPr>
             <a:lvl8pPr marL="3200400" indent="0">
               <a:buNone/>
-              <a:defRPr sz="1400">
-                <a:solidFill>
-                  <a:schemeClr val="tx1">
-                    <a:tint val="75000"/>
-                  </a:schemeClr>
-                </a:solidFill>
-              </a:defRPr>
+              <a:defRPr sz="1400"/>
             </a:lvl8pPr>
             <a:lvl9pPr marL="3657600" indent="0">
               <a:buNone/>
-              <a:defRPr sz="1400">
-                <a:solidFill>
-                  <a:schemeClr val="tx1">
-                    <a:tint val="75000"/>
-                  </a:schemeClr>
-                </a:solidFill>
-              </a:defRPr>
+              <a:defRPr sz="1400"/>
             </a:lvl9pPr>
           </a:lstStyle>
           <a:p>
@@ -1945,15 +2050,83 @@
           </a:p>
         </p:txBody>
       </p:sp>
+      <p:sp>
+        <p:nvSpPr>
+          <p:cNvPr id="4" name="Slide Number Placeholder 3"/>
+          <p:cNvSpPr>
+            <a:spLocks noGrp="1"/>
+          </p:cNvSpPr>
+          <p:nvPr>
+            <p:ph type="sldNum" sz="quarter" idx="10"/>
+          </p:nvPr>
+        </p:nvSpPr>
+        <p:spPr/>
+        <p:txBody>
+          <a:bodyPr/>
+          <a:lstStyle>
+            <a:lvl1pPr>
+              <a:defRPr/>
+            </a:lvl1pPr>
+          </a:lstStyle>
+          <a:p>
+            <a:r>
+              <a:rPr lang="en-US" dirty="0" err="1">
+                <a:solidFill>
+                  <a:srgbClr val="000000"/>
+                </a:solidFill>
+                <a:latin typeface="Comic Sans MS"/>
+              </a:rPr>
+              <a:t>lec</a:t>
+            </a:r>
+            <a:r>
+              <a:rPr lang="en-US" dirty="0" smtClean="0">
+                <a:solidFill>
+                  <a:srgbClr val="000000"/>
+                </a:solidFill>
+                <a:latin typeface="Comic Sans MS"/>
+              </a:rPr>
+              <a:t> 8M.</a:t>
+            </a:r>
+            <a:fld id="{23581F62-E8B7-48F2-9B8D-F880FB41BDA1}" type="slidenum">
+              <a:rPr lang="en-US" smtClean="0">
+                <a:solidFill>
+                  <a:srgbClr val="000000"/>
+                </a:solidFill>
+                <a:latin typeface="Comic Sans MS"/>
+              </a:rPr>
+              <a:pPr/>
+              <a:t>‹#›</a:t>
+            </a:fld>
+            <a:endParaRPr lang="en-US" dirty="0">
+              <a:solidFill>
+                <a:srgbClr val="000000"/>
+              </a:solidFill>
+              <a:latin typeface="Comic Sans MS"/>
+            </a:endParaRPr>
+          </a:p>
+        </p:txBody>
+      </p:sp>
     </p:spTree>
+    <p:extLst>
+      <p:ext uri="{BB962C8B-B14F-4D97-AF65-F5344CB8AC3E}">
+        <p14:creationId xmlns:p14="http://schemas.microsoft.com/office/powerpoint/2010/main" val="3350117786"/>
+      </p:ext>
+    </p:extLst>
   </p:cSld>
   <p:clrMapOvr>
     <a:masterClrMapping/>
   </p:clrMapOvr>
+  <p:timing>
+    <p:tnLst>
+      <p:par>
+        <p:cTn xmlns:p14="http://schemas.microsoft.com/office/powerpoint/2010/main" id="1" dur="indefinite" restart="never" nodeType="tmRoot"/>
+      </p:par>
+    </p:tnLst>
+  </p:timing>
 </p:sldLayout>
 </file>
 
-<file path=ppt/slideLayouts/slideLayout4.xml><?xml version="1.0" encoding="utf-8"?>
+<file path=ppt/slideLayouts/slideLayout11.xml><?xml version="1.0" encoding="utf-8"?>
 <p:sldLayout xmlns:a="http://schemas.openxmlformats.org/drawingml/2006/main" xmlns:r="http://schemas.openxmlformats.org/officeDocument/2006/relationships" xmlns:p="http://schemas.openxmlformats.org/presentationml/2006/main" type="titleOnly" preserve="1">
   <p:cSld name="Title Only">
     <p:spTree>
@@ -1993,7 +2166,68 @@
           </a:p>
         </p:txBody>
       </p:sp>
+      <p:sp>
+        <p:nvSpPr>
+          <p:cNvPr id="3" name="Slide Number Placeholder 2"/>
+          <p:cNvSpPr>
+            <a:spLocks noGrp="1"/>
+          </p:cNvSpPr>
+          <p:nvPr>
+            <p:ph type="sldNum" sz="quarter" idx="10"/>
+          </p:nvPr>
+        </p:nvSpPr>
+        <p:spPr/>
+        <p:txBody>
+          <a:bodyPr/>
+          <a:lstStyle>
+            <a:lvl1pPr>
+              <a:defRPr/>
+            </a:lvl1pPr>
+          </a:lstStyle>
+          <a:p>
+            <a:r>
+              <a:rPr lang="en-US" dirty="0" err="1" smtClean="0">
+                <a:solidFill>
+                  <a:srgbClr val="000000"/>
+                </a:solidFill>
+                <a:latin typeface="Comic Sans MS"/>
+              </a:rPr>
+              <a:t>lec</a:t>
+            </a:r>
+            <a:r>
+              <a:rPr lang="en-US" dirty="0" smtClean="0">
+                <a:solidFill>
+                  <a:srgbClr val="000000"/>
+                </a:solidFill>
+                <a:latin typeface="Comic Sans MS"/>
+              </a:rPr>
+              <a:t> 8M.</a:t>
+            </a:r>
+            <a:fld id="{0D9BACEC-3AFE-4D6A-95F7-22928FA1E0D4}" type="slidenum">
+              <a:rPr lang="en-US" smtClean="0">
+                <a:solidFill>
+                  <a:srgbClr val="000000"/>
+                </a:solidFill>
+                <a:latin typeface="Comic Sans MS"/>
+              </a:rPr>
+              <a:pPr/>
+              <a:t>‹#›</a:t>
+            </a:fld>
+            <a:endParaRPr lang="en-US" dirty="0">
+              <a:solidFill>
+                <a:srgbClr val="000000"/>
+              </a:solidFill>
+              <a:latin typeface="Comic Sans MS"/>
+            </a:endParaRPr>
+          </a:p>
+        </p:txBody>
+      </p:sp>
     </p:spTree>
+    <p:extLst>
+      <p:ext uri="{BB962C8B-B14F-4D97-AF65-F5344CB8AC3E}">
+        <p14:creationId xmlns:p14="http://schemas.microsoft.com/office/powerpoint/2010/main" val="1488881732"/>
+      </p:ext>
+    </p:extLst>
   </p:cSld>
   <p:clrMapOvr>
     <a:masterClrMapping/>
@@ -2008,7 +2242,7 @@
 </p:sldLayout>
 </file>
 
-<file path=ppt/slideLayouts/slideLayout5.xml><?xml version="1.0" encoding="utf-8"?>
+<file path=ppt/slideLayouts/slideLayout12.xml><?xml version="1.0" encoding="utf-8"?>
 <p:sldLayout xmlns:a="http://schemas.openxmlformats.org/drawingml/2006/main" xmlns:r="http://schemas.openxmlformats.org/officeDocument/2006/relationships" xmlns:p="http://schemas.openxmlformats.org/presentationml/2006/main" type="blank" preserve="1">
   <p:cSld name="Blank">
     <p:spTree>
@@ -2025,7 +2259,68 @@
           <a:chExt cx="0" cy="0"/>
         </a:xfrm>
       </p:grpSpPr>
+      <p:sp>
+        <p:nvSpPr>
+          <p:cNvPr id="2" name="Slide Number Placeholder 1"/>
+          <p:cNvSpPr>
+            <a:spLocks noGrp="1"/>
+          </p:cNvSpPr>
+          <p:nvPr>
+            <p:ph type="sldNum" sz="quarter" idx="10"/>
+          </p:nvPr>
+        </p:nvSpPr>
+        <p:spPr/>
+        <p:txBody>
+          <a:bodyPr/>
+          <a:lstStyle>
+            <a:lvl1pPr>
+              <a:defRPr/>
+            </a:lvl1pPr>
+          </a:lstStyle>
+          <a:p>
+            <a:r>
+              <a:rPr lang="en-US" dirty="0" err="1" smtClean="0">
+                <a:solidFill>
+                  <a:srgbClr val="000000"/>
+                </a:solidFill>
+                <a:latin typeface="Comic Sans MS"/>
+              </a:rPr>
+              <a:t>lec</a:t>
+            </a:r>
+            <a:r>
+              <a:rPr lang="en-US" dirty="0" smtClean="0">
+                <a:solidFill>
+                  <a:srgbClr val="000000"/>
+                </a:solidFill>
+                <a:latin typeface="Comic Sans MS"/>
+              </a:rPr>
+              <a:t> 8M.</a:t>
+            </a:r>
+            <a:fld id="{F6BE0579-943A-465D-AC8F-BB4FC82F6263}" type="slidenum">
+              <a:rPr lang="en-US" smtClean="0">
+                <a:solidFill>
+                  <a:srgbClr val="000000"/>
+                </a:solidFill>
+                <a:latin typeface="Comic Sans MS"/>
+              </a:rPr>
+              <a:pPr/>
+              <a:t>‹#›</a:t>
+            </a:fld>
+            <a:endParaRPr lang="en-US" dirty="0">
+              <a:solidFill>
+                <a:srgbClr val="000000"/>
+              </a:solidFill>
+              <a:latin typeface="Comic Sans MS"/>
+            </a:endParaRPr>
+          </a:p>
+        </p:txBody>
+      </p:sp>
     </p:spTree>
+    <p:extLst>
+      <p:ext uri="{BB962C8B-B14F-4D97-AF65-F5344CB8AC3E}">
+        <p14:creationId xmlns:p14="http://schemas.microsoft.com/office/powerpoint/2010/main" val="317073776"/>
+      </p:ext>
+    </p:extLst>
   </p:cSld>
   <p:clrMapOvr>
     <a:masterClrMapping/>
@@ -2040,7 +2335,7 @@
 </p:sldLayout>
 </file>
 
-<file path=ppt/slideLayouts/slideLayout6.xml><?xml version="1.0" encoding="utf-8"?>
+<file path=ppt/slideLayouts/slideLayout13.xml><?xml version="1.0" encoding="utf-8"?>
 <p:sldLayout xmlns:a="http://schemas.openxmlformats.org/drawingml/2006/main" xmlns:r="http://schemas.openxmlformats.org/officeDocument/2006/relationships" xmlns:p="http://schemas.openxmlformats.org/presentationml/2006/main" type="picTx" preserve="1">
   <p:cSld name="Picture with Caption">
     <p:spTree>
@@ -2215,6 +2510,633 @@
           </a:p>
         </p:txBody>
       </p:sp>
+      <p:sp>
+        <p:nvSpPr>
+          <p:cNvPr id="5" name="Slide Number Placeholder 4"/>
+          <p:cNvSpPr>
+            <a:spLocks noGrp="1"/>
+          </p:cNvSpPr>
+          <p:nvPr>
+            <p:ph type="sldNum" sz="quarter" idx="10"/>
+          </p:nvPr>
+        </p:nvSpPr>
+        <p:spPr/>
+        <p:txBody>
+          <a:bodyPr/>
+          <a:lstStyle>
+            <a:lvl1pPr>
+              <a:defRPr/>
+            </a:lvl1pPr>
+          </a:lstStyle>
+          <a:p>
+            <a:r>
+              <a:rPr lang="en-US" dirty="0" err="1">
+                <a:solidFill>
+                  <a:srgbClr val="000000"/>
+                </a:solidFill>
+                <a:latin typeface="Comic Sans MS"/>
+              </a:rPr>
+              <a:t>lec</a:t>
+            </a:r>
+            <a:r>
+              <a:rPr lang="en-US" dirty="0" smtClean="0">
+                <a:solidFill>
+                  <a:srgbClr val="000000"/>
+                </a:solidFill>
+                <a:latin typeface="Comic Sans MS"/>
+              </a:rPr>
+              <a:t> 8M.</a:t>
+            </a:r>
+            <a:fld id="{9ABFFDF2-8EF6-4F3E-BC91-5F16E330E069}" type="slidenum">
+              <a:rPr lang="en-US" smtClean="0">
+                <a:solidFill>
+                  <a:srgbClr val="000000"/>
+                </a:solidFill>
+                <a:latin typeface="Comic Sans MS"/>
+              </a:rPr>
+              <a:pPr/>
+              <a:t>‹#›</a:t>
+            </a:fld>
+            <a:endParaRPr lang="en-US" dirty="0">
+              <a:solidFill>
+                <a:srgbClr val="000000"/>
+              </a:solidFill>
+              <a:latin typeface="Comic Sans MS"/>
+            </a:endParaRPr>
+          </a:p>
+        </p:txBody>
+      </p:sp>
+    </p:spTree>
+    <p:extLst>
+      <p:ext uri="{BB962C8B-B14F-4D97-AF65-F5344CB8AC3E}">
+        <p14:creationId xmlns:p14="http://schemas.microsoft.com/office/powerpoint/2010/main" val="2623851874"/>
+      </p:ext>
+    </p:extLst>
+  </p:cSld>
+  <p:clrMapOvr>
+    <a:masterClrMapping/>
+  </p:clrMapOvr>
+  <p:timing>
+    <p:tnLst>
+      <p:par>
+        <p:cTn xmlns:p14="http://schemas.microsoft.com/office/powerpoint/2010/main" id="1" dur="indefinite" restart="never" nodeType="tmRoot"/>
+      </p:par>
+    </p:tnLst>
+  </p:timing>
+</p:sldLayout>
+</file>
+
+<file path=ppt/slideLayouts/slideLayout2.xml><?xml version="1.0" encoding="utf-8"?>
+<p:sldLayout xmlns:a="http://schemas.openxmlformats.org/drawingml/2006/main" xmlns:r="http://schemas.openxmlformats.org/officeDocument/2006/relationships" xmlns:p="http://schemas.openxmlformats.org/presentationml/2006/main" type="obj" preserve="1">
+  <p:cSld name="Title and Content">
+    <p:spTree>
+      <p:nvGrpSpPr>
+        <p:cNvPr id="1" name=""/>
+        <p:cNvGrpSpPr/>
+        <p:nvPr/>
+      </p:nvGrpSpPr>
+      <p:grpSpPr>
+        <a:xfrm>
+          <a:off x="0" y="0"/>
+          <a:ext cx="0" cy="0"/>
+          <a:chOff x="0" y="0"/>
+          <a:chExt cx="0" cy="0"/>
+        </a:xfrm>
+      </p:grpSpPr>
+      <p:sp>
+        <p:nvSpPr>
+          <p:cNvPr id="2" name="Title 1"/>
+          <p:cNvSpPr>
+            <a:spLocks noGrp="1"/>
+          </p:cNvSpPr>
+          <p:nvPr>
+            <p:ph type="title"/>
+          </p:nvPr>
+        </p:nvSpPr>
+        <p:spPr/>
+        <p:txBody>
+          <a:bodyPr>
+            <a:normAutofit/>
+          </a:bodyPr>
+          <a:lstStyle>
+            <a:lvl1pPr>
+              <a:defRPr sz="3200"/>
+            </a:lvl1pPr>
+          </a:lstStyle>
+          <a:p>
+            <a:r>
+              <a:rPr lang="en-US" dirty="0" smtClean="0"/>
+              <a:t>Click to edit Master title style</a:t>
+            </a:r>
+            <a:endParaRPr lang="en-US" dirty="0"/>
+          </a:p>
+        </p:txBody>
+      </p:sp>
+      <p:sp>
+        <p:nvSpPr>
+          <p:cNvPr id="3" name="Content Placeholder 2"/>
+          <p:cNvSpPr>
+            <a:spLocks noGrp="1"/>
+          </p:cNvSpPr>
+          <p:nvPr>
+            <p:ph idx="1"/>
+          </p:nvPr>
+        </p:nvSpPr>
+        <p:spPr/>
+        <p:txBody>
+          <a:bodyPr/>
+          <a:lstStyle/>
+          <a:p>
+            <a:pPr lvl="0"/>
+            <a:r>
+              <a:rPr lang="en-US" smtClean="0"/>
+              <a:t>Click to edit Master text styles</a:t>
+            </a:r>
+          </a:p>
+          <a:p>
+            <a:pPr lvl="1"/>
+            <a:r>
+              <a:rPr lang="en-US" smtClean="0"/>
+              <a:t>Second level</a:t>
+            </a:r>
+          </a:p>
+          <a:p>
+            <a:pPr lvl="2"/>
+            <a:r>
+              <a:rPr lang="en-US" smtClean="0"/>
+              <a:t>Third level</a:t>
+            </a:r>
+          </a:p>
+          <a:p>
+            <a:pPr lvl="3"/>
+            <a:r>
+              <a:rPr lang="en-US" smtClean="0"/>
+              <a:t>Fourth level</a:t>
+            </a:r>
+          </a:p>
+          <a:p>
+            <a:pPr lvl="4"/>
+            <a:r>
+              <a:rPr lang="en-US" smtClean="0"/>
+              <a:t>Fifth level</a:t>
+            </a:r>
+            <a:endParaRPr lang="en-US"/>
+          </a:p>
+        </p:txBody>
+      </p:sp>
+    </p:spTree>
+  </p:cSld>
+  <p:clrMapOvr>
+    <a:masterClrMapping/>
+  </p:clrMapOvr>
+  <p:timing>
+    <p:tnLst>
+      <p:par>
+        <p:cTn xmlns:p14="http://schemas.microsoft.com/office/powerpoint/2010/main" id="1" dur="indefinite" restart="never" nodeType="tmRoot"/>
+      </p:par>
+    </p:tnLst>
+  </p:timing>
+</p:sldLayout>
+</file>
+
+<file path=ppt/slideLayouts/slideLayout3.xml><?xml version="1.0" encoding="utf-8"?>
+<p:sldLayout xmlns:a="http://schemas.openxmlformats.org/drawingml/2006/main" xmlns:r="http://schemas.openxmlformats.org/officeDocument/2006/relationships" xmlns:p="http://schemas.openxmlformats.org/presentationml/2006/main" type="secHead" preserve="1">
+  <p:cSld name="Section Header">
+    <p:spTree>
+      <p:nvGrpSpPr>
+        <p:cNvPr id="1" name=""/>
+        <p:cNvGrpSpPr/>
+        <p:nvPr/>
+      </p:nvGrpSpPr>
+      <p:grpSpPr>
+        <a:xfrm>
+          <a:off x="0" y="0"/>
+          <a:ext cx="0" cy="0"/>
+          <a:chOff x="0" y="0"/>
+          <a:chExt cx="0" cy="0"/>
+        </a:xfrm>
+      </p:grpSpPr>
+      <p:sp>
+        <p:nvSpPr>
+          <p:cNvPr id="2" name="Title 1"/>
+          <p:cNvSpPr>
+            <a:spLocks noGrp="1"/>
+          </p:cNvSpPr>
+          <p:nvPr>
+            <p:ph type="title"/>
+          </p:nvPr>
+        </p:nvSpPr>
+        <p:spPr>
+          <a:xfrm>
+            <a:off x="722313" y="4406900"/>
+            <a:ext cx="7772400" cy="1362075"/>
+          </a:xfrm>
+        </p:spPr>
+        <p:txBody>
+          <a:bodyPr anchor="t"/>
+          <a:lstStyle>
+            <a:lvl1pPr algn="l">
+              <a:defRPr sz="4000" b="1" cap="all"/>
+            </a:lvl1pPr>
+          </a:lstStyle>
+          <a:p>
+            <a:r>
+              <a:rPr lang="en-US" smtClean="0"/>
+              <a:t>Click to edit Master title style</a:t>
+            </a:r>
+            <a:endParaRPr lang="en-US"/>
+          </a:p>
+        </p:txBody>
+      </p:sp>
+      <p:sp>
+        <p:nvSpPr>
+          <p:cNvPr id="3" name="Text Placeholder 2"/>
+          <p:cNvSpPr>
+            <a:spLocks noGrp="1"/>
+          </p:cNvSpPr>
+          <p:nvPr>
+            <p:ph type="body" idx="1"/>
+          </p:nvPr>
+        </p:nvSpPr>
+        <p:spPr>
+          <a:xfrm>
+            <a:off x="722313" y="2906713"/>
+            <a:ext cx="7772400" cy="1500187"/>
+          </a:xfrm>
+        </p:spPr>
+        <p:txBody>
+          <a:bodyPr anchor="b"/>
+          <a:lstStyle>
+            <a:lvl1pPr marL="0" indent="0">
+              <a:buNone/>
+              <a:defRPr sz="2000">
+                <a:solidFill>
+                  <a:schemeClr val="tx1">
+                    <a:tint val="75000"/>
+                  </a:schemeClr>
+                </a:solidFill>
+              </a:defRPr>
+            </a:lvl1pPr>
+            <a:lvl2pPr marL="457200" indent="0">
+              <a:buNone/>
+              <a:defRPr sz="1800">
+                <a:solidFill>
+                  <a:schemeClr val="tx1">
+                    <a:tint val="75000"/>
+                  </a:schemeClr>
+                </a:solidFill>
+              </a:defRPr>
+            </a:lvl2pPr>
+            <a:lvl3pPr marL="914400" indent="0">
+              <a:buNone/>
+              <a:defRPr sz="1600">
+                <a:solidFill>
+                  <a:schemeClr val="tx1">
+                    <a:tint val="75000"/>
+                  </a:schemeClr>
+                </a:solidFill>
+              </a:defRPr>
+            </a:lvl3pPr>
+            <a:lvl4pPr marL="1371600" indent="0">
+              <a:buNone/>
+              <a:defRPr sz="1400">
+                <a:solidFill>
+                  <a:schemeClr val="tx1">
+                    <a:tint val="75000"/>
+                  </a:schemeClr>
+                </a:solidFill>
+              </a:defRPr>
+            </a:lvl4pPr>
+            <a:lvl5pPr marL="1828800" indent="0">
+              <a:buNone/>
+              <a:defRPr sz="1400">
+                <a:solidFill>
+                  <a:schemeClr val="tx1">
+                    <a:tint val="75000"/>
+                  </a:schemeClr>
+                </a:solidFill>
+              </a:defRPr>
+            </a:lvl5pPr>
+            <a:lvl6pPr marL="2286000" indent="0">
+              <a:buNone/>
+              <a:defRPr sz="1400">
+                <a:solidFill>
+                  <a:schemeClr val="tx1">
+                    <a:tint val="75000"/>
+                  </a:schemeClr>
+                </a:solidFill>
+              </a:defRPr>
+            </a:lvl6pPr>
+            <a:lvl7pPr marL="2743200" indent="0">
+              <a:buNone/>
+              <a:defRPr sz="1400">
+                <a:solidFill>
+                  <a:schemeClr val="tx1">
+                    <a:tint val="75000"/>
+                  </a:schemeClr>
+                </a:solidFill>
+              </a:defRPr>
+            </a:lvl7pPr>
+            <a:lvl8pPr marL="3200400" indent="0">
+              <a:buNone/>
+              <a:defRPr sz="1400">
+                <a:solidFill>
+                  <a:schemeClr val="tx1">
+                    <a:tint val="75000"/>
+                  </a:schemeClr>
+                </a:solidFill>
+              </a:defRPr>
+            </a:lvl8pPr>
+            <a:lvl9pPr marL="3657600" indent="0">
+              <a:buNone/>
+              <a:defRPr sz="1400">
+                <a:solidFill>
+                  <a:schemeClr val="tx1">
+                    <a:tint val="75000"/>
+                  </a:schemeClr>
+                </a:solidFill>
+              </a:defRPr>
+            </a:lvl9pPr>
+          </a:lstStyle>
+          <a:p>
+            <a:pPr lvl="0"/>
+            <a:r>
+              <a:rPr lang="en-US" smtClean="0"/>
+              <a:t>Click to edit Master text styles</a:t>
+            </a:r>
+          </a:p>
+        </p:txBody>
+      </p:sp>
+    </p:spTree>
+  </p:cSld>
+  <p:clrMapOvr>
+    <a:masterClrMapping/>
+  </p:clrMapOvr>
+</p:sldLayout>
+</file>
+
+<file path=ppt/slideLayouts/slideLayout4.xml><?xml version="1.0" encoding="utf-8"?>
+<p:sldLayout xmlns:a="http://schemas.openxmlformats.org/drawingml/2006/main" xmlns:r="http://schemas.openxmlformats.org/officeDocument/2006/relationships" xmlns:p="http://schemas.openxmlformats.org/presentationml/2006/main" type="titleOnly" preserve="1">
+  <p:cSld name="Title Only">
+    <p:spTree>
+      <p:nvGrpSpPr>
+        <p:cNvPr id="1" name=""/>
+        <p:cNvGrpSpPr/>
+        <p:nvPr/>
+      </p:nvGrpSpPr>
+      <p:grpSpPr>
+        <a:xfrm>
+          <a:off x="0" y="0"/>
+          <a:ext cx="0" cy="0"/>
+          <a:chOff x="0" y="0"/>
+          <a:chExt cx="0" cy="0"/>
+        </a:xfrm>
+      </p:grpSpPr>
+      <p:sp>
+        <p:nvSpPr>
+          <p:cNvPr id="2" name="Title 1"/>
+          <p:cNvSpPr>
+            <a:spLocks noGrp="1"/>
+          </p:cNvSpPr>
+          <p:nvPr>
+            <p:ph type="title"/>
+          </p:nvPr>
+        </p:nvSpPr>
+        <p:spPr/>
+        <p:txBody>
+          <a:bodyPr/>
+          <a:lstStyle/>
+          <a:p>
+            <a:r>
+              <a:rPr lang="en-US" smtClean="0"/>
+              <a:t>Click to edit Master title style</a:t>
+            </a:r>
+            <a:endParaRPr lang="en-US"/>
+          </a:p>
+        </p:txBody>
+      </p:sp>
+    </p:spTree>
+  </p:cSld>
+  <p:clrMapOvr>
+    <a:masterClrMapping/>
+  </p:clrMapOvr>
+  <p:timing>
+    <p:tnLst>
+      <p:par>
+        <p:cTn xmlns:p14="http://schemas.microsoft.com/office/powerpoint/2010/main" id="1" dur="indefinite" restart="never" nodeType="tmRoot"/>
+      </p:par>
+    </p:tnLst>
+  </p:timing>
+</p:sldLayout>
+</file>
+
+<file path=ppt/slideLayouts/slideLayout5.xml><?xml version="1.0" encoding="utf-8"?>
+<p:sldLayout xmlns:a="http://schemas.openxmlformats.org/drawingml/2006/main" xmlns:r="http://schemas.openxmlformats.org/officeDocument/2006/relationships" xmlns:p="http://schemas.openxmlformats.org/presentationml/2006/main" type="blank" preserve="1">
+  <p:cSld name="Blank">
+    <p:spTree>
+      <p:nvGrpSpPr>
+        <p:cNvPr id="1" name=""/>
+        <p:cNvGrpSpPr/>
+        <p:nvPr/>
+      </p:nvGrpSpPr>
+      <p:grpSpPr>
+        <a:xfrm>
+          <a:off x="0" y="0"/>
+          <a:ext cx="0" cy="0"/>
+          <a:chOff x="0" y="0"/>
+          <a:chExt cx="0" cy="0"/>
+        </a:xfrm>
+      </p:grpSpPr>
+    </p:spTree>
+  </p:cSld>
+  <p:clrMapOvr>
+    <a:masterClrMapping/>
+  </p:clrMapOvr>
+  <p:timing>
+    <p:tnLst>
+      <p:par>
+        <p:cTn xmlns:p14="http://schemas.microsoft.com/office/powerpoint/2010/main" id="1" dur="indefinite" restart="never" nodeType="tmRoot"/>
+      </p:par>
+    </p:tnLst>
+  </p:timing>
+</p:sldLayout>
+</file>
+
+<file path=ppt/slideLayouts/slideLayout6.xml><?xml version="1.0" encoding="utf-8"?>
+<p:sldLayout xmlns:a="http://schemas.openxmlformats.org/drawingml/2006/main" xmlns:r="http://schemas.openxmlformats.org/officeDocument/2006/relationships" xmlns:p="http://schemas.openxmlformats.org/presentationml/2006/main" type="picTx" preserve="1">
+  <p:cSld name="Picture with Caption">
+    <p:spTree>
+      <p:nvGrpSpPr>
+        <p:cNvPr id="1" name=""/>
+        <p:cNvGrpSpPr/>
+        <p:nvPr/>
+      </p:nvGrpSpPr>
+      <p:grpSpPr>
+        <a:xfrm>
+          <a:off x="0" y="0"/>
+          <a:ext cx="0" cy="0"/>
+          <a:chOff x="0" y="0"/>
+          <a:chExt cx="0" cy="0"/>
+        </a:xfrm>
+      </p:grpSpPr>
+      <p:sp>
+        <p:nvSpPr>
+          <p:cNvPr id="2" name="Title 1"/>
+          <p:cNvSpPr>
+            <a:spLocks noGrp="1"/>
+          </p:cNvSpPr>
+          <p:nvPr>
+            <p:ph type="title"/>
+          </p:nvPr>
+        </p:nvSpPr>
+        <p:spPr>
+          <a:xfrm>
+            <a:off x="1792288" y="4800600"/>
+            <a:ext cx="5486400" cy="566738"/>
+          </a:xfrm>
+        </p:spPr>
+        <p:txBody>
+          <a:bodyPr anchor="b"/>
+          <a:lstStyle>
+            <a:lvl1pPr algn="l">
+              <a:defRPr sz="2000" b="1"/>
+            </a:lvl1pPr>
+          </a:lstStyle>
+          <a:p>
+            <a:r>
+              <a:rPr lang="en-US" smtClean="0"/>
+              <a:t>Click to edit Master title style</a:t>
+            </a:r>
+            <a:endParaRPr lang="en-US"/>
+          </a:p>
+        </p:txBody>
+      </p:sp>
+      <p:sp>
+        <p:nvSpPr>
+          <p:cNvPr id="3" name="Picture Placeholder 2"/>
+          <p:cNvSpPr>
+            <a:spLocks noGrp="1"/>
+          </p:cNvSpPr>
+          <p:nvPr>
+            <p:ph type="pic" idx="1"/>
+          </p:nvPr>
+        </p:nvSpPr>
+        <p:spPr>
+          <a:xfrm>
+            <a:off x="1792288" y="612775"/>
+            <a:ext cx="5486400" cy="4114800"/>
+          </a:xfrm>
+        </p:spPr>
+        <p:txBody>
+          <a:bodyPr/>
+          <a:lstStyle>
+            <a:lvl1pPr marL="0" indent="0">
+              <a:buNone/>
+              <a:defRPr sz="3200"/>
+            </a:lvl1pPr>
+            <a:lvl2pPr marL="457200" indent="0">
+              <a:buNone/>
+              <a:defRPr sz="2800"/>
+            </a:lvl2pPr>
+            <a:lvl3pPr marL="914400" indent="0">
+              <a:buNone/>
+              <a:defRPr sz="2400"/>
+            </a:lvl3pPr>
+            <a:lvl4pPr marL="1371600" indent="0">
+              <a:buNone/>
+              <a:defRPr sz="2000"/>
+            </a:lvl4pPr>
+            <a:lvl5pPr marL="1828800" indent="0">
+              <a:buNone/>
+              <a:defRPr sz="2000"/>
+            </a:lvl5pPr>
+            <a:lvl6pPr marL="2286000" indent="0">
+              <a:buNone/>
+              <a:defRPr sz="2000"/>
+            </a:lvl6pPr>
+            <a:lvl7pPr marL="2743200" indent="0">
+              <a:buNone/>
+              <a:defRPr sz="2000"/>
+            </a:lvl7pPr>
+            <a:lvl8pPr marL="3200400" indent="0">
+              <a:buNone/>
+              <a:defRPr sz="2000"/>
+            </a:lvl8pPr>
+            <a:lvl9pPr marL="3657600" indent="0">
+              <a:buNone/>
+              <a:defRPr sz="2000"/>
+            </a:lvl9pPr>
+          </a:lstStyle>
+          <a:p>
+            <a:endParaRPr lang="en-US"/>
+          </a:p>
+        </p:txBody>
+      </p:sp>
+      <p:sp>
+        <p:nvSpPr>
+          <p:cNvPr id="4" name="Text Placeholder 3"/>
+          <p:cNvSpPr>
+            <a:spLocks noGrp="1"/>
+          </p:cNvSpPr>
+          <p:nvPr>
+            <p:ph type="body" sz="half" idx="2"/>
+          </p:nvPr>
+        </p:nvSpPr>
+        <p:spPr>
+          <a:xfrm>
+            <a:off x="1792288" y="5367338"/>
+            <a:ext cx="5486400" cy="804862"/>
+          </a:xfrm>
+        </p:spPr>
+        <p:txBody>
+          <a:bodyPr/>
+          <a:lstStyle>
+            <a:lvl1pPr marL="0" indent="0">
+              <a:buNone/>
+              <a:defRPr sz="1400"/>
+            </a:lvl1pPr>
+            <a:lvl2pPr marL="457200" indent="0">
+              <a:buNone/>
+              <a:defRPr sz="1200"/>
+            </a:lvl2pPr>
+            <a:lvl3pPr marL="914400" indent="0">
+              <a:buNone/>
+              <a:defRPr sz="1000"/>
+            </a:lvl3pPr>
+            <a:lvl4pPr marL="1371600" indent="0">
+              <a:buNone/>
+              <a:defRPr sz="900"/>
+            </a:lvl4pPr>
+            <a:lvl5pPr marL="1828800" indent="0">
+              <a:buNone/>
+              <a:defRPr sz="900"/>
+            </a:lvl5pPr>
+            <a:lvl6pPr marL="2286000" indent="0">
+              <a:buNone/>
+              <a:defRPr sz="900"/>
+            </a:lvl6pPr>
+            <a:lvl7pPr marL="2743200" indent="0">
+              <a:buNone/>
+              <a:defRPr sz="900"/>
+            </a:lvl7pPr>
+            <a:lvl8pPr marL="3200400" indent="0">
+              <a:buNone/>
+              <a:defRPr sz="900"/>
+            </a:lvl8pPr>
+            <a:lvl9pPr marL="3657600" indent="0">
+              <a:buNone/>
+              <a:defRPr sz="900"/>
+            </a:lvl9pPr>
+          </a:lstStyle>
+          <a:p>
+            <a:pPr lvl="0"/>
+            <a:r>
+              <a:rPr lang="en-US" smtClean="0"/>
+              <a:t>Click to edit Master text styles</a:t>
+            </a:r>
+          </a:p>
+        </p:txBody>
+      </p:sp>
     </p:spTree>
   </p:cSld>
   <p:clrMapOvr>
@@ -2293,6 +3215,360 @@
         </p:txBody>
       </p:sp>
     </p:spTree>
+  </p:cSld>
+  <p:clrMapOvr>
+    <a:masterClrMapping/>
+  </p:clrMapOvr>
+  <p:timing>
+    <p:tnLst>
+      <p:par>
+        <p:cTn xmlns:p14="http://schemas.microsoft.com/office/powerpoint/2010/main" id="1" dur="indefinite" restart="never" nodeType="tmRoot"/>
+      </p:par>
+    </p:tnLst>
+  </p:timing>
+</p:sldLayout>
+</file>
+
+<file path=ppt/slideLayouts/slideLayout8.xml><?xml version="1.0" encoding="utf-8"?>
+<p:sldLayout xmlns:a="http://schemas.openxmlformats.org/drawingml/2006/main" xmlns:r="http://schemas.openxmlformats.org/officeDocument/2006/relationships" xmlns:p="http://schemas.openxmlformats.org/presentationml/2006/main" type="title" preserve="1">
+  <p:cSld name="Title Slide">
+    <p:spTree>
+      <p:nvGrpSpPr>
+        <p:cNvPr id="1" name=""/>
+        <p:cNvGrpSpPr/>
+        <p:nvPr/>
+      </p:nvGrpSpPr>
+      <p:grpSpPr>
+        <a:xfrm>
+          <a:off x="0" y="0"/>
+          <a:ext cx="0" cy="0"/>
+          <a:chOff x="0" y="0"/>
+          <a:chExt cx="0" cy="0"/>
+        </a:xfrm>
+      </p:grpSpPr>
+      <p:sp>
+        <p:nvSpPr>
+          <p:cNvPr id="2" name="Title 1"/>
+          <p:cNvSpPr>
+            <a:spLocks noGrp="1"/>
+          </p:cNvSpPr>
+          <p:nvPr>
+            <p:ph type="ctrTitle"/>
+          </p:nvPr>
+        </p:nvSpPr>
+        <p:spPr>
+          <a:xfrm>
+            <a:off x="685800" y="2130425"/>
+            <a:ext cx="7772400" cy="1470025"/>
+          </a:xfrm>
+        </p:spPr>
+        <p:txBody>
+          <a:bodyPr/>
+          <a:lstStyle/>
+          <a:p>
+            <a:r>
+              <a:rPr lang="en-US" smtClean="0"/>
+              <a:t>Click to edit Master title style</a:t>
+            </a:r>
+            <a:endParaRPr lang="en-US"/>
+          </a:p>
+        </p:txBody>
+      </p:sp>
+      <p:sp>
+        <p:nvSpPr>
+          <p:cNvPr id="3" name="Subtitle 2"/>
+          <p:cNvSpPr>
+            <a:spLocks noGrp="1"/>
+          </p:cNvSpPr>
+          <p:nvPr>
+            <p:ph type="subTitle" idx="1"/>
+          </p:nvPr>
+        </p:nvSpPr>
+        <p:spPr>
+          <a:xfrm>
+            <a:off x="1371600" y="3886200"/>
+            <a:ext cx="6400800" cy="1752600"/>
+          </a:xfrm>
+        </p:spPr>
+        <p:txBody>
+          <a:bodyPr/>
+          <a:lstStyle>
+            <a:lvl1pPr marL="0" indent="0" algn="ctr">
+              <a:buNone/>
+              <a:defRPr/>
+            </a:lvl1pPr>
+            <a:lvl2pPr marL="457200" indent="0" algn="ctr">
+              <a:buNone/>
+              <a:defRPr/>
+            </a:lvl2pPr>
+            <a:lvl3pPr marL="914400" indent="0" algn="ctr">
+              <a:buNone/>
+              <a:defRPr/>
+            </a:lvl3pPr>
+            <a:lvl4pPr marL="1371600" indent="0" algn="ctr">
+              <a:buNone/>
+              <a:defRPr/>
+            </a:lvl4pPr>
+            <a:lvl5pPr marL="1828800" indent="0" algn="ctr">
+              <a:buNone/>
+              <a:defRPr/>
+            </a:lvl5pPr>
+            <a:lvl6pPr marL="2286000" indent="0" algn="ctr">
+              <a:buNone/>
+              <a:defRPr/>
+            </a:lvl6pPr>
+            <a:lvl7pPr marL="2743200" indent="0" algn="ctr">
+              <a:buNone/>
+              <a:defRPr/>
+            </a:lvl7pPr>
+            <a:lvl8pPr marL="3200400" indent="0" algn="ctr">
+              <a:buNone/>
+              <a:defRPr/>
+            </a:lvl8pPr>
+            <a:lvl9pPr marL="3657600" indent="0" algn="ctr">
+              <a:buNone/>
+              <a:defRPr/>
+            </a:lvl9pPr>
+          </a:lstStyle>
+          <a:p>
+            <a:r>
+              <a:rPr lang="en-US" smtClean="0"/>
+              <a:t>Click to edit Master subtitle style</a:t>
+            </a:r>
+            <a:endParaRPr lang="en-US"/>
+          </a:p>
+        </p:txBody>
+      </p:sp>
+      <p:sp>
+        <p:nvSpPr>
+          <p:cNvPr id="4" name="Slide Number Placeholder 3"/>
+          <p:cNvSpPr>
+            <a:spLocks noGrp="1"/>
+          </p:cNvSpPr>
+          <p:nvPr>
+            <p:ph type="sldNum" sz="quarter" idx="10"/>
+          </p:nvPr>
+        </p:nvSpPr>
+        <p:spPr/>
+        <p:txBody>
+          <a:bodyPr/>
+          <a:lstStyle>
+            <a:lvl1pPr>
+              <a:defRPr/>
+            </a:lvl1pPr>
+          </a:lstStyle>
+          <a:p>
+            <a:r>
+              <a:rPr lang="en-US" dirty="0" err="1">
+                <a:solidFill>
+                  <a:srgbClr val="000000"/>
+                </a:solidFill>
+                <a:latin typeface="Comic Sans MS"/>
+              </a:rPr>
+              <a:t>lec</a:t>
+            </a:r>
+            <a:r>
+              <a:rPr lang="en-US" dirty="0" smtClean="0">
+                <a:solidFill>
+                  <a:srgbClr val="000000"/>
+                </a:solidFill>
+                <a:latin typeface="Comic Sans MS"/>
+              </a:rPr>
+              <a:t> 8M.</a:t>
+            </a:r>
+            <a:fld id="{2AF49EA3-B1C2-4437-84E9-F0A2054D847B}" type="slidenum">
+              <a:rPr lang="en-US" smtClean="0">
+                <a:solidFill>
+                  <a:srgbClr val="000000"/>
+                </a:solidFill>
+                <a:latin typeface="Comic Sans MS"/>
+              </a:rPr>
+              <a:pPr/>
+              <a:t>‹#›</a:t>
+            </a:fld>
+            <a:endParaRPr lang="en-US" dirty="0">
+              <a:solidFill>
+                <a:srgbClr val="000000"/>
+              </a:solidFill>
+              <a:latin typeface="Comic Sans MS"/>
+            </a:endParaRPr>
+          </a:p>
+        </p:txBody>
+      </p:sp>
+    </p:spTree>
+    <p:extLst>
+      <p:ext uri="{BB962C8B-B14F-4D97-AF65-F5344CB8AC3E}">
+        <p14:creationId xmlns:p14="http://schemas.microsoft.com/office/powerpoint/2010/main" val="2834010484"/>
+      </p:ext>
+    </p:extLst>
+  </p:cSld>
+  <p:clrMapOvr>
+    <a:masterClrMapping/>
+  </p:clrMapOvr>
+  <p:timing>
+    <p:tnLst>
+      <p:par>
+        <p:cTn xmlns:p14="http://schemas.microsoft.com/office/powerpoint/2010/main" id="1" dur="indefinite" restart="never" nodeType="tmRoot"/>
+      </p:par>
+    </p:tnLst>
+  </p:timing>
+</p:sldLayout>
+</file>
+
+<file path=ppt/slideLayouts/slideLayout9.xml><?xml version="1.0" encoding="utf-8"?>
+<p:sldLayout xmlns:a="http://schemas.openxmlformats.org/drawingml/2006/main" xmlns:r="http://schemas.openxmlformats.org/officeDocument/2006/relationships" xmlns:p="http://schemas.openxmlformats.org/presentationml/2006/main" type="obj" preserve="1">
+  <p:cSld name="Title and Content">
+    <p:spTree>
+      <p:nvGrpSpPr>
+        <p:cNvPr id="1" name=""/>
+        <p:cNvGrpSpPr/>
+        <p:nvPr/>
+      </p:nvGrpSpPr>
+      <p:grpSpPr>
+        <a:xfrm>
+          <a:off x="0" y="0"/>
+          <a:ext cx="0" cy="0"/>
+          <a:chOff x="0" y="0"/>
+          <a:chExt cx="0" cy="0"/>
+        </a:xfrm>
+      </p:grpSpPr>
+      <p:sp>
+        <p:nvSpPr>
+          <p:cNvPr id="2" name="Title 1"/>
+          <p:cNvSpPr>
+            <a:spLocks noGrp="1"/>
+          </p:cNvSpPr>
+          <p:nvPr>
+            <p:ph type="title"/>
+          </p:nvPr>
+        </p:nvSpPr>
+        <p:spPr/>
+        <p:txBody>
+          <a:bodyPr/>
+          <a:lstStyle/>
+          <a:p>
+            <a:r>
+              <a:rPr lang="en-US" smtClean="0"/>
+              <a:t>Click to edit Master title style</a:t>
+            </a:r>
+            <a:endParaRPr lang="en-US"/>
+          </a:p>
+        </p:txBody>
+      </p:sp>
+      <p:sp>
+        <p:nvSpPr>
+          <p:cNvPr id="3" name="Content Placeholder 2"/>
+          <p:cNvSpPr>
+            <a:spLocks noGrp="1"/>
+          </p:cNvSpPr>
+          <p:nvPr>
+            <p:ph idx="1"/>
+          </p:nvPr>
+        </p:nvSpPr>
+        <p:spPr/>
+        <p:txBody>
+          <a:bodyPr/>
+          <a:lstStyle/>
+          <a:p>
+            <a:pPr lvl="0"/>
+            <a:r>
+              <a:rPr lang="en-US" smtClean="0"/>
+              <a:t>Click to edit Master text styles</a:t>
+            </a:r>
+          </a:p>
+          <a:p>
+            <a:pPr lvl="1"/>
+            <a:r>
+              <a:rPr lang="en-US" smtClean="0"/>
+              <a:t>Second level</a:t>
+            </a:r>
+          </a:p>
+          <a:p>
+            <a:pPr lvl="2"/>
+            <a:r>
+              <a:rPr lang="en-US" smtClean="0"/>
+              <a:t>Third level</a:t>
+            </a:r>
+          </a:p>
+          <a:p>
+            <a:pPr lvl="3"/>
+            <a:r>
+              <a:rPr lang="en-US" smtClean="0"/>
+              <a:t>Fourth level</a:t>
+            </a:r>
+          </a:p>
+          <a:p>
+            <a:pPr lvl="4"/>
+            <a:r>
+              <a:rPr lang="en-US" smtClean="0"/>
+              <a:t>Fifth level</a:t>
+            </a:r>
+            <a:endParaRPr lang="en-US"/>
+          </a:p>
+        </p:txBody>
+      </p:sp>
+      <p:sp>
+        <p:nvSpPr>
+          <p:cNvPr id="4" name="Slide Number Placeholder 3"/>
+          <p:cNvSpPr>
+            <a:spLocks noGrp="1"/>
+          </p:cNvSpPr>
+          <p:nvPr>
+            <p:ph type="sldNum" sz="quarter" idx="10"/>
+          </p:nvPr>
+        </p:nvSpPr>
+        <p:spPr/>
+        <p:txBody>
+          <a:bodyPr/>
+          <a:lstStyle>
+            <a:lvl1pPr>
+              <a:defRPr/>
+            </a:lvl1pPr>
+          </a:lstStyle>
+          <a:p>
+            <a:r>
+              <a:rPr lang="en-US" dirty="0" err="1" smtClean="0">
+                <a:solidFill>
+                  <a:srgbClr val="000000"/>
+                </a:solidFill>
+                <a:latin typeface="Comic Sans MS"/>
+              </a:rPr>
+              <a:t>lec</a:t>
+            </a:r>
+            <a:r>
+              <a:rPr lang="en-US" dirty="0" smtClean="0">
+                <a:solidFill>
+                  <a:srgbClr val="000000"/>
+                </a:solidFill>
+                <a:latin typeface="Comic Sans MS"/>
+              </a:rPr>
+              <a:t> 8M.</a:t>
+            </a:r>
+            <a:fld id="{96F619E6-6DF7-40A3-ABA3-08075F9C9DE7}" type="slidenum">
+              <a:rPr lang="en-US" smtClean="0">
+                <a:solidFill>
+                  <a:srgbClr val="000000"/>
+                </a:solidFill>
+                <a:latin typeface="Comic Sans MS"/>
+              </a:rPr>
+              <a:pPr/>
+              <a:t>‹#›</a:t>
+            </a:fld>
+            <a:endParaRPr lang="en-US" dirty="0">
+              <a:solidFill>
+                <a:srgbClr val="000000"/>
+              </a:solidFill>
+              <a:latin typeface="Comic Sans MS"/>
+            </a:endParaRPr>
+          </a:p>
+        </p:txBody>
+      </p:sp>
+    </p:spTree>
+    <p:extLst>
+      <p:ext uri="{BB962C8B-B14F-4D97-AF65-F5344CB8AC3E}">
+        <p14:creationId xmlns:p14="http://schemas.microsoft.com/office/powerpoint/2010/main" val="2296442670"/>
+      </p:ext>
+    </p:extLst>
   </p:cSld>
   <p:clrMapOvr>
     <a:masterClrMapping/>
@@ -2904,6 +4180,737 @@
 </p:sldMaster>
 </file>
 
+<file path=ppt/slideMasters/slideMaster2.xml><?xml version="1.0" encoding="utf-8"?>
+<p:sldMaster xmlns:a="http://schemas.openxmlformats.org/drawingml/2006/main" xmlns:r="http://schemas.openxmlformats.org/officeDocument/2006/relationships" xmlns:p="http://schemas.openxmlformats.org/presentationml/2006/main">
+  <p:cSld>
+    <p:bg>
+      <p:bgPr>
+        <a:solidFill>
+          <a:schemeClr val="accent1"/>
+        </a:solidFill>
+        <a:effectLst/>
+      </p:bgPr>
+    </p:bg>
+    <p:spTree>
+      <p:nvGrpSpPr>
+        <p:cNvPr id="1" name=""/>
+        <p:cNvGrpSpPr/>
+        <p:nvPr/>
+      </p:nvGrpSpPr>
+      <p:grpSpPr>
+        <a:xfrm>
+          <a:off x="0" y="0"/>
+          <a:ext cx="0" cy="0"/>
+          <a:chOff x="0" y="0"/>
+          <a:chExt cx="0" cy="0"/>
+        </a:xfrm>
+      </p:grpSpPr>
+      <p:sp>
+        <p:nvSpPr>
+          <p:cNvPr id="12290" name="Rectangle 2"/>
+          <p:cNvSpPr>
+            <a:spLocks noGrp="1" noChangeArrowheads="1"/>
+          </p:cNvSpPr>
+          <p:nvPr>
+            <p:ph type="title"/>
+          </p:nvPr>
+        </p:nvSpPr>
+        <p:spPr bwMode="auto">
+          <a:xfrm>
+            <a:off x="1447800" y="0"/>
+            <a:ext cx="7543800" cy="1143000"/>
+          </a:xfrm>
+          <a:prstGeom prst="rect">
+            <a:avLst/>
+          </a:prstGeom>
+          <a:noFill/>
+          <a:ln w="9525">
+            <a:noFill/>
+            <a:miter lim="800000"/>
+            <a:headEnd/>
+            <a:tailEnd/>
+          </a:ln>
+          <a:effectLst/>
+        </p:spPr>
+        <p:txBody>
+          <a:bodyPr vert="horz" wrap="square" lIns="91440" tIns="45720" rIns="91440" bIns="45720" numCol="1" anchor="ctr" anchorCtr="0" compatLnSpc="1">
+            <a:prstTxWarp prst="textNoShape">
+              <a:avLst/>
+            </a:prstTxWarp>
+          </a:bodyPr>
+          <a:lstStyle/>
+          <a:p>
+            <a:pPr lvl="0"/>
+            <a:r>
+              <a:rPr lang="en-US" smtClean="0"/>
+              <a:t>Click to edit Master title style</a:t>
+            </a:r>
+          </a:p>
+        </p:txBody>
+      </p:sp>
+      <p:sp>
+        <p:nvSpPr>
+          <p:cNvPr id="12291" name="Rectangle 3"/>
+          <p:cNvSpPr>
+            <a:spLocks noGrp="1" noChangeArrowheads="1"/>
+          </p:cNvSpPr>
+          <p:nvPr>
+            <p:ph type="body" idx="1"/>
+          </p:nvPr>
+        </p:nvSpPr>
+        <p:spPr bwMode="auto">
+          <a:xfrm>
+            <a:off x="685800" y="2057400"/>
+            <a:ext cx="7772400" cy="4114800"/>
+          </a:xfrm>
+          <a:prstGeom prst="rect">
+            <a:avLst/>
+          </a:prstGeom>
+          <a:noFill/>
+          <a:ln w="9525">
+            <a:noFill/>
+            <a:miter lim="800000"/>
+            <a:headEnd/>
+            <a:tailEnd/>
+          </a:ln>
+          <a:effectLst/>
+        </p:spPr>
+        <p:txBody>
+          <a:bodyPr vert="horz" wrap="square" lIns="91440" tIns="45720" rIns="91440" bIns="45720" numCol="1" anchor="t" anchorCtr="0" compatLnSpc="1">
+            <a:prstTxWarp prst="textNoShape">
+              <a:avLst/>
+            </a:prstTxWarp>
+          </a:bodyPr>
+          <a:lstStyle/>
+          <a:p>
+            <a:pPr lvl="0"/>
+            <a:r>
+              <a:rPr lang="en-US" dirty="0" smtClean="0"/>
+              <a:t>Click Master text styles</a:t>
+            </a:r>
+          </a:p>
+          <a:p>
+            <a:pPr lvl="1"/>
+            <a:r>
+              <a:rPr lang="en-US" dirty="0" smtClean="0"/>
+              <a:t>Second level</a:t>
+            </a:r>
+          </a:p>
+          <a:p>
+            <a:pPr lvl="2"/>
+            <a:r>
+              <a:rPr lang="en-US" dirty="0" smtClean="0"/>
+              <a:t>Third level</a:t>
+            </a:r>
+          </a:p>
+          <a:p>
+            <a:pPr lvl="3"/>
+            <a:r>
+              <a:rPr lang="en-US" dirty="0" smtClean="0"/>
+              <a:t>Fourth level</a:t>
+            </a:r>
+          </a:p>
+          <a:p>
+            <a:pPr lvl="4"/>
+            <a:r>
+              <a:rPr lang="en-US" dirty="0" smtClean="0"/>
+              <a:t>Fifth level</a:t>
+            </a:r>
+          </a:p>
+        </p:txBody>
+      </p:sp>
+      <p:sp>
+        <p:nvSpPr>
+          <p:cNvPr id="12299" name="Rectangle 11"/>
+          <p:cNvSpPr>
+            <a:spLocks noGrp="1" noChangeArrowheads="1"/>
+          </p:cNvSpPr>
+          <p:nvPr>
+            <p:ph type="sldNum" sz="quarter" idx="4"/>
+          </p:nvPr>
+        </p:nvSpPr>
+        <p:spPr bwMode="auto">
+          <a:xfrm>
+            <a:off x="7605713" y="6583363"/>
+            <a:ext cx="1481137" cy="244475"/>
+          </a:xfrm>
+          <a:prstGeom prst="rect">
+            <a:avLst/>
+          </a:prstGeom>
+          <a:noFill/>
+          <a:ln w="9525">
+            <a:noFill/>
+            <a:miter lim="800000"/>
+            <a:headEnd/>
+            <a:tailEnd/>
+          </a:ln>
+          <a:effectLst/>
+        </p:spPr>
+        <p:txBody>
+          <a:bodyPr vert="horz" wrap="square" lIns="91440" tIns="45720" rIns="91440" bIns="45720" numCol="1" anchor="t" anchorCtr="0" compatLnSpc="1">
+            <a:prstTxWarp prst="textNoShape">
+              <a:avLst/>
+            </a:prstTxWarp>
+            <a:spAutoFit/>
+          </a:bodyPr>
+          <a:lstStyle>
+            <a:lvl1pPr algn="r">
+              <a:spcBef>
+                <a:spcPct val="0"/>
+              </a:spcBef>
+              <a:buFontTx/>
+              <a:buNone/>
+              <a:defRPr sz="1000">
+                <a:latin typeface="+mj-lt"/>
+              </a:defRPr>
+            </a:lvl1pPr>
+          </a:lstStyle>
+          <a:p>
+            <a:pPr fontAlgn="base">
+              <a:spcAft>
+                <a:spcPct val="0"/>
+              </a:spcAft>
+            </a:pPr>
+            <a:r>
+              <a:rPr lang="en-US" dirty="0" smtClean="0">
+                <a:solidFill>
+                  <a:srgbClr val="000000"/>
+                </a:solidFill>
+                <a:latin typeface="Comic Sans MS"/>
+              </a:rPr>
+              <a:t>lec 8M.</a:t>
+            </a:r>
+            <a:fld id="{EA14F88D-777A-4299-8570-DC348E624953}" type="slidenum">
+              <a:rPr lang="en-US" smtClean="0">
+                <a:solidFill>
+                  <a:srgbClr val="000000"/>
+                </a:solidFill>
+                <a:latin typeface="Comic Sans MS"/>
+              </a:rPr>
+              <a:pPr fontAlgn="base">
+                <a:spcAft>
+                  <a:spcPct val="0"/>
+                </a:spcAft>
+              </a:pPr>
+              <a:t>‹#›</a:t>
+            </a:fld>
+            <a:endParaRPr lang="en-US" dirty="0">
+              <a:solidFill>
+                <a:srgbClr val="000000"/>
+              </a:solidFill>
+              <a:latin typeface="Comic Sans MS"/>
+            </a:endParaRPr>
+          </a:p>
+        </p:txBody>
+      </p:sp>
+      <p:pic>
+        <p:nvPicPr>
+          <p:cNvPr id="12300" name="Picture 12" descr="board"/>
+          <p:cNvPicPr>
+            <a:picLocks noChangeAspect="1" noChangeArrowheads="1"/>
+          </p:cNvPicPr>
+          <p:nvPr/>
+        </p:nvPicPr>
+        <p:blipFill>
+          <a:blip r:embed="rId8"/>
+          <a:srcRect/>
+          <a:stretch>
+            <a:fillRect/>
+          </a:stretch>
+        </p:blipFill>
+        <p:spPr bwMode="auto">
+          <a:xfrm>
+            <a:off x="304800" y="152400"/>
+            <a:ext cx="762000" cy="754063"/>
+          </a:xfrm>
+          <a:prstGeom prst="rect">
+            <a:avLst/>
+          </a:prstGeom>
+          <a:noFill/>
+        </p:spPr>
+      </p:pic>
+      <p:sp>
+        <p:nvSpPr>
+          <p:cNvPr id="8" name="Date Placeholder 5"/>
+          <p:cNvSpPr txBox="1">
+            <a:spLocks/>
+          </p:cNvSpPr>
+          <p:nvPr userDrawn="1"/>
+        </p:nvSpPr>
+        <p:spPr>
+          <a:xfrm>
+            <a:off x="3158955" y="6609416"/>
+            <a:ext cx="2948887" cy="238173"/>
+          </a:xfrm>
+          <a:prstGeom prst="rect">
+            <a:avLst/>
+          </a:prstGeom>
+        </p:spPr>
+        <p:txBody>
+          <a:bodyPr/>
+          <a:lstStyle/>
+          <a:p>
+            <a:pPr fontAlgn="base">
+              <a:spcBef>
+                <a:spcPct val="20000"/>
+              </a:spcBef>
+              <a:spcAft>
+                <a:spcPct val="0"/>
+              </a:spcAft>
+              <a:defRPr/>
+            </a:pPr>
+            <a:r>
+              <a:rPr lang="en-US" sz="1200" dirty="0">
+                <a:solidFill>
+                  <a:srgbClr val="000000"/>
+                </a:solidFill>
+                <a:latin typeface="Comic Sans MS" pitchFamily="66" charset="0"/>
+              </a:rPr>
+              <a:t>Albert R </a:t>
+            </a:r>
+            <a:r>
+              <a:rPr lang="en-US" sz="1200" dirty="0" smtClean="0">
+                <a:solidFill>
+                  <a:srgbClr val="000000"/>
+                </a:solidFill>
+                <a:latin typeface="Comic Sans MS" pitchFamily="66" charset="0"/>
+              </a:rPr>
+              <a:t>Meyer     October 24, 2011</a:t>
+            </a:r>
+            <a:endParaRPr lang="en-US" sz="1200" dirty="0">
+              <a:solidFill>
+                <a:srgbClr val="000000"/>
+              </a:solidFill>
+              <a:latin typeface="Comic Sans MS" pitchFamily="66" charset="0"/>
+            </a:endParaRPr>
+          </a:p>
+        </p:txBody>
+      </p:sp>
+      <p:pic>
+        <p:nvPicPr>
+          <p:cNvPr id="9" name="Picture 8" descr="license.img"/>
+          <p:cNvPicPr>
+            <a:picLocks/>
+          </p:cNvPicPr>
+          <p:nvPr userDrawn="1"/>
+        </p:nvPicPr>
+        <p:blipFill>
+          <a:blip r:embed="rId9"/>
+          <a:srcRect/>
+          <a:stretch>
+            <a:fillRect/>
+          </a:stretch>
+        </p:blipFill>
+        <p:spPr bwMode="auto">
+          <a:xfrm>
+            <a:off x="40104" y="6448925"/>
+            <a:ext cx="1271338" cy="372979"/>
+          </a:xfrm>
+          <a:prstGeom prst="rect">
+            <a:avLst/>
+          </a:prstGeom>
+          <a:noFill/>
+          <a:ln w="9525">
+            <a:noFill/>
+            <a:miter lim="800000"/>
+            <a:headEnd/>
+            <a:tailEnd/>
+          </a:ln>
+        </p:spPr>
+      </p:pic>
+    </p:spTree>
+    <p:extLst>
+      <p:ext uri="{BB962C8B-B14F-4D97-AF65-F5344CB8AC3E}">
+        <p14:creationId xmlns:p14="http://schemas.microsoft.com/office/powerpoint/2010/main" val="1219462371"/>
+      </p:ext>
+    </p:extLst>
+  </p:cSld>
+  <p:clrMap bg1="lt1" tx1="dk1" bg2="lt2" tx2="dk2" accent1="accent1" accent2="accent2" accent3="accent3" accent4="accent4" accent5="accent5" accent6="accent6" hlink="hlink" folHlink="folHlink"/>
+  <p:sldLayoutIdLst>
+    <p:sldLayoutId id="2147483677" r:id="rId1"/>
+    <p:sldLayoutId id="2147483678" r:id="rId2"/>
+    <p:sldLayoutId id="2147483679" r:id="rId3"/>
+    <p:sldLayoutId id="2147483680" r:id="rId4"/>
+    <p:sldLayoutId id="2147483681" r:id="rId5"/>
+    <p:sldLayoutId id="2147483682" r:id="rId6"/>
+  </p:sldLayoutIdLst>
+  <p:timing>
+    <p:tnLst>
+      <p:par>
+        <p:cTn xmlns:p14="http://schemas.microsoft.com/office/powerpoint/2010/main" id="1" dur="indefinite" restart="never" nodeType="tmRoot"/>
+      </p:par>
+    </p:tnLst>
+  </p:timing>
+  <p:hf hdr="0" ftr="0" dt="0"/>
+  <p:txStyles>
+    <p:titleStyle>
+      <a:lvl1pPr algn="l" rtl="0" fontAlgn="base">
+        <a:spcBef>
+          <a:spcPct val="0"/>
+        </a:spcBef>
+        <a:spcAft>
+          <a:spcPct val="0"/>
+        </a:spcAft>
+        <a:defRPr sz="3200" b="1">
+          <a:solidFill>
+            <a:schemeClr val="tx2"/>
+          </a:solidFill>
+          <a:latin typeface="+mj-lt"/>
+          <a:ea typeface="+mj-ea"/>
+          <a:cs typeface="+mj-cs"/>
+        </a:defRPr>
+      </a:lvl1pPr>
+      <a:lvl2pPr algn="l" rtl="0" fontAlgn="base">
+        <a:spcBef>
+          <a:spcPct val="0"/>
+        </a:spcBef>
+        <a:spcAft>
+          <a:spcPct val="0"/>
+        </a:spcAft>
+        <a:defRPr sz="3200" b="1">
+          <a:solidFill>
+            <a:schemeClr val="tx2"/>
+          </a:solidFill>
+          <a:latin typeface="Comic Sans MS" pitchFamily="66" charset="0"/>
+        </a:defRPr>
+      </a:lvl2pPr>
+      <a:lvl3pPr algn="l" rtl="0" fontAlgn="base">
+        <a:spcBef>
+          <a:spcPct val="0"/>
+        </a:spcBef>
+        <a:spcAft>
+          <a:spcPct val="0"/>
+        </a:spcAft>
+        <a:defRPr sz="3200" b="1">
+          <a:solidFill>
+            <a:schemeClr val="tx2"/>
+          </a:solidFill>
+          <a:latin typeface="Comic Sans MS" pitchFamily="66" charset="0"/>
+        </a:defRPr>
+      </a:lvl3pPr>
+      <a:lvl4pPr algn="l" rtl="0" fontAlgn="base">
+        <a:spcBef>
+          <a:spcPct val="0"/>
+        </a:spcBef>
+        <a:spcAft>
+          <a:spcPct val="0"/>
+        </a:spcAft>
+        <a:defRPr sz="3200" b="1">
+          <a:solidFill>
+            <a:schemeClr val="tx2"/>
+          </a:solidFill>
+          <a:latin typeface="Comic Sans MS" pitchFamily="66" charset="0"/>
+        </a:defRPr>
+      </a:lvl4pPr>
+      <a:lvl5pPr algn="l" rtl="0" fontAlgn="base">
+        <a:spcBef>
+          <a:spcPct val="0"/>
+        </a:spcBef>
+        <a:spcAft>
+          <a:spcPct val="0"/>
+        </a:spcAft>
+        <a:defRPr sz="3200" b="1">
+          <a:solidFill>
+            <a:schemeClr val="tx2"/>
+          </a:solidFill>
+          <a:latin typeface="Comic Sans MS" pitchFamily="66" charset="0"/>
+        </a:defRPr>
+      </a:lvl5pPr>
+      <a:lvl6pPr marL="457200" algn="l" rtl="0" fontAlgn="base">
+        <a:spcBef>
+          <a:spcPct val="0"/>
+        </a:spcBef>
+        <a:spcAft>
+          <a:spcPct val="0"/>
+        </a:spcAft>
+        <a:defRPr sz="3200" b="1">
+          <a:solidFill>
+            <a:schemeClr val="tx2"/>
+          </a:solidFill>
+          <a:latin typeface="Comic Sans MS" pitchFamily="66" charset="0"/>
+        </a:defRPr>
+      </a:lvl6pPr>
+      <a:lvl7pPr marL="914400" algn="l" rtl="0" fontAlgn="base">
+        <a:spcBef>
+          <a:spcPct val="0"/>
+        </a:spcBef>
+        <a:spcAft>
+          <a:spcPct val="0"/>
+        </a:spcAft>
+        <a:defRPr sz="3200" b="1">
+          <a:solidFill>
+            <a:schemeClr val="tx2"/>
+          </a:solidFill>
+          <a:latin typeface="Comic Sans MS" pitchFamily="66" charset="0"/>
+        </a:defRPr>
+      </a:lvl7pPr>
+      <a:lvl8pPr marL="1371600" algn="l" rtl="0" fontAlgn="base">
+        <a:spcBef>
+          <a:spcPct val="0"/>
+        </a:spcBef>
+        <a:spcAft>
+          <a:spcPct val="0"/>
+        </a:spcAft>
+        <a:defRPr sz="3200" b="1">
+          <a:solidFill>
+            <a:schemeClr val="tx2"/>
+          </a:solidFill>
+          <a:latin typeface="Comic Sans MS" pitchFamily="66" charset="0"/>
+        </a:defRPr>
+      </a:lvl8pPr>
+      <a:lvl9pPr marL="1828800" algn="l" rtl="0" fontAlgn="base">
+        <a:spcBef>
+          <a:spcPct val="0"/>
+        </a:spcBef>
+        <a:spcAft>
+          <a:spcPct val="0"/>
+        </a:spcAft>
+        <a:defRPr sz="3200" b="1">
+          <a:solidFill>
+            <a:schemeClr val="tx2"/>
+          </a:solidFill>
+          <a:latin typeface="Comic Sans MS" pitchFamily="66" charset="0"/>
+        </a:defRPr>
+      </a:lvl9pPr>
+    </p:titleStyle>
+    <p:bodyStyle>
+      <a:lvl1pPr marL="342900" indent="-342900" algn="l" rtl="0" fontAlgn="base">
+        <a:spcBef>
+          <a:spcPct val="20000"/>
+        </a:spcBef>
+        <a:spcAft>
+          <a:spcPct val="0"/>
+        </a:spcAft>
+        <a:buNone/>
+        <a:defRPr sz="4400">
+          <a:solidFill>
+            <a:schemeClr val="tx1"/>
+          </a:solidFill>
+          <a:latin typeface="+mn-lt"/>
+          <a:ea typeface="+mn-ea"/>
+          <a:cs typeface="+mn-cs"/>
+        </a:defRPr>
+      </a:lvl1pPr>
+      <a:lvl2pPr marL="742950" indent="-285750" algn="l" rtl="0" fontAlgn="base">
+        <a:spcBef>
+          <a:spcPct val="20000"/>
+        </a:spcBef>
+        <a:spcAft>
+          <a:spcPct val="0"/>
+        </a:spcAft>
+        <a:buNone/>
+        <a:defRPr sz="4000">
+          <a:solidFill>
+            <a:schemeClr val="tx1"/>
+          </a:solidFill>
+          <a:latin typeface="+mn-lt"/>
+        </a:defRPr>
+      </a:lvl2pPr>
+      <a:lvl3pPr marL="1143000" indent="-228600" algn="l" rtl="0" fontAlgn="base">
+        <a:spcBef>
+          <a:spcPct val="20000"/>
+        </a:spcBef>
+        <a:spcAft>
+          <a:spcPct val="0"/>
+        </a:spcAft>
+        <a:buNone/>
+        <a:defRPr sz="3600">
+          <a:solidFill>
+            <a:schemeClr val="tx1"/>
+          </a:solidFill>
+          <a:latin typeface="+mn-lt"/>
+        </a:defRPr>
+      </a:lvl3pPr>
+      <a:lvl4pPr marL="1600200" indent="-228600" algn="l" rtl="0" fontAlgn="base">
+        <a:spcBef>
+          <a:spcPct val="20000"/>
+        </a:spcBef>
+        <a:spcAft>
+          <a:spcPct val="0"/>
+        </a:spcAft>
+        <a:buNone/>
+        <a:defRPr sz="3200">
+          <a:solidFill>
+            <a:schemeClr val="tx1"/>
+          </a:solidFill>
+          <a:latin typeface="+mn-lt"/>
+        </a:defRPr>
+      </a:lvl4pPr>
+      <a:lvl5pPr marL="2057400" indent="-228600" algn="l" rtl="0" fontAlgn="base">
+        <a:spcBef>
+          <a:spcPct val="20000"/>
+        </a:spcBef>
+        <a:spcAft>
+          <a:spcPct val="0"/>
+        </a:spcAft>
+        <a:buNone/>
+        <a:defRPr sz="3200">
+          <a:solidFill>
+            <a:schemeClr val="tx1"/>
+          </a:solidFill>
+          <a:latin typeface="+mn-lt"/>
+        </a:defRPr>
+      </a:lvl5pPr>
+      <a:lvl6pPr marL="2514600" indent="-228600" algn="l" rtl="0" fontAlgn="base">
+        <a:spcBef>
+          <a:spcPct val="20000"/>
+        </a:spcBef>
+        <a:spcAft>
+          <a:spcPct val="0"/>
+        </a:spcAft>
+        <a:buChar char="»"/>
+        <a:defRPr sz="2000">
+          <a:solidFill>
+            <a:schemeClr val="tx1"/>
+          </a:solidFill>
+          <a:latin typeface="+mn-lt"/>
+        </a:defRPr>
+      </a:lvl6pPr>
+      <a:lvl7pPr marL="2971800" indent="-228600" algn="l" rtl="0" fontAlgn="base">
+        <a:spcBef>
+          <a:spcPct val="20000"/>
+        </a:spcBef>
+        <a:spcAft>
+          <a:spcPct val="0"/>
+        </a:spcAft>
+        <a:buChar char="»"/>
+        <a:defRPr sz="2000">
+          <a:solidFill>
+            <a:schemeClr val="tx1"/>
+          </a:solidFill>
+          <a:latin typeface="+mn-lt"/>
+        </a:defRPr>
+      </a:lvl7pPr>
+      <a:lvl8pPr marL="3429000" indent="-228600" algn="l" rtl="0" fontAlgn="base">
+        <a:spcBef>
+          <a:spcPct val="20000"/>
+        </a:spcBef>
+        <a:spcAft>
+          <a:spcPct val="0"/>
+        </a:spcAft>
+        <a:buChar char="»"/>
+        <a:defRPr sz="2000">
+          <a:solidFill>
+            <a:schemeClr val="tx1"/>
+          </a:solidFill>
+          <a:latin typeface="+mn-lt"/>
+        </a:defRPr>
+      </a:lvl8pPr>
+      <a:lvl9pPr marL="3886200" indent="-228600" algn="l" rtl="0" fontAlgn="base">
+        <a:spcBef>
+          <a:spcPct val="20000"/>
+        </a:spcBef>
+        <a:spcAft>
+          <a:spcPct val="0"/>
+        </a:spcAft>
+        <a:buChar char="»"/>
+        <a:defRPr sz="2000">
+          <a:solidFill>
+            <a:schemeClr val="tx1"/>
+          </a:solidFill>
+          <a:latin typeface="+mn-lt"/>
+        </a:defRPr>
+      </a:lvl9pPr>
+    </p:bodyStyle>
+    <p:otherStyle>
+      <a:defPPr>
+        <a:defRPr lang="en-US"/>
+      </a:defPPr>
+      <a:lvl1pPr marL="0" algn="l" defTabSz="914400" rtl="0" eaLnBrk="1" latinLnBrk="0" hangingPunct="1">
+        <a:defRPr sz="1800" kern="1200">
+          <a:solidFill>
+            <a:schemeClr val="tx1"/>
+          </a:solidFill>
+          <a:latin typeface="+mn-lt"/>
+          <a:ea typeface="+mn-ea"/>
+          <a:cs typeface="+mn-cs"/>
+        </a:defRPr>
+      </a:lvl1pPr>
+      <a:lvl2pPr marL="457200" algn="l" defTabSz="914400" rtl="0" eaLnBrk="1" latinLnBrk="0" hangingPunct="1">
+        <a:defRPr sz="1800" kern="1200">
+          <a:solidFill>
+            <a:schemeClr val="tx1"/>
+          </a:solidFill>
+          <a:latin typeface="+mn-lt"/>
+          <a:ea typeface="+mn-ea"/>
+          <a:cs typeface="+mn-cs"/>
+        </a:defRPr>
+      </a:lvl2pPr>
+      <a:lvl3pPr marL="914400" algn="l" defTabSz="914400" rtl="0" eaLnBrk="1" latinLnBrk="0" hangingPunct="1">
+        <a:defRPr sz="1800" kern="1200">
+          <a:solidFill>
+            <a:schemeClr val="tx1"/>
+          </a:solidFill>
+          <a:latin typeface="+mn-lt"/>
+          <a:ea typeface="+mn-ea"/>
+          <a:cs typeface="+mn-cs"/>
+        </a:defRPr>
+      </a:lvl3pPr>
+      <a:lvl4pPr marL="1371600" algn="l" defTabSz="914400" rtl="0" eaLnBrk="1" latinLnBrk="0" hangingPunct="1">
+        <a:defRPr sz="1800" kern="1200">
+          <a:solidFill>
+            <a:schemeClr val="tx1"/>
+          </a:solidFill>
+          <a:latin typeface="+mn-lt"/>
+          <a:ea typeface="+mn-ea"/>
+          <a:cs typeface="+mn-cs"/>
+        </a:defRPr>
+      </a:lvl4pPr>
+      <a:lvl5pPr marL="1828800" algn="l" defTabSz="914400" rtl="0" eaLnBrk="1" latinLnBrk="0" hangingPunct="1">
+        <a:defRPr sz="1800" kern="1200">
+          <a:solidFill>
+            <a:schemeClr val="tx1"/>
+          </a:solidFill>
+          <a:latin typeface="+mn-lt"/>
+          <a:ea typeface="+mn-ea"/>
+          <a:cs typeface="+mn-cs"/>
+        </a:defRPr>
+      </a:lvl5pPr>
+      <a:lvl6pPr marL="2286000" algn="l" defTabSz="914400" rtl="0" eaLnBrk="1" latinLnBrk="0" hangingPunct="1">
+        <a:defRPr sz="1800" kern="1200">
+          <a:solidFill>
+            <a:schemeClr val="tx1"/>
+          </a:solidFill>
+          <a:latin typeface="+mn-lt"/>
+          <a:ea typeface="+mn-ea"/>
+          <a:cs typeface="+mn-cs"/>
+        </a:defRPr>
+      </a:lvl6pPr>
+      <a:lvl7pPr marL="2743200" algn="l" defTabSz="914400" rtl="0" eaLnBrk="1" latinLnBrk="0" hangingPunct="1">
+        <a:defRPr sz="1800" kern="1200">
+          <a:solidFill>
+            <a:schemeClr val="tx1"/>
+          </a:solidFill>
+          <a:latin typeface="+mn-lt"/>
+          <a:ea typeface="+mn-ea"/>
+          <a:cs typeface="+mn-cs"/>
+        </a:defRPr>
+      </a:lvl7pPr>
+      <a:lvl8pPr marL="3200400" algn="l" defTabSz="914400" rtl="0" eaLnBrk="1" latinLnBrk="0" hangingPunct="1">
+        <a:defRPr sz="1800" kern="1200">
+          <a:solidFill>
+            <a:schemeClr val="tx1"/>
+          </a:solidFill>
+          <a:latin typeface="+mn-lt"/>
+          <a:ea typeface="+mn-ea"/>
+          <a:cs typeface="+mn-cs"/>
+        </a:defRPr>
+      </a:lvl8pPr>
+      <a:lvl9pPr marL="3657600" algn="l" defTabSz="914400" rtl="0" eaLnBrk="1" latinLnBrk="0" hangingPunct="1">
+        <a:defRPr sz="1800" kern="1200">
+          <a:solidFill>
+            <a:schemeClr val="tx1"/>
+          </a:solidFill>
+          <a:latin typeface="+mn-lt"/>
+          <a:ea typeface="+mn-ea"/>
+          <a:cs typeface="+mn-cs"/>
+        </a:defRPr>
+      </a:lvl9pPr>
+    </p:otherStyle>
+  </p:txStyles>
+</p:sldMaster>
+</file>
+
 <file path=ppt/slides/slide1.xml><?xml version="1.0" encoding="utf-8"?>
 <p:sld xmlns:a="http://schemas.openxmlformats.org/drawingml/2006/main" xmlns:r="http://schemas.openxmlformats.org/officeDocument/2006/relationships" xmlns:p="http://schemas.openxmlformats.org/presentationml/2006/main">
   <p:cSld>
@@ -3084,6 +5091,1278 @@
 </file>
 
 <file path=ppt/slides/slide10.xml><?xml version="1.0" encoding="utf-8"?>
+<p:sld xmlns:a="http://schemas.openxmlformats.org/drawingml/2006/main" xmlns:r="http://schemas.openxmlformats.org/officeDocument/2006/relationships" xmlns:p="http://schemas.openxmlformats.org/presentationml/2006/main">
+  <p:cSld>
+    <p:spTree>
+      <p:nvGrpSpPr>
+        <p:cNvPr id="1" name=""/>
+        <p:cNvGrpSpPr/>
+        <p:nvPr/>
+      </p:nvGrpSpPr>
+      <p:grpSpPr>
+        <a:xfrm>
+          <a:off x="0" y="0"/>
+          <a:ext cx="0" cy="0"/>
+          <a:chOff x="0" y="0"/>
+          <a:chExt cx="0" cy="0"/>
+        </a:xfrm>
+      </p:grpSpPr>
+      <p:sp>
+        <p:nvSpPr>
+          <p:cNvPr id="564226" name="Rectangle 2"/>
+          <p:cNvSpPr>
+            <a:spLocks noGrp="1" noChangeArrowheads="1"/>
+          </p:cNvSpPr>
+          <p:nvPr>
+            <p:ph type="title"/>
+          </p:nvPr>
+        </p:nvSpPr>
+        <p:spPr>
+          <a:xfrm>
+            <a:off x="1931988" y="55563"/>
+            <a:ext cx="5322887" cy="1177925"/>
+          </a:xfrm>
+        </p:spPr>
+        <p:txBody>
+          <a:bodyPr/>
+          <a:lstStyle/>
+          <a:p>
+            <a:pPr algn="ctr"/>
+            <a:r>
+              <a:rPr lang="en-US" sz="4800" dirty="0"/>
+              <a:t>Isomorphism</a:t>
+            </a:r>
+          </a:p>
+        </p:txBody>
+      </p:sp>
+      <p:sp>
+        <p:nvSpPr>
+          <p:cNvPr id="564227" name="Rectangle 3"/>
+          <p:cNvSpPr>
+            <a:spLocks noGrp="1" noChangeArrowheads="1"/>
+          </p:cNvSpPr>
+          <p:nvPr>
+            <p:ph type="body" idx="1"/>
+          </p:nvPr>
+        </p:nvSpPr>
+        <p:spPr>
+          <a:xfrm>
+            <a:off x="220534" y="1447800"/>
+            <a:ext cx="8702932" cy="4937771"/>
+          </a:xfrm>
+        </p:spPr>
+        <p:txBody>
+          <a:bodyPr/>
+          <a:lstStyle/>
+          <a:p>
+            <a:pPr>
+              <a:buFontTx/>
+              <a:buNone/>
+            </a:pPr>
+            <a:r>
+              <a:rPr lang="en-US" sz="5400" dirty="0" smtClean="0"/>
+              <a:t>two graphs are </a:t>
+            </a:r>
+            <a:r>
+              <a:rPr lang="en-US" sz="5400" dirty="0" smtClean="0">
+                <a:solidFill>
+                  <a:srgbClr val="0033CC"/>
+                </a:solidFill>
+              </a:rPr>
+              <a:t>isomorphic</a:t>
+            </a:r>
+          </a:p>
+          <a:p>
+            <a:pPr>
+              <a:buFontTx/>
+              <a:buNone/>
+            </a:pPr>
+            <a:r>
+              <a:rPr lang="en-US" sz="5400" dirty="0" smtClean="0"/>
+              <a:t> when there </a:t>
+            </a:r>
+            <a:r>
+              <a:rPr lang="en-US" sz="5400" dirty="0"/>
+              <a:t>is</a:t>
+            </a:r>
+            <a:r>
+              <a:rPr lang="en-US" sz="5400" dirty="0">
+                <a:solidFill>
+                  <a:srgbClr val="0033CC"/>
+                </a:solidFill>
+              </a:rPr>
+              <a:t> </a:t>
+            </a:r>
+            <a:r>
+              <a:rPr lang="en-US" sz="5400" dirty="0" smtClean="0"/>
+              <a:t>an</a:t>
+            </a:r>
+          </a:p>
+          <a:p>
+            <a:pPr algn="ctr">
+              <a:buFontTx/>
+              <a:buNone/>
+            </a:pPr>
+            <a:r>
+              <a:rPr lang="en-US" sz="5400" dirty="0" smtClean="0">
+                <a:solidFill>
+                  <a:srgbClr val="FF00FF"/>
+                </a:solidFill>
+              </a:rPr>
+              <a:t>edge-preserving</a:t>
+            </a:r>
+            <a:endParaRPr lang="en-US" sz="5400" dirty="0">
+              <a:solidFill>
+                <a:srgbClr val="FF00FF"/>
+              </a:solidFill>
+            </a:endParaRPr>
+          </a:p>
+          <a:p>
+            <a:pPr algn="ctr">
+              <a:buFontTx/>
+              <a:buNone/>
+            </a:pPr>
+            <a:r>
+              <a:rPr lang="en-US" sz="5400" dirty="0" smtClean="0">
+                <a:solidFill>
+                  <a:srgbClr val="FF00FF"/>
+                </a:solidFill>
+              </a:rPr>
+              <a:t>matching</a:t>
+            </a:r>
+          </a:p>
+          <a:p>
+            <a:pPr>
+              <a:buFontTx/>
+              <a:buNone/>
+            </a:pPr>
+            <a:r>
+              <a:rPr lang="en-US" sz="5400" dirty="0" smtClean="0"/>
+              <a:t>of their vertices.</a:t>
+            </a:r>
+            <a:endParaRPr lang="en-US" sz="5400" dirty="0"/>
+          </a:p>
+        </p:txBody>
+      </p:sp>
+      <p:sp useBgFill="1">
+        <p:nvSpPr>
+          <p:cNvPr id="2" name="TextBox 1"/>
+          <p:cNvSpPr txBox="1"/>
+          <p:nvPr/>
+        </p:nvSpPr>
+        <p:spPr>
+          <a:xfrm>
+            <a:off x="2590800" y="4419600"/>
+            <a:ext cx="3962400" cy="990600"/>
+          </a:xfrm>
+          <a:prstGeom prst="rect">
+            <a:avLst/>
+          </a:prstGeom>
+        </p:spPr>
+        <p:txBody>
+          <a:bodyPr wrap="none" rtlCol="0">
+            <a:noAutofit/>
+          </a:bodyPr>
+          <a:lstStyle/>
+          <a:p>
+            <a:r>
+              <a:rPr lang="en-US" sz="6000" dirty="0" smtClean="0">
+                <a:solidFill>
+                  <a:srgbClr val="FF33CC"/>
+                </a:solidFill>
+                <a:latin typeface="Comic Sans MS" pitchFamily="66" charset="0"/>
+              </a:rPr>
+              <a:t> </a:t>
+            </a:r>
+            <a:r>
+              <a:rPr lang="en-US" sz="6000" dirty="0" err="1" smtClean="0">
+                <a:solidFill>
+                  <a:srgbClr val="FF33CC"/>
+                </a:solidFill>
+                <a:latin typeface="Comic Sans MS" pitchFamily="66" charset="0"/>
+              </a:rPr>
+              <a:t>bijection</a:t>
+            </a:r>
+            <a:endParaRPr lang="en-US" sz="6000" dirty="0" smtClean="0">
+              <a:solidFill>
+                <a:srgbClr val="FF33CC"/>
+              </a:solidFill>
+              <a:latin typeface="Comic Sans MS" pitchFamily="66" charset="0"/>
+            </a:endParaRPr>
+          </a:p>
+        </p:txBody>
+      </p:sp>
+    </p:spTree>
+    <p:extLst>
+      <p:ext uri="{BB962C8B-B14F-4D97-AF65-F5344CB8AC3E}">
+        <p14:creationId xmlns:p14="http://schemas.microsoft.com/office/powerpoint/2010/main" val="1924632747"/>
+      </p:ext>
+    </p:extLst>
+  </p:cSld>
+  <p:clrMapOvr>
+    <a:masterClrMapping/>
+  </p:clrMapOvr>
+  <p:transition xmlns:p14="http://schemas.microsoft.com/office/powerpoint/2010/main" spd="med">
+    <p:fade/>
+  </p:transition>
+  <p:timing>
+    <p:tnLst>
+      <p:par>
+        <p:cTn xmlns:p14="http://schemas.microsoft.com/office/powerpoint/2010/main" id="1" dur="indefinite" restart="never" nodeType="tmRoot">
+          <p:childTnLst>
+            <p:seq concurrent="1" nextAc="seek">
+              <p:cTn id="2" dur="indefinite" nodeType="mainSeq">
+                <p:childTnLst>
+                  <p:par>
+                    <p:cTn id="3" fill="hold">
+                      <p:stCondLst>
+                        <p:cond delay="indefinite"/>
+                      </p:stCondLst>
+                      <p:childTnLst>
+                        <p:par>
+                          <p:cTn id="4" fill="hold">
+                            <p:stCondLst>
+                              <p:cond delay="0"/>
+                            </p:stCondLst>
+                            <p:childTnLst>
+                              <p:par>
+                                <p:cTn id="5" presetID="22" presetClass="entr" presetSubtype="1" fill="hold" grpId="0" nodeType="clickEffect">
+                                  <p:stCondLst>
+                                    <p:cond delay="0"/>
+                                  </p:stCondLst>
+                                  <p:childTnLst>
+                                    <p:set>
+                                      <p:cBhvr>
+                                        <p:cTn id="6" dur="1" fill="hold">
+                                          <p:stCondLst>
+                                            <p:cond delay="0"/>
+                                          </p:stCondLst>
+                                        </p:cTn>
+                                        <p:tgtEl>
+                                          <p:spTgt spid="564227">
+                                            <p:txEl>
+                                              <p:pRg st="2" end="2"/>
+                                            </p:txEl>
+                                          </p:spTgt>
+                                        </p:tgtEl>
+                                        <p:attrNameLst>
+                                          <p:attrName>style.visibility</p:attrName>
+                                        </p:attrNameLst>
+                                      </p:cBhvr>
+                                      <p:to>
+                                        <p:strVal val="visible"/>
+                                      </p:to>
+                                    </p:set>
+                                    <p:animEffect transition="in" filter="wipe(up)">
+                                      <p:cBhvr>
+                                        <p:cTn id="7" dur="500"/>
+                                        <p:tgtEl>
+                                          <p:spTgt spid="564227">
+                                            <p:txEl>
+                                              <p:pRg st="2" end="2"/>
+                                            </p:txEl>
+                                          </p:spTgt>
+                                        </p:tgtEl>
+                                      </p:cBhvr>
+                                    </p:animEffect>
+                                  </p:childTnLst>
+                                </p:cTn>
+                              </p:par>
+                            </p:childTnLst>
+                          </p:cTn>
+                        </p:par>
+                        <p:par>
+                          <p:cTn id="8" fill="hold">
+                            <p:stCondLst>
+                              <p:cond delay="500"/>
+                            </p:stCondLst>
+                            <p:childTnLst>
+                              <p:par>
+                                <p:cTn id="9" presetID="22" presetClass="entr" presetSubtype="1" fill="hold" grpId="0" nodeType="afterEffect">
+                                  <p:stCondLst>
+                                    <p:cond delay="0"/>
+                                  </p:stCondLst>
+                                  <p:childTnLst>
+                                    <p:set>
+                                      <p:cBhvr>
+                                        <p:cTn id="10" dur="1" fill="hold">
+                                          <p:stCondLst>
+                                            <p:cond delay="0"/>
+                                          </p:stCondLst>
+                                        </p:cTn>
+                                        <p:tgtEl>
+                                          <p:spTgt spid="564227">
+                                            <p:txEl>
+                                              <p:pRg st="3" end="3"/>
+                                            </p:txEl>
+                                          </p:spTgt>
+                                        </p:tgtEl>
+                                        <p:attrNameLst>
+                                          <p:attrName>style.visibility</p:attrName>
+                                        </p:attrNameLst>
+                                      </p:cBhvr>
+                                      <p:to>
+                                        <p:strVal val="visible"/>
+                                      </p:to>
+                                    </p:set>
+                                    <p:animEffect transition="in" filter="wipe(up)">
+                                      <p:cBhvr>
+                                        <p:cTn id="11" dur="500"/>
+                                        <p:tgtEl>
+                                          <p:spTgt spid="564227">
+                                            <p:txEl>
+                                              <p:pRg st="3" end="3"/>
+                                            </p:txEl>
+                                          </p:spTgt>
+                                        </p:tgtEl>
+                                      </p:cBhvr>
+                                    </p:animEffect>
+                                  </p:childTnLst>
+                                </p:cTn>
+                              </p:par>
+                            </p:childTnLst>
+                          </p:cTn>
+                        </p:par>
+                        <p:par>
+                          <p:cTn id="12" fill="hold">
+                            <p:stCondLst>
+                              <p:cond delay="1000"/>
+                            </p:stCondLst>
+                            <p:childTnLst>
+                              <p:par>
+                                <p:cTn id="13" presetID="1" presetClass="entr" presetSubtype="0" fill="hold" grpId="0" nodeType="afterEffect">
+                                  <p:stCondLst>
+                                    <p:cond delay="0"/>
+                                  </p:stCondLst>
+                                  <p:childTnLst>
+                                    <p:set>
+                                      <p:cBhvr>
+                                        <p:cTn id="14" dur="1" fill="hold">
+                                          <p:stCondLst>
+                                            <p:cond delay="0"/>
+                                          </p:stCondLst>
+                                        </p:cTn>
+                                        <p:tgtEl>
+                                          <p:spTgt spid="564227">
+                                            <p:txEl>
+                                              <p:pRg st="4" end="4"/>
+                                            </p:txEl>
+                                          </p:spTgt>
+                                        </p:tgtEl>
+                                        <p:attrNameLst>
+                                          <p:attrName>style.visibility</p:attrName>
+                                        </p:attrNameLst>
+                                      </p:cBhvr>
+                                      <p:to>
+                                        <p:strVal val="visible"/>
+                                      </p:to>
+                                    </p:set>
+                                  </p:childTnLst>
+                                </p:cTn>
+                              </p:par>
+                            </p:childTnLst>
+                          </p:cTn>
+                        </p:par>
+                      </p:childTnLst>
+                    </p:cTn>
+                  </p:par>
+                </p:childTnLst>
+              </p:cTn>
+              <p:prevCondLst>
+                <p:cond evt="onPrev" delay="0">
+                  <p:tgtEl>
+                    <p:sldTgt/>
+                  </p:tgtEl>
+                </p:cond>
+              </p:prevCondLst>
+              <p:nextCondLst>
+                <p:cond evt="onNext" delay="0">
+                  <p:tgtEl>
+                    <p:sldTgt/>
+                  </p:tgtEl>
+                </p:cond>
+              </p:nextCondLst>
+            </p:seq>
+          </p:childTnLst>
+        </p:cTn>
+      </p:par>
+    </p:tnLst>
+    <p:bldLst>
+      <p:bldP spid="564227" grpId="0" build="p"/>
+    </p:bldLst>
+  </p:timing>
+</p:sld>
+</file>
+
+<file path=ppt/slides/slide11.xml><?xml version="1.0" encoding="utf-8"?>
+<p:sld xmlns:a="http://schemas.openxmlformats.org/drawingml/2006/main" xmlns:r="http://schemas.openxmlformats.org/officeDocument/2006/relationships" xmlns:p="http://schemas.openxmlformats.org/presentationml/2006/main">
+  <p:cSld>
+    <p:spTree>
+      <p:nvGrpSpPr>
+        <p:cNvPr id="1" name=""/>
+        <p:cNvGrpSpPr/>
+        <p:nvPr/>
+      </p:nvGrpSpPr>
+      <p:grpSpPr>
+        <a:xfrm>
+          <a:off x="0" y="0"/>
+          <a:ext cx="0" cy="0"/>
+          <a:chOff x="0" y="0"/>
+          <a:chExt cx="0" cy="0"/>
+        </a:xfrm>
+      </p:grpSpPr>
+      <p:sp>
+        <p:nvSpPr>
+          <p:cNvPr id="5" name="Slide Number Placeholder 3"/>
+          <p:cNvSpPr>
+            <a:spLocks noGrp="1"/>
+          </p:cNvSpPr>
+          <p:nvPr>
+            <p:ph type="sldNum" sz="quarter" idx="10"/>
+          </p:nvPr>
+        </p:nvSpPr>
+        <p:spPr/>
+        <p:txBody>
+          <a:bodyPr/>
+          <a:lstStyle/>
+          <a:p>
+            <a:r>
+              <a:rPr lang="en-US" dirty="0" err="1">
+                <a:solidFill>
+                  <a:srgbClr val="000000"/>
+                </a:solidFill>
+                <a:latin typeface="Comic Sans MS"/>
+              </a:rPr>
+              <a:t>lec</a:t>
+            </a:r>
+            <a:r>
+              <a:rPr lang="en-US" dirty="0" smtClean="0">
+                <a:solidFill>
+                  <a:srgbClr val="000000"/>
+                </a:solidFill>
+                <a:latin typeface="Comic Sans MS"/>
+              </a:rPr>
+              <a:t> 8M.</a:t>
+            </a:r>
+            <a:fld id="{A0329A7B-0CDF-4474-9D5E-25E9C11592CB}" type="slidenum">
+              <a:rPr lang="en-US" smtClean="0">
+                <a:solidFill>
+                  <a:srgbClr val="000000"/>
+                </a:solidFill>
+                <a:latin typeface="Comic Sans MS"/>
+              </a:rPr>
+              <a:pPr/>
+              <a:t>11</a:t>
+            </a:fld>
+            <a:endParaRPr lang="en-US" dirty="0">
+              <a:solidFill>
+                <a:srgbClr val="000000"/>
+              </a:solidFill>
+              <a:latin typeface="Comic Sans MS"/>
+            </a:endParaRPr>
+          </a:p>
+        </p:txBody>
+      </p:sp>
+      <p:sp>
+        <p:nvSpPr>
+          <p:cNvPr id="669698" name="Rectangle 2"/>
+          <p:cNvSpPr>
+            <a:spLocks noGrp="1" noChangeArrowheads="1"/>
+          </p:cNvSpPr>
+          <p:nvPr>
+            <p:ph type="title"/>
+          </p:nvPr>
+        </p:nvSpPr>
+        <p:spPr/>
+        <p:txBody>
+          <a:bodyPr/>
+          <a:lstStyle/>
+          <a:p>
+            <a:r>
+              <a:rPr lang="en-US" dirty="0" smtClean="0"/>
+              <a:t>Formal Def of Graph </a:t>
+            </a:r>
+            <a:r>
+              <a:rPr lang="en-US" dirty="0"/>
+              <a:t>Isomorphism</a:t>
+            </a:r>
+          </a:p>
+        </p:txBody>
+      </p:sp>
+      <p:sp>
+        <p:nvSpPr>
+          <p:cNvPr id="669699" name="Rectangle 3"/>
+          <p:cNvSpPr>
+            <a:spLocks noGrp="1" noChangeArrowheads="1"/>
+          </p:cNvSpPr>
+          <p:nvPr>
+            <p:ph type="body" idx="1"/>
+          </p:nvPr>
+        </p:nvSpPr>
+        <p:spPr>
+          <a:xfrm>
+            <a:off x="249793" y="1289050"/>
+            <a:ext cx="8732837" cy="4272654"/>
+          </a:xfrm>
+        </p:spPr>
+        <p:txBody>
+          <a:bodyPr/>
+          <a:lstStyle/>
+          <a:p>
+            <a:pPr>
+              <a:buFontTx/>
+              <a:buNone/>
+            </a:pPr>
+            <a:r>
+              <a:rPr lang="en-US" sz="4000" dirty="0"/>
+              <a:t>G</a:t>
+            </a:r>
+            <a:r>
+              <a:rPr lang="en-US" sz="4000" baseline="-25000" dirty="0"/>
+              <a:t>1</a:t>
+            </a:r>
+            <a:r>
+              <a:rPr lang="en-US" sz="4000" dirty="0"/>
+              <a:t> </a:t>
+            </a:r>
+            <a:r>
+              <a:rPr lang="en-US" sz="4000" dirty="0">
+                <a:solidFill>
+                  <a:srgbClr val="0033CC"/>
+                </a:solidFill>
+              </a:rPr>
+              <a:t>isomorphic </a:t>
+            </a:r>
+            <a:r>
+              <a:rPr lang="en-US" sz="4000" dirty="0"/>
+              <a:t>to G</a:t>
+            </a:r>
+            <a:r>
+              <a:rPr lang="en-US" sz="4000" baseline="-25000" dirty="0"/>
+              <a:t>2</a:t>
+            </a:r>
+            <a:r>
+              <a:rPr lang="en-US" sz="4000" i="1" baseline="-25000" dirty="0"/>
+              <a:t>  </a:t>
+            </a:r>
+            <a:r>
+              <a:rPr lang="en-US" sz="4000" dirty="0"/>
+              <a:t>means</a:t>
+            </a:r>
+          </a:p>
+          <a:p>
+            <a:pPr>
+              <a:buFontTx/>
+              <a:buNone/>
+            </a:pPr>
+            <a:r>
+              <a:rPr lang="en-US" sz="4000" dirty="0" smtClean="0"/>
+              <a:t>edge-preserving vertex matching:</a:t>
+            </a:r>
+          </a:p>
+          <a:p>
+            <a:pPr>
+              <a:lnSpc>
+                <a:spcPct val="150000"/>
+              </a:lnSpc>
+              <a:spcBef>
+                <a:spcPts val="0"/>
+              </a:spcBef>
+              <a:buFontTx/>
+              <a:buNone/>
+            </a:pPr>
+            <a:r>
+              <a:rPr lang="en-US" sz="5400" b="1" dirty="0" smtClean="0">
+                <a:latin typeface="Euclid Symbol" charset="2"/>
+                <a:cs typeface="Euclid Symbol" charset="2"/>
+                <a:sym typeface="Euclid Symbol" pitchFamily="18" charset="2"/>
+              </a:rPr>
+              <a:t>∃ </a:t>
+            </a:r>
+            <a:r>
+              <a:rPr lang="en-US" sz="4800" dirty="0" err="1" smtClean="0"/>
+              <a:t>bijection</a:t>
+            </a:r>
+            <a:r>
+              <a:rPr lang="en-US" sz="4800" dirty="0" smtClean="0">
+                <a:solidFill>
+                  <a:srgbClr val="0033CC"/>
+                </a:solidFill>
+              </a:rPr>
+              <a:t> </a:t>
+            </a:r>
+            <a:r>
+              <a:rPr lang="en-US" sz="4800" dirty="0" smtClean="0"/>
+              <a:t>f:</a:t>
+            </a:r>
+            <a:r>
+              <a:rPr lang="en-US" sz="4800" dirty="0" smtClean="0">
+                <a:solidFill>
+                  <a:srgbClr val="008000"/>
+                </a:solidFill>
+              </a:rPr>
+              <a:t>V</a:t>
+            </a:r>
+            <a:r>
+              <a:rPr lang="en-US" sz="4800" baseline="-25000" dirty="0" smtClean="0">
+                <a:solidFill>
+                  <a:srgbClr val="008000"/>
+                </a:solidFill>
+              </a:rPr>
+              <a:t>1</a:t>
+            </a:r>
+            <a:r>
+              <a:rPr lang="en-US" sz="4800" baseline="-25000" dirty="0" smtClean="0"/>
+              <a:t> </a:t>
+            </a:r>
+            <a:r>
+              <a:rPr lang="en-US" sz="4800" dirty="0">
+                <a:cs typeface="Times New Roman" pitchFamily="18" charset="0"/>
+              </a:rPr>
+              <a:t>→</a:t>
+            </a:r>
+            <a:r>
+              <a:rPr lang="en-US" sz="4800" baseline="-25000" dirty="0"/>
+              <a:t> </a:t>
+            </a:r>
+            <a:r>
+              <a:rPr lang="en-US" sz="4800" dirty="0" smtClean="0">
+                <a:solidFill>
+                  <a:srgbClr val="0033CC"/>
+                </a:solidFill>
+              </a:rPr>
+              <a:t>V</a:t>
+            </a:r>
+            <a:r>
+              <a:rPr lang="en-US" sz="4800" baseline="-25000" dirty="0" smtClean="0">
+                <a:solidFill>
+                  <a:srgbClr val="0033CC"/>
+                </a:solidFill>
+              </a:rPr>
+              <a:t>2</a:t>
+            </a:r>
+            <a:r>
+              <a:rPr lang="en-US" sz="4800" dirty="0"/>
+              <a:t> </a:t>
+            </a:r>
+            <a:r>
+              <a:rPr lang="en-US" sz="4800" dirty="0" smtClean="0"/>
+              <a:t>with</a:t>
+            </a:r>
+          </a:p>
+          <a:p>
+            <a:pPr>
+              <a:spcBef>
+                <a:spcPts val="0"/>
+              </a:spcBef>
+            </a:pPr>
+            <a:r>
+              <a:rPr lang="en-US" sz="4800" dirty="0" err="1">
+                <a:solidFill>
+                  <a:srgbClr val="008000"/>
+                </a:solidFill>
+              </a:rPr>
+              <a:t>u</a:t>
+            </a:r>
+            <a:r>
+              <a:rPr lang="en-US" sz="4800" dirty="0" err="1" smtClean="0">
+                <a:solidFill>
+                  <a:srgbClr val="008000"/>
+                </a:solidFill>
+              </a:rPr>
+              <a:t>→</a:t>
+            </a:r>
+            <a:r>
+              <a:rPr lang="en-US" sz="4800" dirty="0" err="1" smtClean="0">
+                <a:solidFill>
+                  <a:srgbClr val="008000"/>
+                </a:solidFill>
+              </a:rPr>
+              <a:t>v</a:t>
+            </a:r>
+            <a:r>
+              <a:rPr lang="en-US" sz="4800" dirty="0" smtClean="0"/>
+              <a:t> </a:t>
+            </a:r>
+            <a:r>
+              <a:rPr lang="en-US" sz="4800" dirty="0"/>
+              <a:t>in</a:t>
+            </a:r>
+            <a:r>
+              <a:rPr lang="en-US" sz="4800" dirty="0">
+                <a:solidFill>
+                  <a:schemeClr val="accent2"/>
+                </a:solidFill>
+              </a:rPr>
+              <a:t> </a:t>
+            </a:r>
+            <a:r>
+              <a:rPr lang="en-US" sz="4800" dirty="0">
+                <a:solidFill>
+                  <a:srgbClr val="008000"/>
+                </a:solidFill>
+              </a:rPr>
+              <a:t>E</a:t>
+            </a:r>
+            <a:r>
+              <a:rPr lang="en-US" sz="4800" baseline="-25000" dirty="0">
+                <a:solidFill>
+                  <a:srgbClr val="008000"/>
+                </a:solidFill>
+              </a:rPr>
+              <a:t>1</a:t>
+            </a:r>
+            <a:r>
+              <a:rPr lang="en-US" sz="4800" dirty="0">
+                <a:solidFill>
+                  <a:srgbClr val="0033CC"/>
+                </a:solidFill>
+              </a:rPr>
+              <a:t> </a:t>
+            </a:r>
+            <a:r>
+              <a:rPr lang="en-US" sz="4800" dirty="0" smtClean="0">
+                <a:solidFill>
+                  <a:srgbClr val="0033CC"/>
+                </a:solidFill>
+              </a:rPr>
+              <a:t> </a:t>
+            </a:r>
+            <a:r>
+              <a:rPr lang="en-US" sz="4000" dirty="0" smtClean="0"/>
+              <a:t>IFF</a:t>
+            </a:r>
+            <a:r>
+              <a:rPr lang="en-US" sz="4800" dirty="0" smtClean="0"/>
+              <a:t>  </a:t>
+            </a:r>
+            <a:r>
+              <a:rPr lang="en-US" sz="4800" dirty="0" smtClean="0">
+                <a:solidFill>
+                  <a:srgbClr val="0033CC"/>
+                </a:solidFill>
+              </a:rPr>
+              <a:t>f(u</a:t>
+            </a:r>
+            <a:r>
+              <a:rPr lang="en-US" sz="4800" dirty="0" smtClean="0">
+                <a:solidFill>
+                  <a:srgbClr val="0033CC"/>
+                </a:solidFill>
+              </a:rPr>
+              <a:t>)</a:t>
+            </a:r>
+            <a:r>
+              <a:rPr lang="en-US" sz="4800" dirty="0" smtClean="0">
+                <a:solidFill>
+                  <a:schemeClr val="accent1">
+                    <a:lumMod val="50000"/>
+                  </a:schemeClr>
+                </a:solidFill>
+              </a:rPr>
+              <a:t>→</a:t>
+            </a:r>
+            <a:r>
+              <a:rPr lang="en-US" sz="4800" dirty="0" smtClean="0">
+                <a:solidFill>
+                  <a:srgbClr val="0033CC"/>
+                </a:solidFill>
+              </a:rPr>
+              <a:t>f</a:t>
+            </a:r>
+            <a:r>
+              <a:rPr lang="en-US" sz="4800" dirty="0" smtClean="0">
+                <a:solidFill>
+                  <a:srgbClr val="0033CC"/>
+                </a:solidFill>
+              </a:rPr>
+              <a:t>(v</a:t>
+            </a:r>
+            <a:r>
+              <a:rPr lang="en-US" sz="4800" dirty="0">
+                <a:solidFill>
+                  <a:srgbClr val="0033CC"/>
+                </a:solidFill>
+              </a:rPr>
+              <a:t>)</a:t>
+            </a:r>
+            <a:r>
+              <a:rPr lang="en-US" sz="4800" dirty="0"/>
+              <a:t> in</a:t>
+            </a:r>
+            <a:r>
+              <a:rPr lang="en-US" sz="4800" dirty="0">
+                <a:solidFill>
+                  <a:schemeClr val="accent2"/>
+                </a:solidFill>
+              </a:rPr>
+              <a:t> </a:t>
+            </a:r>
+            <a:r>
+              <a:rPr lang="en-US" sz="4800" dirty="0">
+                <a:solidFill>
+                  <a:srgbClr val="0033CC"/>
+                </a:solidFill>
+              </a:rPr>
+              <a:t>E</a:t>
+            </a:r>
+            <a:r>
+              <a:rPr lang="en-US" sz="4800" baseline="-25000" dirty="0">
+                <a:solidFill>
+                  <a:srgbClr val="0033CC"/>
+                </a:solidFill>
+              </a:rPr>
+              <a:t>2</a:t>
+            </a:r>
+            <a:r>
+              <a:rPr lang="en-US" sz="4400" dirty="0"/>
+              <a:t> </a:t>
+            </a:r>
+          </a:p>
+        </p:txBody>
+      </p:sp>
+      <p:sp>
+        <p:nvSpPr>
+          <p:cNvPr id="669700" name="Rectangle 4"/>
+          <p:cNvSpPr>
+            <a:spLocks noChangeArrowheads="1"/>
+          </p:cNvSpPr>
+          <p:nvPr/>
+        </p:nvSpPr>
+        <p:spPr bwMode="auto">
+          <a:xfrm>
+            <a:off x="197241" y="2742152"/>
+            <a:ext cx="8731605" cy="2452744"/>
+          </a:xfrm>
+          <a:prstGeom prst="rect">
+            <a:avLst/>
+          </a:prstGeom>
+          <a:noFill/>
+          <a:ln w="38100">
+            <a:solidFill>
+              <a:srgbClr val="FF00FF"/>
+            </a:solidFill>
+            <a:miter lim="800000"/>
+            <a:headEnd/>
+            <a:tailEnd type="none" w="lg" len="lg"/>
+          </a:ln>
+          <a:effectLst/>
+        </p:spPr>
+        <p:txBody>
+          <a:bodyPr wrap="none" anchor="ctr"/>
+          <a:lstStyle/>
+          <a:p>
+            <a:pPr fontAlgn="base">
+              <a:spcBef>
+                <a:spcPct val="20000"/>
+              </a:spcBef>
+              <a:spcAft>
+                <a:spcPct val="0"/>
+              </a:spcAft>
+              <a:buFontTx/>
+              <a:buChar char="•"/>
+            </a:pPr>
+            <a:endParaRPr lang="en-US" sz="3200">
+              <a:solidFill>
+                <a:srgbClr val="000000"/>
+              </a:solidFill>
+              <a:latin typeface="Comic Sans MS" pitchFamily="66" charset="0"/>
+            </a:endParaRPr>
+          </a:p>
+        </p:txBody>
+      </p:sp>
+    </p:spTree>
+    <p:extLst>
+      <p:ext uri="{BB962C8B-B14F-4D97-AF65-F5344CB8AC3E}">
+        <p14:creationId xmlns:p14="http://schemas.microsoft.com/office/powerpoint/2010/main" val="4091427999"/>
+      </p:ext>
+    </p:extLst>
+  </p:cSld>
+  <p:clrMapOvr>
+    <a:masterClrMapping/>
+  </p:clrMapOvr>
+  <p:transition xmlns:p14="http://schemas.microsoft.com/office/powerpoint/2010/main" spd="slow">
+    <p:fade/>
+  </p:transition>
+  <p:timing>
+    <p:tnLst>
+      <p:par>
+        <p:cTn xmlns:p14="http://schemas.microsoft.com/office/powerpoint/2010/main" id="1" dur="indefinite" restart="never" nodeType="tmRoot">
+          <p:childTnLst>
+            <p:seq concurrent="1" nextAc="seek">
+              <p:cTn id="2" dur="indefinite" nodeType="mainSeq">
+                <p:childTnLst>
+                  <p:par>
+                    <p:cTn id="3" fill="hold">
+                      <p:stCondLst>
+                        <p:cond delay="indefinite"/>
+                      </p:stCondLst>
+                      <p:childTnLst>
+                        <p:par>
+                          <p:cTn id="4" fill="hold">
+                            <p:stCondLst>
+                              <p:cond delay="0"/>
+                            </p:stCondLst>
+                            <p:childTnLst>
+                              <p:par>
+                                <p:cTn id="5" presetID="1" presetClass="entr" presetSubtype="0" fill="hold" nodeType="clickEffect">
+                                  <p:stCondLst>
+                                    <p:cond delay="0"/>
+                                  </p:stCondLst>
+                                  <p:childTnLst>
+                                    <p:set>
+                                      <p:cBhvr>
+                                        <p:cTn id="6" dur="1" fill="hold">
+                                          <p:stCondLst>
+                                            <p:cond delay="0"/>
+                                          </p:stCondLst>
+                                        </p:cTn>
+                                        <p:tgtEl>
+                                          <p:spTgt spid="669699">
+                                            <p:txEl>
+                                              <p:pRg st="2" end="2"/>
+                                            </p:txEl>
+                                          </p:spTgt>
+                                        </p:tgtEl>
+                                        <p:attrNameLst>
+                                          <p:attrName>style.visibility</p:attrName>
+                                        </p:attrNameLst>
+                                      </p:cBhvr>
+                                      <p:to>
+                                        <p:strVal val="visible"/>
+                                      </p:to>
+                                    </p:set>
+                                  </p:childTnLst>
+                                </p:cTn>
+                              </p:par>
+                            </p:childTnLst>
+                          </p:cTn>
+                        </p:par>
+                      </p:childTnLst>
+                    </p:cTn>
+                  </p:par>
+                  <p:par>
+                    <p:cTn id="7" fill="hold">
+                      <p:stCondLst>
+                        <p:cond delay="indefinite"/>
+                      </p:stCondLst>
+                      <p:childTnLst>
+                        <p:par>
+                          <p:cTn id="8" fill="hold">
+                            <p:stCondLst>
+                              <p:cond delay="0"/>
+                            </p:stCondLst>
+                            <p:childTnLst>
+                              <p:par>
+                                <p:cTn id="9" presetID="1" presetClass="entr" presetSubtype="0" fill="hold" nodeType="clickEffect">
+                                  <p:stCondLst>
+                                    <p:cond delay="0"/>
+                                  </p:stCondLst>
+                                  <p:childTnLst>
+                                    <p:set>
+                                      <p:cBhvr>
+                                        <p:cTn id="10" dur="1" fill="hold">
+                                          <p:stCondLst>
+                                            <p:cond delay="0"/>
+                                          </p:stCondLst>
+                                        </p:cTn>
+                                        <p:tgtEl>
+                                          <p:spTgt spid="669699">
+                                            <p:txEl>
+                                              <p:pRg st="3" end="3"/>
+                                            </p:txEl>
+                                          </p:spTgt>
+                                        </p:tgtEl>
+                                        <p:attrNameLst>
+                                          <p:attrName>style.visibility</p:attrName>
+                                        </p:attrNameLst>
+                                      </p:cBhvr>
+                                      <p:to>
+                                        <p:strVal val="visible"/>
+                                      </p:to>
+                                    </p:set>
+                                  </p:childTnLst>
+                                </p:cTn>
+                              </p:par>
+                            </p:childTnLst>
+                          </p:cTn>
+                        </p:par>
+                      </p:childTnLst>
+                    </p:cTn>
+                  </p:par>
+                  <p:par>
+                    <p:cTn id="11" fill="hold">
+                      <p:stCondLst>
+                        <p:cond delay="indefinite"/>
+                      </p:stCondLst>
+                      <p:childTnLst>
+                        <p:par>
+                          <p:cTn id="12" fill="hold">
+                            <p:stCondLst>
+                              <p:cond delay="0"/>
+                            </p:stCondLst>
+                            <p:childTnLst>
+                              <p:par>
+                                <p:cTn id="13" presetID="2" presetClass="entr" presetSubtype="6" fill="hold" grpId="0" nodeType="clickEffect">
+                                  <p:stCondLst>
+                                    <p:cond delay="0"/>
+                                  </p:stCondLst>
+                                  <p:childTnLst>
+                                    <p:set>
+                                      <p:cBhvr>
+                                        <p:cTn id="14" dur="1" fill="hold">
+                                          <p:stCondLst>
+                                            <p:cond delay="0"/>
+                                          </p:stCondLst>
+                                        </p:cTn>
+                                        <p:tgtEl>
+                                          <p:spTgt spid="669700"/>
+                                        </p:tgtEl>
+                                        <p:attrNameLst>
+                                          <p:attrName>style.visibility</p:attrName>
+                                        </p:attrNameLst>
+                                      </p:cBhvr>
+                                      <p:to>
+                                        <p:strVal val="visible"/>
+                                      </p:to>
+                                    </p:set>
+                                    <p:anim calcmode="lin" valueType="num">
+                                      <p:cBhvr additive="base">
+                                        <p:cTn id="15" dur="500" fill="hold"/>
+                                        <p:tgtEl>
+                                          <p:spTgt spid="669700"/>
+                                        </p:tgtEl>
+                                        <p:attrNameLst>
+                                          <p:attrName>ppt_x</p:attrName>
+                                        </p:attrNameLst>
+                                      </p:cBhvr>
+                                      <p:tavLst>
+                                        <p:tav tm="0">
+                                          <p:val>
+                                            <p:strVal val="1+#ppt_w/2"/>
+                                          </p:val>
+                                        </p:tav>
+                                        <p:tav tm="100000">
+                                          <p:val>
+                                            <p:strVal val="#ppt_x"/>
+                                          </p:val>
+                                        </p:tav>
+                                      </p:tavLst>
+                                    </p:anim>
+                                    <p:anim calcmode="lin" valueType="num">
+                                      <p:cBhvr additive="base">
+                                        <p:cTn id="16" dur="500" fill="hold"/>
+                                        <p:tgtEl>
+                                          <p:spTgt spid="669700"/>
+                                        </p:tgtEl>
+                                        <p:attrNameLst>
+                                          <p:attrName>ppt_y</p:attrName>
+                                        </p:attrNameLst>
+                                      </p:cBhvr>
+                                      <p:tavLst>
+                                        <p:tav tm="0">
+                                          <p:val>
+                                            <p:strVal val="1+#ppt_h/2"/>
+                                          </p:val>
+                                        </p:tav>
+                                        <p:tav tm="100000">
+                                          <p:val>
+                                            <p:strVal val="#ppt_y"/>
+                                          </p:val>
+                                        </p:tav>
+                                      </p:tavLst>
+                                    </p:anim>
+                                  </p:childTnLst>
+                                </p:cTn>
+                              </p:par>
+                            </p:childTnLst>
+                          </p:cTn>
+                        </p:par>
+                      </p:childTnLst>
+                    </p:cTn>
+                  </p:par>
+                </p:childTnLst>
+              </p:cTn>
+              <p:prevCondLst>
+                <p:cond evt="onPrev" delay="0">
+                  <p:tgtEl>
+                    <p:sldTgt/>
+                  </p:tgtEl>
+                </p:cond>
+              </p:prevCondLst>
+              <p:nextCondLst>
+                <p:cond evt="onNext" delay="0">
+                  <p:tgtEl>
+                    <p:sldTgt/>
+                  </p:tgtEl>
+                </p:cond>
+              </p:nextCondLst>
+            </p:seq>
+          </p:childTnLst>
+        </p:cTn>
+      </p:par>
+    </p:tnLst>
+    <p:bldLst>
+      <p:bldP spid="669700" grpId="0" animBg="1"/>
+    </p:bldLst>
+  </p:timing>
+</p:sld>
+</file>
+
+<file path=ppt/slides/slide12.xml><?xml version="1.0" encoding="utf-8"?>
+<p:sld xmlns:a="http://schemas.openxmlformats.org/drawingml/2006/main" xmlns:r="http://schemas.openxmlformats.org/officeDocument/2006/relationships" xmlns:p="http://schemas.openxmlformats.org/presentationml/2006/main">
+  <p:cSld>
+    <p:spTree>
+      <p:nvGrpSpPr>
+        <p:cNvPr id="1" name=""/>
+        <p:cNvGrpSpPr/>
+        <p:nvPr/>
+      </p:nvGrpSpPr>
+      <p:grpSpPr>
+        <a:xfrm>
+          <a:off x="0" y="0"/>
+          <a:ext cx="0" cy="0"/>
+          <a:chOff x="0" y="0"/>
+          <a:chExt cx="0" cy="0"/>
+        </a:xfrm>
+      </p:grpSpPr>
+      <p:sp>
+        <p:nvSpPr>
+          <p:cNvPr id="2" name="Title 1"/>
+          <p:cNvSpPr>
+            <a:spLocks noGrp="1"/>
+          </p:cNvSpPr>
+          <p:nvPr>
+            <p:ph type="title"/>
+          </p:nvPr>
+        </p:nvSpPr>
+        <p:spPr>
+          <a:xfrm>
+            <a:off x="1371600" y="304800"/>
+            <a:ext cx="7391400" cy="1143000"/>
+          </a:xfrm>
+        </p:spPr>
+        <p:txBody>
+          <a:bodyPr>
+            <a:noAutofit/>
+          </a:bodyPr>
+          <a:lstStyle/>
+          <a:p>
+            <a:r>
+              <a:rPr lang="en-US" sz="4400" dirty="0" err="1" smtClean="0"/>
+              <a:t>p.o.</a:t>
+            </a:r>
+            <a:r>
+              <a:rPr lang="en-US" sz="4400" dirty="0" smtClean="0"/>
+              <a:t> represented by </a:t>
+            </a:r>
+            <a:r>
+              <a:rPr lang="en-US" sz="4400" dirty="0" smtClean="0">
+                <a:solidFill>
+                  <a:srgbClr val="0033CC"/>
+                </a:solidFill>
+                <a:latin typeface="Euclid Symbol" charset="2"/>
+                <a:cs typeface="Euclid Symbol" charset="2"/>
+                <a:sym typeface="Euclid Symbol"/>
+              </a:rPr>
+              <a:t>⊂</a:t>
+            </a:r>
+            <a:endParaRPr lang="en-US" sz="4400" dirty="0">
+              <a:solidFill>
+                <a:srgbClr val="0033CC"/>
+              </a:solidFill>
+              <a:latin typeface="Euclid Symbol" charset="2"/>
+              <a:cs typeface="Euclid Symbol" charset="2"/>
+            </a:endParaRPr>
+          </a:p>
+        </p:txBody>
+      </p:sp>
+      <p:sp>
+        <p:nvSpPr>
+          <p:cNvPr id="3" name="Content Placeholder 2"/>
+          <p:cNvSpPr>
+            <a:spLocks noGrp="1"/>
+          </p:cNvSpPr>
+          <p:nvPr>
+            <p:ph idx="1"/>
+          </p:nvPr>
+        </p:nvSpPr>
+        <p:spPr>
+          <a:xfrm>
+            <a:off x="304800" y="1752600"/>
+            <a:ext cx="8305800" cy="3352800"/>
+          </a:xfrm>
+        </p:spPr>
+        <p:txBody>
+          <a:bodyPr>
+            <a:noAutofit/>
+          </a:bodyPr>
+          <a:lstStyle/>
+          <a:p>
+            <a:r>
+              <a:rPr lang="en-US" sz="4800" dirty="0" smtClean="0">
+                <a:solidFill>
+                  <a:srgbClr val="8F008F"/>
+                </a:solidFill>
+              </a:rPr>
+              <a:t>Theorem: </a:t>
+            </a:r>
+            <a:r>
+              <a:rPr lang="en-US" sz="4800" i="1" dirty="0" smtClean="0"/>
+              <a:t> </a:t>
+            </a:r>
+            <a:r>
+              <a:rPr lang="en-US" sz="4800" dirty="0" smtClean="0"/>
+              <a:t>Every strict partial order is isomorphic to a collection of subsets partially ordered by</a:t>
+            </a:r>
+            <a:r>
+              <a:rPr lang="en-US" sz="4800" dirty="0" smtClean="0">
+                <a:solidFill>
+                  <a:srgbClr val="0033CC"/>
+                </a:solidFill>
+              </a:rPr>
+              <a:t> </a:t>
+            </a:r>
+            <a:r>
+              <a:rPr lang="en-US" sz="4800" b="1" dirty="0" smtClean="0">
+                <a:solidFill>
+                  <a:srgbClr val="0033CC"/>
+                </a:solidFill>
+                <a:latin typeface="Euclid Symbol" charset="2"/>
+                <a:cs typeface="Euclid Symbol" charset="2"/>
+                <a:sym typeface="Euclid Symbol"/>
+              </a:rPr>
+              <a:t>⊂</a:t>
+            </a:r>
+            <a:r>
+              <a:rPr lang="en-US" sz="4800" b="1" dirty="0" smtClean="0">
+                <a:ea typeface="+mj-ea"/>
+                <a:cs typeface="+mj-cs"/>
+                <a:sym typeface="Euclid Symbol"/>
+              </a:rPr>
+              <a:t>.</a:t>
+            </a:r>
+            <a:endParaRPr lang="en-US" sz="4800" dirty="0" smtClean="0"/>
+          </a:p>
+        </p:txBody>
+      </p:sp>
+    </p:spTree>
+  </p:cSld>
+  <p:clrMapOvr>
+    <a:masterClrMapping/>
+  </p:clrMapOvr>
+  <p:transition xmlns:p14="http://schemas.microsoft.com/office/powerpoint/2010/main"/>
+  <p:timing>
+    <p:tnLst>
+      <p:par>
+        <p:cTn xmlns:p14="http://schemas.microsoft.com/office/powerpoint/2010/main" id="1" dur="indefinite" restart="never" nodeType="tmRoot"/>
+      </p:par>
+    </p:tnLst>
+  </p:timing>
+</p:sld>
+</file>
+
+<file path=ppt/slides/slide13.xml><?xml version="1.0" encoding="utf-8"?>
 <p:sld xmlns:a="http://schemas.openxmlformats.org/drawingml/2006/main" xmlns:r="http://schemas.openxmlformats.org/officeDocument/2006/relationships" xmlns:p="http://schemas.openxmlformats.org/presentationml/2006/main">
   <p:cSld>
     <p:spTree>
@@ -4256,7 +7535,7 @@
 </p:sld>
 </file>
 
-<file path=ppt/slides/slide11.xml><?xml version="1.0" encoding="utf-8"?>
+<file path=ppt/slides/slide14.xml><?xml version="1.0" encoding="utf-8"?>
 <p:sld xmlns:a="http://schemas.openxmlformats.org/drawingml/2006/main" xmlns:r="http://schemas.openxmlformats.org/officeDocument/2006/relationships" xmlns:p="http://schemas.openxmlformats.org/presentationml/2006/main">
   <p:cSld>
     <p:spTree>
@@ -4378,25 +7657,25 @@
           <p:nvPr>
             <p:extLst>
               <p:ext uri="{D42A27DB-BD31-4B8C-83A1-F6EECF244321}">
-                <p14:modId xmlns:p14="http://schemas.microsoft.com/office/powerpoint/2010/main" val="2326343100"/>
+                <p14:modId xmlns:p14="http://schemas.microsoft.com/office/powerpoint/2010/main" val="2801228036"/>
               </p:ext>
             </p:extLst>
           </p:nvPr>
         </p:nvGraphicFramePr>
         <p:xfrm>
-          <a:off x="914400" y="3276600"/>
-          <a:ext cx="7291137" cy="1924050"/>
+          <a:off x="889000" y="3109912"/>
+          <a:ext cx="7342188" cy="3138488"/>
         </p:xfrm>
         <a:graphic>
           <a:graphicData uri="http://schemas.openxmlformats.org/presentationml/2006/ole">
             <mc:AlternateContent xmlns:mc="http://schemas.openxmlformats.org/markup-compatibility/2006">
               <mc:Choice xmlns:v="urn:schemas-microsoft-com:vml" Requires="v">
-                <p:oleObj spid="_x0000_s120886" name="Equation" r:id="rId3" imgW="1828800" imgH="482600" progId="Equation.DSMT4">
+                <p:oleObj spid="_x0000_s120890" name="Equation" r:id="rId3" imgW="1841500" imgH="787400" progId="Equation.3">
                   <p:embed/>
                 </p:oleObj>
               </mc:Choice>
               <mc:Fallback>
-                <p:oleObj name="Equation" r:id="rId3" imgW="1828800" imgH="482600" progId="Equation.DSMT4">
+                <p:oleObj name="Equation" r:id="rId3" imgW="1841500" imgH="787400" progId="Equation.3">
                   <p:embed/>
                   <p:pic>
                     <p:nvPicPr>
@@ -4412,8 +7691,8 @@
                     </p:blipFill>
                     <p:spPr>
                       <a:xfrm>
-                        <a:off x="914400" y="3276600"/>
-                        <a:ext cx="7291137" cy="1924050"/>
+                        <a:off x="889000" y="3109912"/>
+                        <a:ext cx="7342188" cy="3138488"/>
                       </a:xfrm>
                       <a:prstGeom prst="rect">
                         <a:avLst/>
@@ -4670,7 +7949,7 @@
           <a:graphicData uri="http://schemas.openxmlformats.org/presentationml/2006/ole">
             <mc:AlternateContent xmlns:mc="http://schemas.openxmlformats.org/markup-compatibility/2006">
               <mc:Choice xmlns:v="urn:schemas-microsoft-com:vml" Requires="v">
-                <p:oleObj spid="_x0000_s121873" name="Equation" r:id="rId4" imgW="419100" imgH="177800" progId="Equation.DSMT4">
+                <p:oleObj spid="_x0000_s121877" name="Equation" r:id="rId4" imgW="419100" imgH="177800" progId="Equation.DSMT4">
                   <p:embed/>
                 </p:oleObj>
               </mc:Choice>
@@ -10026,9 +13305,245 @@
       </p:grpSpPr>
       <p:sp>
         <p:nvSpPr>
-          <p:cNvPr id="2" name="Title 1"/>
+          <p:cNvPr id="4" name="Slide Number Placeholder 2"/>
           <p:cNvSpPr>
             <a:spLocks noGrp="1"/>
+          </p:cNvSpPr>
+          <p:nvPr>
+            <p:ph type="sldNum" sz="quarter" idx="10"/>
+          </p:nvPr>
+        </p:nvSpPr>
+        <p:spPr/>
+        <p:txBody>
+          <a:bodyPr/>
+          <a:lstStyle/>
+          <a:p>
+            <a:r>
+              <a:rPr lang="en-US" dirty="0" err="1">
+                <a:solidFill>
+                  <a:srgbClr val="000000"/>
+                </a:solidFill>
+                <a:latin typeface="Comic Sans MS"/>
+              </a:rPr>
+              <a:t>lec</a:t>
+            </a:r>
+            <a:r>
+              <a:rPr lang="en-US" dirty="0" smtClean="0">
+                <a:solidFill>
+                  <a:srgbClr val="000000"/>
+                </a:solidFill>
+                <a:latin typeface="Comic Sans MS"/>
+              </a:rPr>
+              <a:t> 8M.</a:t>
+            </a:r>
+            <a:fld id="{68A93573-C3A1-4216-A253-FAD638233C5A}" type="slidenum">
+              <a:rPr lang="en-US" smtClean="0">
+                <a:solidFill>
+                  <a:srgbClr val="000000"/>
+                </a:solidFill>
+                <a:latin typeface="Comic Sans MS"/>
+              </a:rPr>
+              <a:pPr/>
+              <a:t>9</a:t>
+            </a:fld>
+            <a:endParaRPr lang="en-US" dirty="0">
+              <a:solidFill>
+                <a:srgbClr val="000000"/>
+              </a:solidFill>
+              <a:latin typeface="Comic Sans MS"/>
+            </a:endParaRPr>
+          </a:p>
+        </p:txBody>
+      </p:sp>
+      <p:sp>
+        <p:nvSpPr>
+          <p:cNvPr id="661551" name="Text Box 47"/>
+          <p:cNvSpPr txBox="1">
+            <a:spLocks noChangeArrowheads="1"/>
+          </p:cNvSpPr>
+          <p:nvPr/>
+        </p:nvSpPr>
+        <p:spPr bwMode="auto">
+          <a:xfrm>
+            <a:off x="896121" y="1068773"/>
+            <a:ext cx="7468711" cy="4708981"/>
+          </a:xfrm>
+          <a:prstGeom prst="rect">
+            <a:avLst/>
+          </a:prstGeom>
+          <a:noFill/>
+          <a:ln w="31750">
+            <a:noFill/>
+            <a:miter lim="800000"/>
+            <a:headEnd/>
+            <a:tailEnd type="none" w="lg" len="lg"/>
+          </a:ln>
+          <a:effectLst/>
+        </p:spPr>
+        <p:txBody>
+          <a:bodyPr wrap="none">
+            <a:spAutoFit/>
+          </a:bodyPr>
+          <a:lstStyle/>
+          <a:p>
+            <a:pPr fontAlgn="base">
+              <a:spcBef>
+                <a:spcPct val="0"/>
+              </a:spcBef>
+              <a:spcAft>
+                <a:spcPct val="0"/>
+              </a:spcAft>
+            </a:pPr>
+            <a:r>
+              <a:rPr lang="en-US" sz="6000" dirty="0">
+                <a:solidFill>
+                  <a:srgbClr val="000000"/>
+                </a:solidFill>
+                <a:latin typeface="Comic Sans MS" pitchFamily="66" charset="0"/>
+              </a:rPr>
+              <a:t>All that matters</a:t>
+            </a:r>
+          </a:p>
+          <a:p>
+            <a:pPr fontAlgn="base">
+              <a:spcBef>
+                <a:spcPct val="0"/>
+              </a:spcBef>
+              <a:spcAft>
+                <a:spcPct val="0"/>
+              </a:spcAft>
+            </a:pPr>
+            <a:r>
+              <a:rPr lang="en-US" sz="6000" dirty="0" smtClean="0">
+                <a:solidFill>
+                  <a:srgbClr val="000000"/>
+                </a:solidFill>
+                <a:latin typeface="Comic Sans MS" pitchFamily="66" charset="0"/>
+              </a:rPr>
+              <a:t>are </a:t>
+            </a:r>
+            <a:r>
+              <a:rPr lang="en-US" sz="6000" dirty="0">
+                <a:solidFill>
+                  <a:srgbClr val="000000"/>
+                </a:solidFill>
+                <a:latin typeface="Comic Sans MS" pitchFamily="66" charset="0"/>
+              </a:rPr>
+              <a:t>the </a:t>
+            </a:r>
+            <a:r>
+              <a:rPr lang="en-US" sz="6000" dirty="0" smtClean="0">
+                <a:solidFill>
+                  <a:srgbClr val="FF00FF"/>
+                </a:solidFill>
+                <a:latin typeface="Comic Sans MS" pitchFamily="66" charset="0"/>
+              </a:rPr>
+              <a:t>connections</a:t>
+            </a:r>
+            <a:r>
+              <a:rPr lang="en-US" sz="6000" dirty="0" smtClean="0">
+                <a:solidFill>
+                  <a:srgbClr val="000000"/>
+                </a:solidFill>
+                <a:latin typeface="Comic Sans MS" pitchFamily="66" charset="0"/>
+              </a:rPr>
+              <a:t>:</a:t>
+            </a:r>
+            <a:endParaRPr lang="en-US" sz="6000" dirty="0">
+              <a:solidFill>
+                <a:srgbClr val="000000"/>
+              </a:solidFill>
+              <a:latin typeface="Comic Sans MS" pitchFamily="66" charset="0"/>
+            </a:endParaRPr>
+          </a:p>
+          <a:p>
+            <a:pPr fontAlgn="base">
+              <a:spcBef>
+                <a:spcPct val="0"/>
+              </a:spcBef>
+              <a:spcAft>
+                <a:spcPct val="0"/>
+              </a:spcAft>
+            </a:pPr>
+            <a:r>
+              <a:rPr lang="en-US" sz="6000" dirty="0" smtClean="0">
+                <a:solidFill>
+                  <a:srgbClr val="000000"/>
+                </a:solidFill>
+                <a:latin typeface="Comic Sans MS" pitchFamily="66" charset="0"/>
+              </a:rPr>
+              <a:t>graphs </a:t>
+            </a:r>
+            <a:r>
+              <a:rPr lang="en-US" sz="6000" dirty="0">
+                <a:solidFill>
+                  <a:srgbClr val="000000"/>
+                </a:solidFill>
+                <a:latin typeface="Comic Sans MS" pitchFamily="66" charset="0"/>
+              </a:rPr>
+              <a:t>with the</a:t>
+            </a:r>
+          </a:p>
+          <a:p>
+            <a:pPr fontAlgn="base">
+              <a:spcBef>
+                <a:spcPct val="0"/>
+              </a:spcBef>
+              <a:spcAft>
+                <a:spcPct val="0"/>
+              </a:spcAft>
+            </a:pPr>
+            <a:r>
+              <a:rPr lang="en-US" sz="6000" dirty="0">
+                <a:solidFill>
+                  <a:srgbClr val="000000"/>
+                </a:solidFill>
+                <a:latin typeface="Comic Sans MS" pitchFamily="66" charset="0"/>
+              </a:rPr>
+              <a:t>same connections</a:t>
+            </a:r>
+          </a:p>
+          <a:p>
+            <a:pPr fontAlgn="base">
+              <a:spcBef>
+                <a:spcPct val="0"/>
+              </a:spcBef>
+              <a:spcAft>
+                <a:spcPct val="0"/>
+              </a:spcAft>
+            </a:pPr>
+            <a:r>
+              <a:rPr lang="en-US" sz="6000" dirty="0">
+                <a:solidFill>
+                  <a:srgbClr val="000000"/>
+                </a:solidFill>
+                <a:latin typeface="Comic Sans MS" pitchFamily="66" charset="0"/>
+              </a:rPr>
+              <a:t>are </a:t>
+            </a:r>
+            <a:r>
+              <a:rPr lang="en-US" sz="6000" dirty="0" smtClean="0">
+                <a:solidFill>
+                  <a:srgbClr val="0033CC"/>
+                </a:solidFill>
+                <a:latin typeface="Comic Sans MS" pitchFamily="66" charset="0"/>
+              </a:rPr>
+              <a:t>isomorphic</a:t>
+            </a:r>
+            <a:endParaRPr lang="en-US" sz="6000" i="1" dirty="0">
+              <a:solidFill>
+                <a:srgbClr val="000000"/>
+              </a:solidFill>
+              <a:latin typeface="Comic Sans MS" pitchFamily="66" charset="0"/>
+            </a:endParaRPr>
+          </a:p>
+        </p:txBody>
+      </p:sp>
+      <p:sp>
+        <p:nvSpPr>
+          <p:cNvPr id="7" name="Rectangle 2"/>
+          <p:cNvSpPr>
+            <a:spLocks noGrp="1" noChangeArrowheads="1"/>
           </p:cNvSpPr>
           <p:nvPr>
             <p:ph type="title"/>
@@ -10036,124 +13551,209 @@
         </p:nvSpPr>
         <p:spPr>
           <a:xfrm>
-            <a:off x="1371600" y="304800"/>
-            <a:ext cx="7391400" cy="1143000"/>
+            <a:off x="1931988" y="55563"/>
+            <a:ext cx="5322887" cy="1177925"/>
           </a:xfrm>
         </p:spPr>
         <p:txBody>
-          <a:bodyPr>
-            <a:noAutofit/>
-          </a:bodyPr>
+          <a:bodyPr/>
           <a:lstStyle/>
           <a:p>
-            <a:r>
-              <a:rPr lang="en-US" sz="4400" dirty="0" err="1" smtClean="0"/>
-              <a:t>p.o.</a:t>
-            </a:r>
-            <a:r>
-              <a:rPr lang="en-US" sz="4400" dirty="0" smtClean="0"/>
-              <a:t> represented by </a:t>
-            </a:r>
-            <a:r>
-              <a:rPr lang="en-US" sz="4400" dirty="0" smtClean="0">
-                <a:solidFill>
-                  <a:srgbClr val="0033CC"/>
-                </a:solidFill>
-                <a:latin typeface="Euclid Symbol" charset="2"/>
-                <a:cs typeface="Euclid Symbol" charset="2"/>
-                <a:sym typeface="Euclid Symbol"/>
-              </a:rPr>
-              <a:t>⊂</a:t>
-            </a:r>
-            <a:endParaRPr lang="en-US" sz="4400" dirty="0">
-              <a:solidFill>
-                <a:srgbClr val="0033CC"/>
-              </a:solidFill>
-              <a:latin typeface="Euclid Symbol" charset="2"/>
-              <a:cs typeface="Euclid Symbol" charset="2"/>
-            </a:endParaRPr>
-          </a:p>
-        </p:txBody>
-      </p:sp>
-      <p:sp>
-        <p:nvSpPr>
-          <p:cNvPr id="3" name="Content Placeholder 2"/>
-          <p:cNvSpPr>
-            <a:spLocks noGrp="1"/>
-          </p:cNvSpPr>
-          <p:nvPr>
-            <p:ph idx="1"/>
-          </p:nvPr>
-        </p:nvSpPr>
-        <p:spPr>
-          <a:xfrm>
-            <a:off x="304800" y="1752600"/>
-            <a:ext cx="8305800" cy="3352800"/>
-          </a:xfrm>
-        </p:spPr>
-        <p:txBody>
-          <a:bodyPr>
-            <a:noAutofit/>
-          </a:bodyPr>
-          <a:lstStyle/>
-          <a:p>
-            <a:r>
-              <a:rPr lang="en-US" sz="4800" dirty="0" smtClean="0">
-                <a:solidFill>
-                  <a:srgbClr val="8F008F"/>
-                </a:solidFill>
-              </a:rPr>
-              <a:t>Theorem: </a:t>
-            </a:r>
-            <a:r>
-              <a:rPr lang="en-US" sz="4800" i="1" dirty="0" smtClean="0"/>
-              <a:t> </a:t>
-            </a:r>
-            <a:r>
-              <a:rPr lang="en-US" sz="4800" dirty="0" smtClean="0"/>
-              <a:t>Every strict partial order is isomorphic to a collection of subsets partially ordered by</a:t>
-            </a:r>
-            <a:r>
-              <a:rPr lang="en-US" sz="4800" dirty="0" smtClean="0">
-                <a:solidFill>
-                  <a:srgbClr val="0033CC"/>
-                </a:solidFill>
-              </a:rPr>
-              <a:t> </a:t>
-            </a:r>
-            <a:r>
-              <a:rPr lang="en-US" sz="4800" b="1" dirty="0" smtClean="0">
-                <a:solidFill>
-                  <a:srgbClr val="0033CC"/>
-                </a:solidFill>
-                <a:latin typeface="Euclid Symbol" charset="2"/>
-                <a:cs typeface="Euclid Symbol" charset="2"/>
-                <a:sym typeface="Euclid Symbol"/>
-              </a:rPr>
-              <a:t>⊂</a:t>
-            </a:r>
-            <a:r>
-              <a:rPr lang="en-US" sz="4800" b="1" dirty="0" smtClean="0">
-                <a:ea typeface="+mj-ea"/>
-                <a:cs typeface="+mj-cs"/>
-                <a:sym typeface="Euclid Symbol"/>
-              </a:rPr>
-              <a:t>.</a:t>
-            </a:r>
-            <a:endParaRPr lang="en-US" sz="4800" dirty="0" smtClean="0"/>
+            <a:pPr algn="ctr"/>
+            <a:r>
+              <a:rPr lang="en-US" sz="4800" dirty="0"/>
+              <a:t>Isomorphism</a:t>
+            </a:r>
           </a:p>
         </p:txBody>
       </p:sp>
     </p:spTree>
+    <p:extLst>
+      <p:ext uri="{BB962C8B-B14F-4D97-AF65-F5344CB8AC3E}">
+        <p14:creationId xmlns:p14="http://schemas.microsoft.com/office/powerpoint/2010/main" val="3705982720"/>
+      </p:ext>
+    </p:extLst>
   </p:cSld>
   <p:clrMapOvr>
     <a:masterClrMapping/>
   </p:clrMapOvr>
-  <p:transition xmlns:p14="http://schemas.microsoft.com/office/powerpoint/2010/main"/>
+  <p:transition xmlns:p14="http://schemas.microsoft.com/office/powerpoint/2010/main" spd="slow">
+    <p:fade thruBlk="1"/>
+  </p:transition>
   <p:timing>
     <p:tnLst>
       <p:par>
-        <p:cTn xmlns:p14="http://schemas.microsoft.com/office/powerpoint/2010/main" id="1" dur="indefinite" restart="never" nodeType="tmRoot"/>
+        <p:cTn xmlns:p14="http://schemas.microsoft.com/office/powerpoint/2010/main" id="1" dur="indefinite" restart="never" nodeType="tmRoot">
+          <p:childTnLst>
+            <p:seq concurrent="1" nextAc="seek">
+              <p:cTn id="2" dur="indefinite" nodeType="mainSeq">
+                <p:childTnLst>
+                  <p:par>
+                    <p:cTn id="3" fill="hold">
+                      <p:stCondLst>
+                        <p:cond delay="indefinite"/>
+                      </p:stCondLst>
+                      <p:childTnLst>
+                        <p:par>
+                          <p:cTn id="4" fill="hold">
+                            <p:stCondLst>
+                              <p:cond delay="0"/>
+                            </p:stCondLst>
+                            <p:childTnLst>
+                              <p:par>
+                                <p:cTn id="5" presetID="9" presetClass="entr" presetSubtype="0" fill="hold" nodeType="clickEffect">
+                                  <p:stCondLst>
+                                    <p:cond delay="0"/>
+                                  </p:stCondLst>
+                                  <p:childTnLst>
+                                    <p:set>
+                                      <p:cBhvr>
+                                        <p:cTn id="6" dur="1" fill="hold">
+                                          <p:stCondLst>
+                                            <p:cond delay="0"/>
+                                          </p:stCondLst>
+                                        </p:cTn>
+                                        <p:tgtEl>
+                                          <p:spTgt spid="661551">
+                                            <p:txEl>
+                                              <p:pRg st="2" end="2"/>
+                                            </p:txEl>
+                                          </p:spTgt>
+                                        </p:tgtEl>
+                                        <p:attrNameLst>
+                                          <p:attrName>style.visibility</p:attrName>
+                                        </p:attrNameLst>
+                                      </p:cBhvr>
+                                      <p:to>
+                                        <p:strVal val="visible"/>
+                                      </p:to>
+                                    </p:set>
+                                    <p:animEffect transition="in" filter="dissolve">
+                                      <p:cBhvr>
+                                        <p:cTn id="7" dur="500"/>
+                                        <p:tgtEl>
+                                          <p:spTgt spid="661551">
+                                            <p:txEl>
+                                              <p:pRg st="2" end="2"/>
+                                            </p:txEl>
+                                          </p:spTgt>
+                                        </p:tgtEl>
+                                      </p:cBhvr>
+                                    </p:animEffect>
+                                  </p:childTnLst>
+                                </p:cTn>
+                              </p:par>
+                              <p:par>
+                                <p:cTn id="8" presetID="9" presetClass="entr" presetSubtype="0" fill="hold" nodeType="withEffect">
+                                  <p:stCondLst>
+                                    <p:cond delay="0"/>
+                                  </p:stCondLst>
+                                  <p:childTnLst>
+                                    <p:set>
+                                      <p:cBhvr>
+                                        <p:cTn id="9" dur="1" fill="hold">
+                                          <p:stCondLst>
+                                            <p:cond delay="0"/>
+                                          </p:stCondLst>
+                                        </p:cTn>
+                                        <p:tgtEl>
+                                          <p:spTgt spid="661551">
+                                            <p:txEl>
+                                              <p:pRg st="3" end="3"/>
+                                            </p:txEl>
+                                          </p:spTgt>
+                                        </p:tgtEl>
+                                        <p:attrNameLst>
+                                          <p:attrName>style.visibility</p:attrName>
+                                        </p:attrNameLst>
+                                      </p:cBhvr>
+                                      <p:to>
+                                        <p:strVal val="visible"/>
+                                      </p:to>
+                                    </p:set>
+                                    <p:animEffect transition="in" filter="dissolve">
+                                      <p:cBhvr>
+                                        <p:cTn id="10" dur="500"/>
+                                        <p:tgtEl>
+                                          <p:spTgt spid="661551">
+                                            <p:txEl>
+                                              <p:pRg st="3" end="3"/>
+                                            </p:txEl>
+                                          </p:spTgt>
+                                        </p:tgtEl>
+                                      </p:cBhvr>
+                                    </p:animEffect>
+                                  </p:childTnLst>
+                                </p:cTn>
+                              </p:par>
+                              <p:par>
+                                <p:cTn id="11" presetID="9" presetClass="entr" presetSubtype="0" fill="hold" nodeType="withEffect">
+                                  <p:stCondLst>
+                                    <p:cond delay="0"/>
+                                  </p:stCondLst>
+                                  <p:childTnLst>
+                                    <p:set>
+                                      <p:cBhvr>
+                                        <p:cTn id="12" dur="1" fill="hold">
+                                          <p:stCondLst>
+                                            <p:cond delay="0"/>
+                                          </p:stCondLst>
+                                        </p:cTn>
+                                        <p:tgtEl>
+                                          <p:spTgt spid="661551">
+                                            <p:txEl>
+                                              <p:pRg st="4" end="4"/>
+                                            </p:txEl>
+                                          </p:spTgt>
+                                        </p:tgtEl>
+                                        <p:attrNameLst>
+                                          <p:attrName>style.visibility</p:attrName>
+                                        </p:attrNameLst>
+                                      </p:cBhvr>
+                                      <p:to>
+                                        <p:strVal val="visible"/>
+                                      </p:to>
+                                    </p:set>
+                                    <p:animEffect transition="in" filter="dissolve">
+                                      <p:cBhvr>
+                                        <p:cTn id="13" dur="500"/>
+                                        <p:tgtEl>
+                                          <p:spTgt spid="661551">
+                                            <p:txEl>
+                                              <p:pRg st="4" end="4"/>
+                                            </p:txEl>
+                                          </p:spTgt>
+                                        </p:tgtEl>
+                                      </p:cBhvr>
+                                    </p:animEffect>
+                                  </p:childTnLst>
+                                </p:cTn>
+                              </p:par>
+                            </p:childTnLst>
+                          </p:cTn>
+                        </p:par>
+                      </p:childTnLst>
+                    </p:cTn>
+                  </p:par>
+                </p:childTnLst>
+              </p:cTn>
+              <p:prevCondLst>
+                <p:cond evt="onPrev" delay="0">
+                  <p:tgtEl>
+                    <p:sldTgt/>
+                  </p:tgtEl>
+                </p:cond>
+              </p:prevCondLst>
+              <p:nextCondLst>
+                <p:cond evt="onNext" delay="0">
+                  <p:tgtEl>
+                    <p:sldTgt/>
+                  </p:tgtEl>
+                </p:cond>
+              </p:nextCondLst>
+            </p:seq>
+          </p:childTnLst>
+        </p:cTn>
       </p:par>
     </p:tnLst>
   </p:timing>
@@ -10522,114 +14122,56 @@
 </file>
 
 <file path=ppt/theme/theme2.xml><?xml version="1.0" encoding="utf-8"?>
-<a:theme xmlns:a="http://schemas.openxmlformats.org/drawingml/2006/main" name="Office Theme">
+<a:theme xmlns:a="http://schemas.openxmlformats.org/drawingml/2006/main" name="6.042 Lecture Template">
   <a:themeElements>
-    <a:clrScheme name="Office">
+    <a:clrScheme name="">
       <a:dk1>
-        <a:sysClr val="windowText" lastClr="000000"/>
+        <a:srgbClr val="000000"/>
       </a:dk1>
       <a:lt1>
-        <a:sysClr val="window" lastClr="FFFFFF"/>
+        <a:srgbClr val="FFFFFF"/>
       </a:lt1>
       <a:dk2>
-        <a:srgbClr val="1F497D"/>
+        <a:srgbClr val="000000"/>
       </a:dk2>
       <a:lt2>
-        <a:srgbClr val="EEECE1"/>
+        <a:srgbClr val="808080"/>
       </a:lt2>
       <a:accent1>
-        <a:srgbClr val="4F81BD"/>
+        <a:srgbClr val="CCCCFF"/>
       </a:accent1>
       <a:accent2>
-        <a:srgbClr val="C0504D"/>
+        <a:srgbClr val="CC0000"/>
       </a:accent2>
       <a:accent3>
-        <a:srgbClr val="9BBB59"/>
+        <a:srgbClr val="FFFFFF"/>
       </a:accent3>
       <a:accent4>
-        <a:srgbClr val="8064A2"/>
+        <a:srgbClr val="000000"/>
       </a:accent4>
       <a:accent5>
-        <a:srgbClr val="4BACC6"/>
+        <a:srgbClr val="E2E2FF"/>
       </a:accent5>
       <a:accent6>
-        <a:srgbClr val="F79646"/>
+        <a:srgbClr val="B90000"/>
       </a:accent6>
       <a:hlink>
-        <a:srgbClr val="0000FF"/>
+        <a:srgbClr val="CC0000"/>
       </a:hlink>
       <a:folHlink>
-        <a:srgbClr val="800080"/>
+        <a:srgbClr val="009999"/>
       </a:folHlink>
     </a:clrScheme>
-    <a:fontScheme name="Office">
+    <a:fontScheme name="6.042 Lecture Template">
       <a:majorFont>
-        <a:latin typeface="Calibri"/>
+        <a:latin typeface="Comic Sans MS"/>
         <a:ea typeface=""/>
         <a:cs typeface=""/>
-        <a:font script="Jpan" typeface="ＭＳ Ｐゴシック"/>
-        <a:font script="Hang" typeface="맑은 고딕"/>
-        <a:font script="Hans" typeface="宋体"/>
-        <a:font script="Hant" typeface="新細明體"/>
-        <a:font script="Arab" typeface="Times New Roman"/>
-        <a:font script="Hebr" typeface="Times New Roman"/>
-        <a:font script="Thai" typeface="Angsana New"/>
-        <a:font script="Ethi" typeface="Nyala"/>
-        <a:font script="Beng" typeface="Vrinda"/>
-        <a:font script="Gujr" typeface="Shruti"/>
-        <a:font script="Khmr" typeface="MoolBoran"/>
-        <a:font script="Knda" typeface="Tunga"/>
-        <a:font script="Guru" typeface="Raavi"/>
-        <a:font script="Cans" typeface="Euphemia"/>
-        <a:font script="Cher" typeface="Plantagenet Cherokee"/>
-        <a:font script="Yiii" typeface="Microsoft Yi Baiti"/>
-        <a:font script="Tibt" typeface="Microsoft Himalaya"/>
-        <a:font script="Thaa" typeface="MV Boli"/>
-        <a:font script="Deva" typeface="Mangal"/>
-        <a:font script="Telu" typeface="Gautami"/>
-        <a:font script="Taml" typeface="Latha"/>
-        <a:font script="Syrc" typeface="Estrangelo Edessa"/>
-        <a:font script="Orya" typeface="Kalinga"/>
-        <a:font script="Mlym" typeface="Kartika"/>
-        <a:font script="Laoo" typeface="DokChampa"/>
-        <a:font script="Sinh" typeface="Iskoola Pota"/>
-        <a:font script="Mong" typeface="Mongolian Baiti"/>
-        <a:font script="Viet" typeface="Times New Roman"/>
-        <a:font script="Uigh" typeface="Microsoft Uighur"/>
       </a:majorFont>
       <a:minorFont>
-        <a:latin typeface="Calibri"/>
+        <a:latin typeface="Comic Sans MS"/>
         <a:ea typeface=""/>
         <a:cs typeface=""/>
-        <a:font script="Jpan" typeface="ＭＳ Ｐゴシック"/>
-        <a:font script="Hang" typeface="맑은 고딕"/>
-        <a:font script="Hans" typeface="宋体"/>
-        <a:font script="Hant" typeface="新細明體"/>
-        <a:font script="Arab" typeface="Arial"/>
-        <a:font script="Hebr" typeface="Arial"/>
-        <a:font script="Thai" typeface="Cordia New"/>
-        <a:font script="Ethi" typeface="Nyala"/>
-        <a:font script="Beng" typeface="Vrinda"/>
-        <a:font script="Gujr" typeface="Shruti"/>
-        <a:font script="Khmr" typeface="DaunPenh"/>
-        <a:font script="Knda" typeface="Tunga"/>
-        <a:font script="Guru" typeface="Raavi"/>
-        <a:font script="Cans" typeface="Euphemia"/>
-        <a:font script="Cher" typeface="Plantagenet Cherokee"/>
-        <a:font script="Yiii" typeface="Microsoft Yi Baiti"/>
-        <a:font script="Tibt" typeface="Microsoft Himalaya"/>
-        <a:font script="Thaa" typeface="MV Boli"/>
-        <a:font script="Deva" typeface="Mangal"/>
-        <a:font script="Telu" typeface="Gautami"/>
-        <a:font script="Taml" typeface="Latha"/>
-        <a:font script="Syrc" typeface="Estrangelo Edessa"/>
-        <a:font script="Orya" typeface="Kalinga"/>
-        <a:font script="Mlym" typeface="Kartika"/>
-        <a:font script="Laoo" typeface="DokChampa"/>
-        <a:font script="Sinh" typeface="Iskoola Pota"/>
-        <a:font script="Mong" typeface="Mongolian Baiti"/>
-        <a:font script="Viet" typeface="Arial"/>
-        <a:font script="Uigh" typeface="Microsoft Uighur"/>
       </a:minorFont>
     </a:fontScheme>
     <a:fmtScheme name="Office">
@@ -10799,8 +14341,454 @@
       </a:bgFillStyleLst>
     </a:fmtScheme>
   </a:themeElements>
-  <a:objectDefaults/>
-  <a:extraClrSchemeLst/>
+  <a:objectDefaults>
+    <a:spDef>
+      <a:spPr bwMode="auto">
+        <a:xfrm>
+          <a:off x="0" y="0"/>
+          <a:ext cx="1" cy="1"/>
+        </a:xfrm>
+        <a:custGeom>
+          <a:avLst/>
+          <a:gdLst/>
+          <a:ahLst/>
+          <a:cxnLst/>
+          <a:rect l="0" t="0" r="0" b="0"/>
+          <a:pathLst/>
+        </a:custGeom>
+        <a:noFill/>
+        <a:ln w="9525" cap="flat" cmpd="sng" algn="ctr">
+          <a:noFill/>
+          <a:prstDash val="solid"/>
+          <a:round/>
+          <a:headEnd type="none" w="med" len="med"/>
+          <a:tailEnd type="none" w="med" len="med"/>
+        </a:ln>
+        <a:effectLst/>
+      </a:spPr>
+      <a:bodyPr vert="horz" wrap="square" lIns="91440" tIns="45720" rIns="91440" bIns="45720" numCol="1" anchor="t" anchorCtr="0" compatLnSpc="1">
+        <a:prstTxWarp prst="textNoShape">
+          <a:avLst/>
+        </a:prstTxWarp>
+      </a:bodyPr>
+      <a:lstStyle>
+        <a:defPPr marL="342900" marR="0" indent="-342900" algn="l" defTabSz="914400" rtl="0" eaLnBrk="1" fontAlgn="base" latinLnBrk="0" hangingPunct="1">
+          <a:lnSpc>
+            <a:spcPct val="100000"/>
+          </a:lnSpc>
+          <a:spcBef>
+            <a:spcPct val="20000"/>
+          </a:spcBef>
+          <a:spcAft>
+            <a:spcPct val="0"/>
+          </a:spcAft>
+          <a:buClrTx/>
+          <a:buSzTx/>
+          <a:buFontTx/>
+          <a:buChar char="•"/>
+          <a:tabLst/>
+          <a:defRPr kumimoji="0" lang="en-US" sz="3200" b="0" i="0" u="none" strike="noStrike" cap="none" normalizeH="0" baseline="0" smtClean="0">
+            <a:ln>
+              <a:noFill/>
+            </a:ln>
+            <a:solidFill>
+              <a:schemeClr val="tx1"/>
+            </a:solidFill>
+            <a:effectLst/>
+            <a:latin typeface="Comic Sans MS" pitchFamily="66" charset="0"/>
+          </a:defRPr>
+        </a:defPPr>
+      </a:lstStyle>
+    </a:spDef>
+    <a:lnDef>
+      <a:spPr bwMode="auto">
+        <a:xfrm>
+          <a:off x="0" y="0"/>
+          <a:ext cx="1" cy="1"/>
+        </a:xfrm>
+        <a:custGeom>
+          <a:avLst/>
+          <a:gdLst/>
+          <a:ahLst/>
+          <a:cxnLst/>
+          <a:rect l="0" t="0" r="0" b="0"/>
+          <a:pathLst/>
+        </a:custGeom>
+        <a:noFill/>
+        <a:ln w="9525" cap="flat" cmpd="sng" algn="ctr">
+          <a:noFill/>
+          <a:prstDash val="solid"/>
+          <a:round/>
+          <a:headEnd type="none" w="med" len="med"/>
+          <a:tailEnd type="none" w="med" len="med"/>
+        </a:ln>
+        <a:effectLst/>
+      </a:spPr>
+      <a:bodyPr vert="horz" wrap="square" lIns="91440" tIns="45720" rIns="91440" bIns="45720" numCol="1" anchor="t" anchorCtr="0" compatLnSpc="1">
+        <a:prstTxWarp prst="textNoShape">
+          <a:avLst/>
+        </a:prstTxWarp>
+      </a:bodyPr>
+      <a:lstStyle>
+        <a:defPPr marL="342900" marR="0" indent="-342900" algn="l" defTabSz="914400" rtl="0" eaLnBrk="1" fontAlgn="base" latinLnBrk="0" hangingPunct="1">
+          <a:lnSpc>
+            <a:spcPct val="100000"/>
+          </a:lnSpc>
+          <a:spcBef>
+            <a:spcPct val="20000"/>
+          </a:spcBef>
+          <a:spcAft>
+            <a:spcPct val="0"/>
+          </a:spcAft>
+          <a:buClrTx/>
+          <a:buSzTx/>
+          <a:buFontTx/>
+          <a:buChar char="•"/>
+          <a:tabLst/>
+          <a:defRPr kumimoji="0" lang="en-US" sz="3200" b="0" i="0" u="none" strike="noStrike" cap="none" normalizeH="0" baseline="0" smtClean="0">
+            <a:ln>
+              <a:noFill/>
+            </a:ln>
+            <a:solidFill>
+              <a:schemeClr val="tx1"/>
+            </a:solidFill>
+            <a:effectLst/>
+            <a:latin typeface="Comic Sans MS" pitchFamily="66" charset="0"/>
+          </a:defRPr>
+        </a:defPPr>
+      </a:lstStyle>
+    </a:lnDef>
+  </a:objectDefaults>
+  <a:extraClrSchemeLst>
+    <a:extraClrScheme>
+      <a:clrScheme name="6.042 Lecture Template 1">
+        <a:dk1>
+          <a:srgbClr val="000000"/>
+        </a:dk1>
+        <a:lt1>
+          <a:srgbClr val="FFFFFF"/>
+        </a:lt1>
+        <a:dk2>
+          <a:srgbClr val="0000FF"/>
+        </a:dk2>
+        <a:lt2>
+          <a:srgbClr val="FFFF00"/>
+        </a:lt2>
+        <a:accent1>
+          <a:srgbClr val="FF9900"/>
+        </a:accent1>
+        <a:accent2>
+          <a:srgbClr val="00FFFF"/>
+        </a:accent2>
+        <a:accent3>
+          <a:srgbClr val="AAAAFF"/>
+        </a:accent3>
+        <a:accent4>
+          <a:srgbClr val="DADADA"/>
+        </a:accent4>
+        <a:accent5>
+          <a:srgbClr val="FFCAAA"/>
+        </a:accent5>
+        <a:accent6>
+          <a:srgbClr val="00E7E7"/>
+        </a:accent6>
+        <a:hlink>
+          <a:srgbClr val="FF0000"/>
+        </a:hlink>
+        <a:folHlink>
+          <a:srgbClr val="969696"/>
+        </a:folHlink>
+      </a:clrScheme>
+      <a:clrMap bg1="dk2" tx1="lt1" bg2="dk1" tx2="lt2" accent1="accent1" accent2="accent2" accent3="accent3" accent4="accent4" accent5="accent5" accent6="accent6" hlink="hlink" folHlink="folHlink"/>
+    </a:extraClrScheme>
+    <a:extraClrScheme>
+      <a:clrScheme name="6.042 Lecture Template 2">
+        <a:dk1>
+          <a:srgbClr val="000000"/>
+        </a:dk1>
+        <a:lt1>
+          <a:srgbClr val="FFFFFF"/>
+        </a:lt1>
+        <a:dk2>
+          <a:srgbClr val="000000"/>
+        </a:dk2>
+        <a:lt2>
+          <a:srgbClr val="808080"/>
+        </a:lt2>
+        <a:accent1>
+          <a:srgbClr val="00CC99"/>
+        </a:accent1>
+        <a:accent2>
+          <a:srgbClr val="3333CC"/>
+        </a:accent2>
+        <a:accent3>
+          <a:srgbClr val="FFFFFF"/>
+        </a:accent3>
+        <a:accent4>
+          <a:srgbClr val="000000"/>
+        </a:accent4>
+        <a:accent5>
+          <a:srgbClr val="AAE2CA"/>
+        </a:accent5>
+        <a:accent6>
+          <a:srgbClr val="2D2DB9"/>
+        </a:accent6>
+        <a:hlink>
+          <a:srgbClr val="CCCCFF"/>
+        </a:hlink>
+        <a:folHlink>
+          <a:srgbClr val="B2B2B2"/>
+        </a:folHlink>
+      </a:clrScheme>
+      <a:clrMap bg1="lt1" tx1="dk1" bg2="lt2" tx2="dk2" accent1="accent1" accent2="accent2" accent3="accent3" accent4="accent4" accent5="accent5" accent6="accent6" hlink="hlink" folHlink="folHlink"/>
+    </a:extraClrScheme>
+    <a:extraClrScheme>
+      <a:clrScheme name="6.042 Lecture Template 3">
+        <a:dk1>
+          <a:srgbClr val="000000"/>
+        </a:dk1>
+        <a:lt1>
+          <a:srgbClr val="FFFFFF"/>
+        </a:lt1>
+        <a:dk2>
+          <a:srgbClr val="000000"/>
+        </a:dk2>
+        <a:lt2>
+          <a:srgbClr val="333333"/>
+        </a:lt2>
+        <a:accent1>
+          <a:srgbClr val="DDDDDD"/>
+        </a:accent1>
+        <a:accent2>
+          <a:srgbClr val="808080"/>
+        </a:accent2>
+        <a:accent3>
+          <a:srgbClr val="FFFFFF"/>
+        </a:accent3>
+        <a:accent4>
+          <a:srgbClr val="000000"/>
+        </a:accent4>
+        <a:accent5>
+          <a:srgbClr val="EBEBEB"/>
+        </a:accent5>
+        <a:accent6>
+          <a:srgbClr val="737373"/>
+        </a:accent6>
+        <a:hlink>
+          <a:srgbClr val="4D4D4D"/>
+        </a:hlink>
+        <a:folHlink>
+          <a:srgbClr val="EAEAEA"/>
+        </a:folHlink>
+      </a:clrScheme>
+      <a:clrMap bg1="lt1" tx1="dk1" bg2="lt2" tx2="dk2" accent1="accent1" accent2="accent2" accent3="accent3" accent4="accent4" accent5="accent5" accent6="accent6" hlink="hlink" folHlink="folHlink"/>
+    </a:extraClrScheme>
+    <a:extraClrScheme>
+      <a:clrScheme name="6.042 Lecture Template 4">
+        <a:dk1>
+          <a:srgbClr val="000000"/>
+        </a:dk1>
+        <a:lt1>
+          <a:srgbClr val="FFFFCC"/>
+        </a:lt1>
+        <a:dk2>
+          <a:srgbClr val="808000"/>
+        </a:dk2>
+        <a:lt2>
+          <a:srgbClr val="666633"/>
+        </a:lt2>
+        <a:accent1>
+          <a:srgbClr val="339933"/>
+        </a:accent1>
+        <a:accent2>
+          <a:srgbClr val="800000"/>
+        </a:accent2>
+        <a:accent3>
+          <a:srgbClr val="FFFFE2"/>
+        </a:accent3>
+        <a:accent4>
+          <a:srgbClr val="000000"/>
+        </a:accent4>
+        <a:accent5>
+          <a:srgbClr val="ADCAAD"/>
+        </a:accent5>
+        <a:accent6>
+          <a:srgbClr val="730000"/>
+        </a:accent6>
+        <a:hlink>
+          <a:srgbClr val="0033CC"/>
+        </a:hlink>
+        <a:folHlink>
+          <a:srgbClr val="FFCC66"/>
+        </a:folHlink>
+      </a:clrScheme>
+      <a:clrMap bg1="lt1" tx1="dk1" bg2="lt2" tx2="dk2" accent1="accent1" accent2="accent2" accent3="accent3" accent4="accent4" accent5="accent5" accent6="accent6" hlink="hlink" folHlink="folHlink"/>
+    </a:extraClrScheme>
+    <a:extraClrScheme>
+      <a:clrScheme name="6.042 Lecture Template 5">
+        <a:dk1>
+          <a:srgbClr val="000000"/>
+        </a:dk1>
+        <a:lt1>
+          <a:srgbClr val="FFFFFF"/>
+        </a:lt1>
+        <a:dk2>
+          <a:srgbClr val="000000"/>
+        </a:dk2>
+        <a:lt2>
+          <a:srgbClr val="808080"/>
+        </a:lt2>
+        <a:accent1>
+          <a:srgbClr val="FFCC66"/>
+        </a:accent1>
+        <a:accent2>
+          <a:srgbClr val="0000FF"/>
+        </a:accent2>
+        <a:accent3>
+          <a:srgbClr val="FFFFFF"/>
+        </a:accent3>
+        <a:accent4>
+          <a:srgbClr val="000000"/>
+        </a:accent4>
+        <a:accent5>
+          <a:srgbClr val="FFE2B8"/>
+        </a:accent5>
+        <a:accent6>
+          <a:srgbClr val="0000E7"/>
+        </a:accent6>
+        <a:hlink>
+          <a:srgbClr val="CC00CC"/>
+        </a:hlink>
+        <a:folHlink>
+          <a:srgbClr val="C0C0C0"/>
+        </a:folHlink>
+      </a:clrScheme>
+      <a:clrMap bg1="lt1" tx1="dk1" bg2="lt2" tx2="dk2" accent1="accent1" accent2="accent2" accent3="accent3" accent4="accent4" accent5="accent5" accent6="accent6" hlink="hlink" folHlink="folHlink"/>
+    </a:extraClrScheme>
+    <a:extraClrScheme>
+      <a:clrScheme name="6.042 Lecture Template 6">
+        <a:dk1>
+          <a:srgbClr val="000000"/>
+        </a:dk1>
+        <a:lt1>
+          <a:srgbClr val="FFFFFF"/>
+        </a:lt1>
+        <a:dk2>
+          <a:srgbClr val="000000"/>
+        </a:dk2>
+        <a:lt2>
+          <a:srgbClr val="808080"/>
+        </a:lt2>
+        <a:accent1>
+          <a:srgbClr val="C0C0C0"/>
+        </a:accent1>
+        <a:accent2>
+          <a:srgbClr val="0066FF"/>
+        </a:accent2>
+        <a:accent3>
+          <a:srgbClr val="FFFFFF"/>
+        </a:accent3>
+        <a:accent4>
+          <a:srgbClr val="000000"/>
+        </a:accent4>
+        <a:accent5>
+          <a:srgbClr val="DCDCDC"/>
+        </a:accent5>
+        <a:accent6>
+          <a:srgbClr val="005CE7"/>
+        </a:accent6>
+        <a:hlink>
+          <a:srgbClr val="FF0000"/>
+        </a:hlink>
+        <a:folHlink>
+          <a:srgbClr val="009900"/>
+        </a:folHlink>
+      </a:clrScheme>
+      <a:clrMap bg1="lt1" tx1="dk1" bg2="lt2" tx2="dk2" accent1="accent1" accent2="accent2" accent3="accent3" accent4="accent4" accent5="accent5" accent6="accent6" hlink="hlink" folHlink="folHlink"/>
+    </a:extraClrScheme>
+    <a:extraClrScheme>
+      <a:clrScheme name="6.042 Lecture Template 7">
+        <a:dk1>
+          <a:srgbClr val="000000"/>
+        </a:dk1>
+        <a:lt1>
+          <a:srgbClr val="FFFFFF"/>
+        </a:lt1>
+        <a:dk2>
+          <a:srgbClr val="000000"/>
+        </a:dk2>
+        <a:lt2>
+          <a:srgbClr val="808080"/>
+        </a:lt2>
+        <a:accent1>
+          <a:srgbClr val="3399FF"/>
+        </a:accent1>
+        <a:accent2>
+          <a:srgbClr val="99FFCC"/>
+        </a:accent2>
+        <a:accent3>
+          <a:srgbClr val="FFFFFF"/>
+        </a:accent3>
+        <a:accent4>
+          <a:srgbClr val="000000"/>
+        </a:accent4>
+        <a:accent5>
+          <a:srgbClr val="ADCAFF"/>
+        </a:accent5>
+        <a:accent6>
+          <a:srgbClr val="8AE7B9"/>
+        </a:accent6>
+        <a:hlink>
+          <a:srgbClr val="CC00CC"/>
+        </a:hlink>
+        <a:folHlink>
+          <a:srgbClr val="B2B2B2"/>
+        </a:folHlink>
+      </a:clrScheme>
+      <a:clrMap bg1="lt1" tx1="dk1" bg2="lt2" tx2="dk2" accent1="accent1" accent2="accent2" accent3="accent3" accent4="accent4" accent5="accent5" accent6="accent6" hlink="hlink" folHlink="folHlink"/>
+    </a:extraClrScheme>
+    <a:extraClrScheme>
+      <a:clrScheme name="6.042 Lecture Template 8">
+        <a:dk1>
+          <a:srgbClr val="000000"/>
+        </a:dk1>
+        <a:lt1>
+          <a:srgbClr val="FFFFFF"/>
+        </a:lt1>
+        <a:dk2>
+          <a:srgbClr val="000000"/>
+        </a:dk2>
+        <a:lt2>
+          <a:srgbClr val="808080"/>
+        </a:lt2>
+        <a:accent1>
+          <a:srgbClr val="009999"/>
+        </a:accent1>
+        <a:accent2>
+          <a:srgbClr val="CC0000"/>
+        </a:accent2>
+        <a:accent3>
+          <a:srgbClr val="FFFFFF"/>
+        </a:accent3>
+        <a:accent4>
+          <a:srgbClr val="000000"/>
+        </a:accent4>
+        <a:accent5>
+          <a:srgbClr val="AACACA"/>
+        </a:accent5>
+        <a:accent6>
+          <a:srgbClr val="B90000"/>
+        </a:accent6>
+        <a:hlink>
+          <a:srgbClr val="CCCCFF"/>
+        </a:hlink>
+        <a:folHlink>
+          <a:srgbClr val="B2B2B2"/>
+        </a:folHlink>
+      </a:clrScheme>
+      <a:clrMap bg1="lt1" tx1="dk1" bg2="lt2" tx2="dk2" accent1="accent1" accent2="accent2" accent3="accent3" accent4="accent4" accent5="accent5" accent6="accent6" hlink="hlink" folHlink="folHlink"/>
+    </a:extraClrScheme>
+  </a:extraClrSchemeLst>
 </a:theme>
 </file>
 
@@ -11085,4 +15073,287 @@
   <a:objectDefaults/>
   <a:extraClrSchemeLst/>
 </a:theme>
+</file>
+
+<file path=ppt/theme/theme4.xml><?xml version="1.0" encoding="utf-8"?>
+<a:theme xmlns:a="http://schemas.openxmlformats.org/drawingml/2006/main" name="Office Theme">
+  <a:themeElements>
+    <a:clrScheme name="Office">
+      <a:dk1>
+        <a:sysClr val="windowText" lastClr="000000"/>
+      </a:dk1>
+      <a:lt1>
+        <a:sysClr val="window" lastClr="FFFFFF"/>
+      </a:lt1>
+      <a:dk2>
+        <a:srgbClr val="1F497D"/>
+      </a:dk2>
+      <a:lt2>
+        <a:srgbClr val="EEECE1"/>
+      </a:lt2>
+      <a:accent1>
+        <a:srgbClr val="4F81BD"/>
+      </a:accent1>
+      <a:accent2>
+        <a:srgbClr val="C0504D"/>
+      </a:accent2>
+      <a:accent3>
+        <a:srgbClr val="9BBB59"/>
+      </a:accent3>
+      <a:accent4>
+        <a:srgbClr val="8064A2"/>
+      </a:accent4>
+      <a:accent5>
+        <a:srgbClr val="4BACC6"/>
+      </a:accent5>
+      <a:accent6>
+        <a:srgbClr val="F79646"/>
+      </a:accent6>
+      <a:hlink>
+        <a:srgbClr val="0000FF"/>
+      </a:hlink>
+      <a:folHlink>
+        <a:srgbClr val="800080"/>
+      </a:folHlink>
+    </a:clrScheme>
+    <a:fontScheme name="Office">
+      <a:majorFont>
+        <a:latin typeface="Calibri"/>
+        <a:ea typeface=""/>
+        <a:cs typeface=""/>
+        <a:font script="Jpan" typeface="ＭＳ Ｐゴシック"/>
+        <a:font script="Hang" typeface="맑은 고딕"/>
+        <a:font script="Hans" typeface="宋体"/>
+        <a:font script="Hant" typeface="新細明體"/>
+        <a:font script="Arab" typeface="Times New Roman"/>
+        <a:font script="Hebr" typeface="Times New Roman"/>
+        <a:font script="Thai" typeface="Angsana New"/>
+        <a:font script="Ethi" typeface="Nyala"/>
+        <a:font script="Beng" typeface="Vrinda"/>
+        <a:font script="Gujr" typeface="Shruti"/>
+        <a:font script="Khmr" typeface="MoolBoran"/>
+        <a:font script="Knda" typeface="Tunga"/>
+        <a:font script="Guru" typeface="Raavi"/>
+        <a:font script="Cans" typeface="Euphemia"/>
+        <a:font script="Cher" typeface="Plantagenet Cherokee"/>
+        <a:font script="Yiii" typeface="Microsoft Yi Baiti"/>
+        <a:font script="Tibt" typeface="Microsoft Himalaya"/>
+        <a:font script="Thaa" typeface="MV Boli"/>
+        <a:font script="Deva" typeface="Mangal"/>
+        <a:font script="Telu" typeface="Gautami"/>
+        <a:font script="Taml" typeface="Latha"/>
+        <a:font script="Syrc" typeface="Estrangelo Edessa"/>
+        <a:font script="Orya" typeface="Kalinga"/>
+        <a:font script="Mlym" typeface="Kartika"/>
+        <a:font script="Laoo" typeface="DokChampa"/>
+        <a:font script="Sinh" typeface="Iskoola Pota"/>
+        <a:font script="Mong" typeface="Mongolian Baiti"/>
+        <a:font script="Viet" typeface="Times New Roman"/>
+        <a:font script="Uigh" typeface="Microsoft Uighur"/>
+      </a:majorFont>
+      <a:minorFont>
+        <a:latin typeface="Calibri"/>
+        <a:ea typeface=""/>
+        <a:cs typeface=""/>
+        <a:font script="Jpan" typeface="ＭＳ Ｐゴシック"/>
+        <a:font script="Hang" typeface="맑은 고딕"/>
+        <a:font script="Hans" typeface="宋体"/>
+        <a:font script="Hant" typeface="新細明體"/>
+        <a:font script="Arab" typeface="Arial"/>
+        <a:font script="Hebr" typeface="Arial"/>
+        <a:font script="Thai" typeface="Cordia New"/>
+        <a:font script="Ethi" typeface="Nyala"/>
+        <a:font script="Beng" typeface="Vrinda"/>
+        <a:font script="Gujr" typeface="Shruti"/>
+        <a:font script="Khmr" typeface="DaunPenh"/>
+        <a:font script="Knda" typeface="Tunga"/>
+        <a:font script="Guru" typeface="Raavi"/>
+        <a:font script="Cans" typeface="Euphemia"/>
+        <a:font script="Cher" typeface="Plantagenet Cherokee"/>
+        <a:font script="Yiii" typeface="Microsoft Yi Baiti"/>
+        <a:font script="Tibt" typeface="Microsoft Himalaya"/>
+        <a:font script="Thaa" typeface="MV Boli"/>
+        <a:font script="Deva" typeface="Mangal"/>
+        <a:font script="Telu" typeface="Gautami"/>
+        <a:font script="Taml" typeface="Latha"/>
+        <a:font script="Syrc" typeface="Estrangelo Edessa"/>
+        <a:font script="Orya" typeface="Kalinga"/>
+        <a:font script="Mlym" typeface="Kartika"/>
+        <a:font script="Laoo" typeface="DokChampa"/>
+        <a:font script="Sinh" typeface="Iskoola Pota"/>
+        <a:font script="Mong" typeface="Mongolian Baiti"/>
+        <a:font script="Viet" typeface="Arial"/>
+        <a:font script="Uigh" typeface="Microsoft Uighur"/>
+      </a:minorFont>
+    </a:fontScheme>
+    <a:fmtScheme name="Office">
+      <a:fillStyleLst>
+        <a:solidFill>
+          <a:schemeClr val="phClr"/>
+        </a:solidFill>
+        <a:gradFill rotWithShape="1">
+          <a:gsLst>
+            <a:gs pos="0">
+              <a:schemeClr val="phClr">
+                <a:tint val="50000"/>
+                <a:satMod val="300000"/>
+              </a:schemeClr>
+            </a:gs>
+            <a:gs pos="35000">
+              <a:schemeClr val="phClr">
+                <a:tint val="37000"/>
+                <a:satMod val="300000"/>
+              </a:schemeClr>
+            </a:gs>
+            <a:gs pos="100000">
+              <a:schemeClr val="phClr">
+                <a:tint val="15000"/>
+                <a:satMod val="350000"/>
+              </a:schemeClr>
+            </a:gs>
+          </a:gsLst>
+          <a:lin ang="16200000" scaled="1"/>
+        </a:gradFill>
+        <a:gradFill rotWithShape="1">
+          <a:gsLst>
+            <a:gs pos="0">
+              <a:schemeClr val="phClr">
+                <a:shade val="51000"/>
+                <a:satMod val="130000"/>
+              </a:schemeClr>
+            </a:gs>
+            <a:gs pos="80000">
+              <a:schemeClr val="phClr">
+                <a:shade val="93000"/>
+                <a:satMod val="130000"/>
+              </a:schemeClr>
+            </a:gs>
+            <a:gs pos="100000">
+              <a:schemeClr val="phClr">
+                <a:shade val="94000"/>
+                <a:satMod val="135000"/>
+              </a:schemeClr>
+            </a:gs>
+          </a:gsLst>
+          <a:lin ang="16200000" scaled="0"/>
+        </a:gradFill>
+      </a:fillStyleLst>
+      <a:lnStyleLst>
+        <a:ln w="9525" cap="flat" cmpd="sng" algn="ctr">
+          <a:solidFill>
+            <a:schemeClr val="phClr">
+              <a:shade val="95000"/>
+              <a:satMod val="105000"/>
+            </a:schemeClr>
+          </a:solidFill>
+          <a:prstDash val="solid"/>
+        </a:ln>
+        <a:ln w="25400" cap="flat" cmpd="sng" algn="ctr">
+          <a:solidFill>
+            <a:schemeClr val="phClr"/>
+          </a:solidFill>
+          <a:prstDash val="solid"/>
+        </a:ln>
+        <a:ln w="38100" cap="flat" cmpd="sng" algn="ctr">
+          <a:solidFill>
+            <a:schemeClr val="phClr"/>
+          </a:solidFill>
+          <a:prstDash val="solid"/>
+        </a:ln>
+      </a:lnStyleLst>
+      <a:effectStyleLst>
+        <a:effectStyle>
+          <a:effectLst>
+            <a:outerShdw blurRad="40000" dist="20000" dir="5400000" rotWithShape="0">
+              <a:srgbClr val="000000">
+                <a:alpha val="38000"/>
+              </a:srgbClr>
+            </a:outerShdw>
+          </a:effectLst>
+        </a:effectStyle>
+        <a:effectStyle>
+          <a:effectLst>
+            <a:outerShdw blurRad="40000" dist="23000" dir="5400000" rotWithShape="0">
+              <a:srgbClr val="000000">
+                <a:alpha val="35000"/>
+              </a:srgbClr>
+            </a:outerShdw>
+          </a:effectLst>
+        </a:effectStyle>
+        <a:effectStyle>
+          <a:effectLst>
+            <a:outerShdw blurRad="40000" dist="23000" dir="5400000" rotWithShape="0">
+              <a:srgbClr val="000000">
+                <a:alpha val="35000"/>
+              </a:srgbClr>
+            </a:outerShdw>
+          </a:effectLst>
+          <a:scene3d>
+            <a:camera prst="orthographicFront">
+              <a:rot lat="0" lon="0" rev="0"/>
+            </a:camera>
+            <a:lightRig rig="threePt" dir="t">
+              <a:rot lat="0" lon="0" rev="1200000"/>
+            </a:lightRig>
+          </a:scene3d>
+          <a:sp3d>
+            <a:bevelT w="63500" h="25400"/>
+          </a:sp3d>
+        </a:effectStyle>
+      </a:effectStyleLst>
+      <a:bgFillStyleLst>
+        <a:solidFill>
+          <a:schemeClr val="phClr"/>
+        </a:solidFill>
+        <a:gradFill rotWithShape="1">
+          <a:gsLst>
+            <a:gs pos="0">
+              <a:schemeClr val="phClr">
+                <a:tint val="40000"/>
+                <a:satMod val="350000"/>
+              </a:schemeClr>
+            </a:gs>
+            <a:gs pos="40000">
+              <a:schemeClr val="phClr">
+                <a:tint val="45000"/>
+                <a:shade val="99000"/>
+                <a:satMod val="350000"/>
+              </a:schemeClr>
+            </a:gs>
+            <a:gs pos="100000">
+              <a:schemeClr val="phClr">
+                <a:shade val="20000"/>
+                <a:satMod val="255000"/>
+              </a:schemeClr>
+            </a:gs>
+          </a:gsLst>
+          <a:path path="circle">
+            <a:fillToRect l="50000" t="-80000" r="50000" b="180000"/>
+          </a:path>
+        </a:gradFill>
+        <a:gradFill rotWithShape="1">
+          <a:gsLst>
+            <a:gs pos="0">
+              <a:schemeClr val="phClr">
+                <a:tint val="80000"/>
+                <a:satMod val="300000"/>
+              </a:schemeClr>
+            </a:gs>
+            <a:gs pos="100000">
+              <a:schemeClr val="phClr">
+                <a:shade val="30000"/>
+                <a:satMod val="200000"/>
+              </a:schemeClr>
+            </a:gs>
+          </a:gsLst>
+          <a:path path="circle">
+            <a:fillToRect l="50000" t="50000" r="50000" b="50000"/>
+          </a:path>
+        </a:gradFill>
+      </a:bgFillStyleLst>
+    </a:fmtScheme>
+  </a:themeElements>
+  <a:objectDefaults/>
+  <a:extraClrSchemeLst/>
+</a:theme>
 </file>
--- a/spring12/slidesS12/rep-partial-orders.pptx
+++ b/spring12/slidesS12/rep-partial-orders.pptx
@@ -6,10 +6,10 @@
     <p:sldMasterId id="2147483676" r:id="rId2"/>
   </p:sldMasterIdLst>
   <p:notesMasterIdLst>
-    <p:notesMasterId r:id="rId17"/>
+    <p:notesMasterId r:id="rId18"/>
   </p:notesMasterIdLst>
   <p:handoutMasterIdLst>
-    <p:handoutMasterId r:id="rId18"/>
+    <p:handoutMasterId r:id="rId19"/>
   </p:handoutMasterIdLst>
   <p:sldIdLst>
     <p:sldId id="276" r:id="rId3"/>
@@ -19,18 +19,19 @@
     <p:sldId id="418" r:id="rId7"/>
     <p:sldId id="419" r:id="rId8"/>
     <p:sldId id="432" r:id="rId9"/>
-    <p:sldId id="421" r:id="rId10"/>
+    <p:sldId id="463" r:id="rId10"/>
     <p:sldId id="461" r:id="rId11"/>
     <p:sldId id="460" r:id="rId12"/>
     <p:sldId id="462" r:id="rId13"/>
     <p:sldId id="420" r:id="rId14"/>
-    <p:sldId id="424" r:id="rId15"/>
-    <p:sldId id="422" r:id="rId16"/>
+    <p:sldId id="422" r:id="rId15"/>
+    <p:sldId id="468" r:id="rId16"/>
+    <p:sldId id="424" r:id="rId17"/>
   </p:sldIdLst>
   <p:sldSz cx="9144000" cy="6858000" type="screen4x3"/>
   <p:notesSz cx="9601200" cy="7315200"/>
   <p:custDataLst>
-    <p:tags r:id="rId20"/>
+    <p:tags r:id="rId21"/>
   </p:custDataLst>
   <p:defaultTextStyle>
     <a:defPPr>
@@ -213,7 +214,7 @@
             <a:fld id="{D875CB5D-1501-4E8C-8449-8F562B53033D}" type="datetimeFigureOut">
               <a:rPr lang="en-US" smtClean="0"/>
               <a:pPr/>
-              <a:t>3/17/12</a:t>
+              <a:t>3/18/12</a:t>
             </a:fld>
             <a:endParaRPr lang="en-US"/>
           </a:p>
@@ -380,7 +381,7 @@
             <a:fld id="{2E64E5CB-D4EF-403A-9BB6-139C52688DF7}" type="datetimeFigureOut">
               <a:rPr lang="en-US" smtClean="0"/>
               <a:pPr/>
-              <a:t>3/17/12</a:t>
+              <a:t>3/18/12</a:t>
             </a:fld>
             <a:endParaRPr lang="en-US"/>
           </a:p>
@@ -1012,6 +1013,176 @@
       </p:grpSpPr>
       <p:sp>
         <p:nvSpPr>
+          <p:cNvPr id="2" name="Slide Image Placeholder 1"/>
+          <p:cNvSpPr>
+            <a:spLocks noGrp="1" noRot="1" noChangeAspect="1"/>
+          </p:cNvSpPr>
+          <p:nvPr>
+            <p:ph type="sldImg"/>
+          </p:nvPr>
+        </p:nvSpPr>
+        <p:spPr/>
+      </p:sp>
+      <p:sp>
+        <p:nvSpPr>
+          <p:cNvPr id="3" name="Notes Placeholder 2"/>
+          <p:cNvSpPr>
+            <a:spLocks noGrp="1"/>
+          </p:cNvSpPr>
+          <p:nvPr>
+            <p:ph type="body" idx="1"/>
+          </p:nvPr>
+        </p:nvSpPr>
+        <p:spPr/>
+        <p:txBody>
+          <a:bodyPr/>
+          <a:lstStyle/>
+          <a:p>
+            <a:endParaRPr lang="en-US"/>
+          </a:p>
+        </p:txBody>
+      </p:sp>
+      <p:sp>
+        <p:nvSpPr>
+          <p:cNvPr id="4" name="Slide Number Placeholder 3"/>
+          <p:cNvSpPr>
+            <a:spLocks noGrp="1"/>
+          </p:cNvSpPr>
+          <p:nvPr>
+            <p:ph type="sldNum" sz="quarter" idx="10"/>
+          </p:nvPr>
+        </p:nvSpPr>
+        <p:spPr/>
+        <p:txBody>
+          <a:bodyPr/>
+          <a:lstStyle/>
+          <a:p>
+            <a:fld id="{4E59DC59-ED3D-4108-AF3A-3AFD1215876E}" type="slidenum">
+              <a:rPr lang="en-US" smtClean="0"/>
+              <a:pPr/>
+              <a:t>13</a:t>
+            </a:fld>
+            <a:endParaRPr lang="en-US"/>
+          </a:p>
+        </p:txBody>
+      </p:sp>
+    </p:spTree>
+    <p:extLst>
+      <p:ext uri="{BB962C8B-B14F-4D97-AF65-F5344CB8AC3E}">
+        <p14:creationId xmlns:p14="http://schemas.microsoft.com/office/powerpoint/2010/main" val="921214387"/>
+      </p:ext>
+    </p:extLst>
+  </p:cSld>
+  <p:clrMapOvr>
+    <a:masterClrMapping/>
+  </p:clrMapOvr>
+</p:notes>
+</file>
+
+<file path=ppt/notesSlides/notesSlide14.xml><?xml version="1.0" encoding="utf-8"?>
+<p:notes xmlns:a="http://schemas.openxmlformats.org/drawingml/2006/main" xmlns:r="http://schemas.openxmlformats.org/officeDocument/2006/relationships" xmlns:p="http://schemas.openxmlformats.org/presentationml/2006/main">
+  <p:cSld>
+    <p:spTree>
+      <p:nvGrpSpPr>
+        <p:cNvPr id="1" name=""/>
+        <p:cNvGrpSpPr/>
+        <p:nvPr/>
+      </p:nvGrpSpPr>
+      <p:grpSpPr>
+        <a:xfrm>
+          <a:off x="0" y="0"/>
+          <a:ext cx="0" cy="0"/>
+          <a:chOff x="0" y="0"/>
+          <a:chExt cx="0" cy="0"/>
+        </a:xfrm>
+      </p:grpSpPr>
+      <p:sp>
+        <p:nvSpPr>
+          <p:cNvPr id="2" name="Slide Image Placeholder 1"/>
+          <p:cNvSpPr>
+            <a:spLocks noGrp="1" noRot="1" noChangeAspect="1"/>
+          </p:cNvSpPr>
+          <p:nvPr>
+            <p:ph type="sldImg"/>
+          </p:nvPr>
+        </p:nvSpPr>
+        <p:spPr/>
+      </p:sp>
+      <p:sp>
+        <p:nvSpPr>
+          <p:cNvPr id="3" name="Notes Placeholder 2"/>
+          <p:cNvSpPr>
+            <a:spLocks noGrp="1"/>
+          </p:cNvSpPr>
+          <p:nvPr>
+            <p:ph type="body" idx="1"/>
+          </p:nvPr>
+        </p:nvSpPr>
+        <p:spPr/>
+        <p:txBody>
+          <a:bodyPr/>
+          <a:lstStyle/>
+          <a:p>
+            <a:endParaRPr lang="en-US"/>
+          </a:p>
+        </p:txBody>
+      </p:sp>
+      <p:sp>
+        <p:nvSpPr>
+          <p:cNvPr id="4" name="Slide Number Placeholder 3"/>
+          <p:cNvSpPr>
+            <a:spLocks noGrp="1"/>
+          </p:cNvSpPr>
+          <p:nvPr>
+            <p:ph type="sldNum" sz="quarter" idx="10"/>
+          </p:nvPr>
+        </p:nvSpPr>
+        <p:spPr/>
+        <p:txBody>
+          <a:bodyPr/>
+          <a:lstStyle/>
+          <a:p>
+            <a:fld id="{4E59DC59-ED3D-4108-AF3A-3AFD1215876E}" type="slidenum">
+              <a:rPr lang="en-US" smtClean="0"/>
+              <a:pPr/>
+              <a:t>14</a:t>
+            </a:fld>
+            <a:endParaRPr lang="en-US"/>
+          </a:p>
+        </p:txBody>
+      </p:sp>
+    </p:spTree>
+    <p:extLst>
+      <p:ext uri="{BB962C8B-B14F-4D97-AF65-F5344CB8AC3E}">
+        <p14:creationId xmlns:p14="http://schemas.microsoft.com/office/powerpoint/2010/main" val="921214387"/>
+      </p:ext>
+    </p:extLst>
+  </p:cSld>
+  <p:clrMapOvr>
+    <a:masterClrMapping/>
+  </p:clrMapOvr>
+</p:notes>
+</file>
+
+<file path=ppt/notesSlides/notesSlide15.xml><?xml version="1.0" encoding="utf-8"?>
+<p:notes xmlns:a="http://schemas.openxmlformats.org/drawingml/2006/main" xmlns:r="http://schemas.openxmlformats.org/officeDocument/2006/relationships" xmlns:p="http://schemas.openxmlformats.org/presentationml/2006/main">
+  <p:cSld>
+    <p:spTree>
+      <p:nvGrpSpPr>
+        <p:cNvPr id="1" name=""/>
+        <p:cNvGrpSpPr/>
+        <p:nvPr/>
+      </p:nvGrpSpPr>
+      <p:grpSpPr>
+        <a:xfrm>
+          <a:off x="0" y="0"/>
+          <a:ext cx="0" cy="0"/>
+          <a:chOff x="0" y="0"/>
+          <a:chExt cx="0" cy="0"/>
+        </a:xfrm>
+      </p:grpSpPr>
+      <p:sp>
+        <p:nvSpPr>
           <p:cNvPr id="7" name="Rectangle 7"/>
           <p:cNvSpPr>
             <a:spLocks noGrp="1" noChangeArrowheads="1"/>
@@ -1030,7 +1201,7 @@
             <a:fld id="{E52C0FD9-01BA-49C9-862B-3DBB9ED90316}" type="slidenum">
               <a:rPr lang="en-US"/>
               <a:pPr/>
-              <a:t>13</a:t>
+              <a:t>15</a:t>
             </a:fld>
             <a:endParaRPr lang="en-US"/>
           </a:p>
@@ -2085,7 +2256,7 @@
                 </a:solidFill>
                 <a:latin typeface="Comic Sans MS"/>
               </a:rPr>
-              <a:t> 8M.</a:t>
+              <a:t> 7M.</a:t>
             </a:r>
             <a:fld id="{23581F62-E8B7-48F2-9B8D-F880FB41BDA1}" type="slidenum">
               <a:rPr lang="en-US" smtClean="0">
@@ -2201,7 +2372,7 @@
                 </a:solidFill>
                 <a:latin typeface="Comic Sans MS"/>
               </a:rPr>
-              <a:t> 8M.</a:t>
+              <a:t> 7M.</a:t>
             </a:r>
             <a:fld id="{0D9BACEC-3AFE-4D6A-95F7-22928FA1E0D4}" type="slidenum">
               <a:rPr lang="en-US" smtClean="0">
@@ -2294,7 +2465,7 @@
                 </a:solidFill>
                 <a:latin typeface="Comic Sans MS"/>
               </a:rPr>
-              <a:t> 8M.</a:t>
+              <a:t> 7M.</a:t>
             </a:r>
             <a:fld id="{F6BE0579-943A-465D-AC8F-BB4FC82F6263}" type="slidenum">
               <a:rPr lang="en-US" smtClean="0">
@@ -2545,7 +2716,7 @@
                 </a:solidFill>
                 <a:latin typeface="Comic Sans MS"/>
               </a:rPr>
-              <a:t> 8M.</a:t>
+              <a:t> 7M.</a:t>
             </a:r>
             <a:fld id="{9ABFFDF2-8EF6-4F3E-BC91-5F16E330E069}" type="slidenum">
               <a:rPr lang="en-US" smtClean="0">
@@ -3374,7 +3545,7 @@
                 </a:solidFill>
                 <a:latin typeface="Comic Sans MS"/>
               </a:rPr>
-              <a:t> 8M.</a:t>
+              <a:t> 7M.</a:t>
             </a:r>
             <a:fld id="{2AF49EA3-B1C2-4437-84E9-F0A2054D847B}" type="slidenum">
               <a:rPr lang="en-US" smtClean="0">
@@ -3542,7 +3713,7 @@
                 </a:solidFill>
                 <a:latin typeface="Comic Sans MS"/>
               </a:rPr>
-              <a:t> 8M.</a:t>
+              <a:t> 7M.</a:t>
             </a:r>
             <a:fld id="{96F619E6-6DF7-40A3-ABA3-08075F9C9DE7}" type="slidenum">
               <a:rPr lang="en-US" smtClean="0">
@@ -4372,13 +4543,22 @@
               </a:spcAft>
             </a:pPr>
             <a:r>
+              <a:rPr lang="en-US" dirty="0" err="1" smtClean="0">
+                <a:solidFill>
+                  <a:srgbClr val="000000"/>
+                </a:solidFill>
+                <a:latin typeface="Comic Sans MS"/>
+              </a:rPr>
+              <a:t>lec</a:t>
+            </a:r>
+            <a:r>
               <a:rPr lang="en-US" dirty="0" smtClean="0">
                 <a:solidFill>
                   <a:srgbClr val="000000"/>
                 </a:solidFill>
                 <a:latin typeface="Comic Sans MS"/>
               </a:rPr>
-              <a:t>lec 8M.</a:t>
+              <a:t> 7M.</a:t>
             </a:r>
             <a:fld id="{EA14F88D-777A-4299-8570-DC348E624953}" type="slidenum">
               <a:rPr lang="en-US" smtClean="0">
@@ -4475,7 +4655,25 @@
                 </a:solidFill>
                 <a:latin typeface="Comic Sans MS" pitchFamily="66" charset="0"/>
               </a:rPr>
-              <a:t>Meyer     October 24, 2011</a:t>
+              <a:t>Meyer     March</a:t>
+            </a:r>
+            <a:r>
+              <a:rPr lang="en-US" sz="1200" baseline="0" dirty="0" smtClean="0">
+                <a:solidFill>
+                  <a:srgbClr val="000000"/>
+                </a:solidFill>
+                <a:latin typeface="Comic Sans MS" pitchFamily="66" charset="0"/>
+              </a:rPr>
+              <a:t> 19</a:t>
+            </a:r>
+            <a:r>
+              <a:rPr lang="en-US" sz="1200" dirty="0" smtClean="0">
+                <a:solidFill>
+                  <a:srgbClr val="000000"/>
+                </a:solidFill>
+                <a:latin typeface="Comic Sans MS" pitchFamily="66" charset="0"/>
+              </a:rPr>
+              <a:t>, 2012</a:t>
             </a:r>
             <a:endParaRPr lang="en-US" sz="1200" dirty="0">
               <a:solidFill>
@@ -5466,6 +5664,59 @@
                       </p:childTnLst>
                     </p:cTn>
                   </p:par>
+                  <p:par>
+                    <p:cTn id="15" fill="hold">
+                      <p:stCondLst>
+                        <p:cond delay="indefinite"/>
+                      </p:stCondLst>
+                      <p:childTnLst>
+                        <p:par>
+                          <p:cTn id="16" fill="hold">
+                            <p:stCondLst>
+                              <p:cond delay="0"/>
+                            </p:stCondLst>
+                            <p:childTnLst>
+                              <p:par>
+                                <p:cTn id="17" presetID="9" presetClass="entr" presetSubtype="0" fill="hold" grpId="0" nodeType="clickEffect">
+                                  <p:stCondLst>
+                                    <p:cond delay="0"/>
+                                  </p:stCondLst>
+                                  <p:childTnLst>
+                                    <p:set>
+                                      <p:cBhvr>
+                                        <p:cTn id="18" dur="1" fill="hold">
+                                          <p:stCondLst>
+                                            <p:cond delay="0"/>
+                                          </p:stCondLst>
+                                        </p:cTn>
+                                        <p:tgtEl>
+                                          <p:spTgt spid="2"/>
+                                        </p:tgtEl>
+                                        <p:attrNameLst>
+                                          <p:attrName>style.visibility</p:attrName>
+                                        </p:attrNameLst>
+                                      </p:cBhvr>
+                                      <p:to>
+                                        <p:strVal val="visible"/>
+                                      </p:to>
+                                    </p:set>
+                                    <p:animEffect transition="in" filter="dissolve">
+                                      <p:cBhvr>
+                                        <p:cTn id="19" dur="500"/>
+                                        <p:tgtEl>
+                                          <p:spTgt spid="2"/>
+                                        </p:tgtEl>
+                                      </p:cBhvr>
+                                    </p:animEffect>
+                                  </p:childTnLst>
+                                </p:cTn>
+                              </p:par>
+                            </p:childTnLst>
+                          </p:cTn>
+                        </p:par>
+                      </p:childTnLst>
+                    </p:cTn>
+                  </p:par>
                 </p:childTnLst>
               </p:cTn>
               <p:prevCondLst>
@@ -5489,6 +5740,7 @@
     </p:tnLst>
     <p:bldLst>
       <p:bldP spid="564227" grpId="0" build="p"/>
+      <p:bldP spid="2" grpId="0" animBg="1"/>
     </p:bldLst>
   </p:timing>
 </p:sld>
@@ -5542,7 +5794,7 @@
                 </a:solidFill>
                 <a:latin typeface="Comic Sans MS"/>
               </a:rPr>
-              <a:t> 8M.</a:t>
+              <a:t> 7M.</a:t>
             </a:r>
             <a:fld id="{A0329A7B-0CDF-4474-9D5E-25E9C11592CB}" type="slidenum">
               <a:rPr lang="en-US" smtClean="0">
@@ -5614,51 +5866,70 @@
               <a:buNone/>
             </a:pPr>
             <a:r>
-              <a:rPr lang="en-US" sz="4000" dirty="0"/>
+              <a:rPr lang="en-US" sz="5400" dirty="0">
+                <a:solidFill>
+                  <a:srgbClr val="028822"/>
+                </a:solidFill>
+              </a:rPr>
               <a:t>G</a:t>
             </a:r>
             <a:r>
-              <a:rPr lang="en-US" sz="4000" baseline="-25000" dirty="0"/>
+              <a:rPr lang="en-US" sz="5400" baseline="-25000" dirty="0">
+                <a:solidFill>
+                  <a:srgbClr val="028822"/>
+                </a:solidFill>
+              </a:rPr>
               <a:t>1</a:t>
             </a:r>
             <a:r>
-              <a:rPr lang="en-US" sz="4000" dirty="0"/>
+              <a:rPr lang="en-US" sz="5400" dirty="0"/>
               <a:t> </a:t>
             </a:r>
             <a:r>
-              <a:rPr lang="en-US" sz="4000" dirty="0">
+              <a:rPr lang="en-US" sz="5400" dirty="0">
+                <a:solidFill>
+                  <a:srgbClr val="660066"/>
+                </a:solidFill>
+              </a:rPr>
+              <a:t>isomorphic</a:t>
+            </a:r>
+            <a:r>
+              <a:rPr lang="en-US" sz="5400" dirty="0">
                 <a:solidFill>
                   <a:srgbClr val="0033CC"/>
                 </a:solidFill>
               </a:rPr>
-              <a:t>isomorphic </a:t>
-            </a:r>
-            <a:r>
-              <a:rPr lang="en-US" sz="4000" dirty="0"/>
-              <a:t>to G</a:t>
-            </a:r>
-            <a:r>
-              <a:rPr lang="en-US" sz="4000" baseline="-25000" dirty="0"/>
+              <a:t> </a:t>
+            </a:r>
+            <a:r>
+              <a:rPr lang="en-US" sz="5400" dirty="0"/>
+              <a:t>to </a:t>
+            </a:r>
+            <a:r>
+              <a:rPr lang="en-US" sz="5400" dirty="0">
+                <a:solidFill>
+                  <a:srgbClr val="0000FF"/>
+                </a:solidFill>
+              </a:rPr>
+              <a:t>G</a:t>
+            </a:r>
+            <a:r>
+              <a:rPr lang="en-US" sz="5400" baseline="-25000" dirty="0">
+                <a:solidFill>
+                  <a:srgbClr val="0000FF"/>
+                </a:solidFill>
+              </a:rPr>
               <a:t>2</a:t>
             </a:r>
             <a:r>
-              <a:rPr lang="en-US" sz="4000" i="1" baseline="-25000" dirty="0"/>
+              <a:rPr lang="en-US" sz="5400" i="1" baseline="-25000" dirty="0"/>
               <a:t>  </a:t>
             </a:r>
             <a:r>
-              <a:rPr lang="en-US" sz="4000" dirty="0"/>
-              <a:t>means</a:t>
-            </a:r>
-          </a:p>
-          <a:p>
-            <a:pPr>
-              <a:buFontTx/>
-              <a:buNone/>
-            </a:pPr>
-            <a:r>
-              <a:rPr lang="en-US" sz="4000" dirty="0" smtClean="0"/>
-              <a:t>edge-preserving vertex matching:</a:t>
-            </a:r>
+              <a:rPr lang="en-US" sz="5400" dirty="0" err="1" smtClean="0"/>
+              <a:t>iff</a:t>
+            </a:r>
+            <a:endParaRPr lang="en-US" sz="5400" dirty="0"/>
           </a:p>
           <a:p>
             <a:pPr>
@@ -5770,15 +6041,7 @@
                   <a:srgbClr val="008000"/>
                 </a:solidFill>
               </a:rPr>
-              <a:t>→</a:t>
-            </a:r>
-            <a:r>
-              <a:rPr lang="en-US" sz="4800" dirty="0" err="1" smtClean="0">
-                <a:solidFill>
-                  <a:srgbClr val="008000"/>
-                </a:solidFill>
-              </a:rPr>
-              <a:t>v</a:t>
+              <a:t>→v</a:t>
             </a:r>
             <a:r>
               <a:rPr lang="en-US" sz="4800" dirty="0" smtClean="0"/>
@@ -5842,15 +6105,7 @@
                   <a:srgbClr val="0033CC"/>
                 </a:solidFill>
               </a:rPr>
-              <a:t>f(u</a:t>
-            </a:r>
-            <a:r>
-              <a:rPr lang="en-US" sz="4800" dirty="0" smtClean="0">
-                <a:solidFill>
-                  <a:srgbClr val="0033CC"/>
-                </a:solidFill>
-              </a:rPr>
-              <a:t>)</a:t>
+              <a:t>f(u)</a:t>
             </a:r>
             <a:r>
               <a:rPr lang="en-US" sz="4800" dirty="0" smtClean="0">
@@ -5868,15 +6123,7 @@
                   <a:srgbClr val="0033CC"/>
                 </a:solidFill>
               </a:rPr>
-              <a:t>f</a:t>
-            </a:r>
-            <a:r>
-              <a:rPr lang="en-US" sz="4800" dirty="0" smtClean="0">
-                <a:solidFill>
-                  <a:srgbClr val="0033CC"/>
-                </a:solidFill>
-              </a:rPr>
-              <a:t>(v</a:t>
+              <a:t>f(v</a:t>
             </a:r>
             <a:r>
               <a:rPr lang="en-US" sz="4800" dirty="0">
@@ -5931,7 +6178,7 @@
         </p:nvSpPr>
         <p:spPr bwMode="auto">
           <a:xfrm>
-            <a:off x="197241" y="2742152"/>
+            <a:off x="197241" y="2209800"/>
             <a:ext cx="8731605" cy="2452744"/>
           </a:xfrm>
           <a:prstGeom prst="rect">
@@ -5942,6 +6189,7 @@
             <a:solidFill>
               <a:srgbClr val="FF00FF"/>
             </a:solidFill>
+            <a:prstDash val="sysDash"/>
             <a:miter lim="800000"/>
             <a:headEnd/>
             <a:tailEnd type="none" w="lg" len="lg"/>
@@ -6005,7 +6253,7 @@
                             </p:stCondLst>
                             <p:childTnLst>
                               <p:par>
-                                <p:cTn id="5" presetID="1" presetClass="entr" presetSubtype="0" fill="hold" nodeType="clickEffect">
+                                <p:cTn id="5" presetID="9" presetClass="entr" presetSubtype="0" fill="hold" nodeType="clickEffect">
                                   <p:stCondLst>
                                     <p:cond delay="0"/>
                                   </p:stCondLst>
@@ -6013,6 +6261,67 @@
                                     <p:set>
                                       <p:cBhvr>
                                         <p:cTn id="6" dur="1" fill="hold">
+                                          <p:stCondLst>
+                                            <p:cond delay="0"/>
+                                          </p:stCondLst>
+                                        </p:cTn>
+                                        <p:tgtEl>
+                                          <p:spTgt spid="669699">
+                                            <p:txEl>
+                                              <p:pRg st="1" end="1"/>
+                                            </p:txEl>
+                                          </p:spTgt>
+                                        </p:tgtEl>
+                                        <p:attrNameLst>
+                                          <p:attrName>style.visibility</p:attrName>
+                                        </p:attrNameLst>
+                                      </p:cBhvr>
+                                      <p:to>
+                                        <p:strVal val="visible"/>
+                                      </p:to>
+                                    </p:set>
+                                    <p:animEffect transition="in" filter="dissolve">
+                                      <p:cBhvr>
+                                        <p:cTn id="7" dur="500"/>
+                                        <p:tgtEl>
+                                          <p:spTgt spid="669699">
+                                            <p:txEl>
+                                              <p:pRg st="1" end="1"/>
+                                            </p:txEl>
+                                          </p:spTgt>
+                                        </p:tgtEl>
+                                      </p:cBhvr>
+                                    </p:animEffect>
+                                  </p:childTnLst>
+                                </p:cTn>
+                              </p:par>
+                            </p:childTnLst>
+                          </p:cTn>
+                        </p:par>
+                      </p:childTnLst>
+                    </p:cTn>
+                  </p:par>
+                  <p:par>
+                    <p:cTn id="8" fill="hold">
+                      <p:stCondLst>
+                        <p:cond delay="indefinite"/>
+                      </p:stCondLst>
+                      <p:childTnLst>
+                        <p:par>
+                          <p:cTn id="9" fill="hold">
+                            <p:stCondLst>
+                              <p:cond delay="0"/>
+                            </p:stCondLst>
+                            <p:childTnLst>
+                              <p:par>
+                                <p:cTn id="10" presetID="22" presetClass="entr" presetSubtype="8" fill="hold" nodeType="clickEffect">
+                                  <p:stCondLst>
+                                    <p:cond delay="0"/>
+                                  </p:stCondLst>
+                                  <p:childTnLst>
+                                    <p:set>
+                                      <p:cBhvr>
+                                        <p:cTn id="11" dur="1" fill="hold">
                                           <p:stCondLst>
                                             <p:cond delay="0"/>
                                           </p:stCondLst>
@@ -6032,6 +6341,18 @@
                                         <p:strVal val="visible"/>
                                       </p:to>
                                     </p:set>
+                                    <p:animEffect transition="in" filter="wipe(left)">
+                                      <p:cBhvr>
+                                        <p:cTn id="12" dur="1000"/>
+                                        <p:tgtEl>
+                                          <p:spTgt spid="669699">
+                                            <p:txEl>
+                                              <p:pRg st="2" end="2"/>
+                                            </p:txEl>
+                                          </p:spTgt>
+                                        </p:tgtEl>
+                                      </p:cBhvr>
+                                    </p:animEffect>
                                   </p:childTnLst>
                                 </p:cTn>
                               </p:par>
@@ -6042,75 +6363,26 @@
                     </p:cTn>
                   </p:par>
                   <p:par>
-                    <p:cTn id="7" fill="hold">
+                    <p:cTn id="13" fill="hold">
                       <p:stCondLst>
                         <p:cond delay="indefinite"/>
                       </p:stCondLst>
                       <p:childTnLst>
                         <p:par>
-                          <p:cTn id="8" fill="hold">
+                          <p:cTn id="14" fill="hold">
                             <p:stCondLst>
                               <p:cond delay="0"/>
                             </p:stCondLst>
                             <p:childTnLst>
                               <p:par>
-                                <p:cTn id="9" presetID="1" presetClass="entr" presetSubtype="0" fill="hold" nodeType="clickEffect">
+                                <p:cTn id="15" presetID="2" presetClass="entr" presetSubtype="6" fill="hold" grpId="0" nodeType="clickEffect">
                                   <p:stCondLst>
                                     <p:cond delay="0"/>
                                   </p:stCondLst>
                                   <p:childTnLst>
                                     <p:set>
                                       <p:cBhvr>
-                                        <p:cTn id="10" dur="1" fill="hold">
-                                          <p:stCondLst>
-                                            <p:cond delay="0"/>
-                                          </p:stCondLst>
-                                        </p:cTn>
-                                        <p:tgtEl>
-                                          <p:spTgt spid="669699">
-                                            <p:txEl>
-                                              <p:pRg st="3" end="3"/>
-                                            </p:txEl>
-                                          </p:spTgt>
-                                        </p:tgtEl>
-                                        <p:attrNameLst>
-                                          <p:attrName>style.visibility</p:attrName>
-                                        </p:attrNameLst>
-                                      </p:cBhvr>
-                                      <p:to>
-                                        <p:strVal val="visible"/>
-                                      </p:to>
-                                    </p:set>
-                                  </p:childTnLst>
-                                </p:cTn>
-                              </p:par>
-                            </p:childTnLst>
-                          </p:cTn>
-                        </p:par>
-                      </p:childTnLst>
-                    </p:cTn>
-                  </p:par>
-                  <p:par>
-                    <p:cTn id="11" fill="hold">
-                      <p:stCondLst>
-                        <p:cond delay="indefinite"/>
-                      </p:stCondLst>
-                      <p:childTnLst>
-                        <p:par>
-                          <p:cTn id="12" fill="hold">
-                            <p:stCondLst>
-                              <p:cond delay="0"/>
-                            </p:stCondLst>
-                            <p:childTnLst>
-                              <p:par>
-                                <p:cTn id="13" presetID="2" presetClass="entr" presetSubtype="6" fill="hold" grpId="0" nodeType="clickEffect">
-                                  <p:stCondLst>
-                                    <p:cond delay="0"/>
-                                  </p:stCondLst>
-                                  <p:childTnLst>
-                                    <p:set>
-                                      <p:cBhvr>
-                                        <p:cTn id="14" dur="1" fill="hold">
+                                        <p:cTn id="16" dur="1" fill="hold">
                                           <p:stCondLst>
                                             <p:cond delay="0"/>
                                           </p:stCondLst>
@@ -6128,7 +6400,7 @@
                                     </p:set>
                                     <p:anim calcmode="lin" valueType="num">
                                       <p:cBhvr additive="base">
-                                        <p:cTn id="15" dur="500" fill="hold"/>
+                                        <p:cTn id="17" dur="500" fill="hold"/>
                                         <p:tgtEl>
                                           <p:spTgt spid="669700"/>
                                         </p:tgtEl>
@@ -6151,7 +6423,7 @@
                                     </p:anim>
                                     <p:anim calcmode="lin" valueType="num">
                                       <p:cBhvr additive="base">
-                                        <p:cTn id="16" dur="500" fill="hold"/>
+                                        <p:cTn id="18" dur="500" fill="hold"/>
                                         <p:tgtEl>
                                           <p:spTgt spid="669700"/>
                                         </p:tgtEl>
@@ -6300,12 +6572,20 @@
           <a:lstStyle/>
           <a:p>
             <a:r>
+              <a:rPr lang="en-US" sz="4400" dirty="0" smtClean="0">
+                <a:solidFill>
+                  <a:srgbClr val="8F008F"/>
+                </a:solidFill>
+              </a:rPr>
+              <a:t>Theorem:</a:t>
+            </a:r>
+            <a:r>
               <a:rPr lang="en-US" sz="4800" dirty="0" smtClean="0">
                 <a:solidFill>
                   <a:srgbClr val="8F008F"/>
                 </a:solidFill>
               </a:rPr>
-              <a:t>Theorem: </a:t>
+              <a:t> </a:t>
             </a:r>
             <a:r>
               <a:rPr lang="en-US" sz="4800" i="1" dirty="0" smtClean="0"/>
@@ -6351,7 +6631,9 @@
   <p:clrMapOvr>
     <a:masterClrMapping/>
   </p:clrMapOvr>
-  <p:transition xmlns:p14="http://schemas.microsoft.com/office/powerpoint/2010/main"/>
+  <p:transition xmlns:p14="http://schemas.microsoft.com/office/powerpoint/2010/main" spd="slow">
+    <p:fade thruBlk="1"/>
+  </p:transition>
   <p:timing>
     <p:tnLst>
       <p:par>
@@ -6379,88 +6661,561 @@
           <a:chExt cx="0" cy="0"/>
         </a:xfrm>
       </p:grpSpPr>
-      <p:cxnSp>
-        <p:nvCxnSpPr>
-          <p:cNvPr id="611342" name="AutoShape 14"/>
-          <p:cNvCxnSpPr>
-            <a:cxnSpLocks noChangeShapeType="1"/>
-            <a:stCxn id="611341" idx="3"/>
-          </p:cNvCxnSpPr>
-          <p:nvPr/>
-        </p:nvCxnSpPr>
-        <p:spPr bwMode="auto">
-          <a:xfrm>
-            <a:off x="1851025" y="4048125"/>
-            <a:ext cx="1911350" cy="1746250"/>
-          </a:xfrm>
-          <a:prstGeom prst="straightConnector1">
-            <a:avLst/>
-          </a:prstGeom>
-          <a:noFill/>
-          <a:ln w="25400">
-            <a:solidFill>
-              <a:schemeClr val="tx1"/>
-            </a:solidFill>
-            <a:round/>
-            <a:headEnd/>
-            <a:tailEnd type="none" w="lg" len="lg"/>
-          </a:ln>
-          <a:effectLst/>
-        </p:spPr>
-      </p:cxnSp>
       <p:sp>
         <p:nvSpPr>
-          <p:cNvPr id="611330" name="Text Box 2"/>
-          <p:cNvSpPr txBox="1">
-            <a:spLocks noChangeArrowheads="1"/>
+          <p:cNvPr id="3" name="Content Placeholder 2"/>
+          <p:cNvSpPr>
+            <a:spLocks noGrp="1"/>
           </p:cNvSpPr>
-          <p:nvPr/>
+          <p:nvPr>
+            <p:ph idx="1"/>
+          </p:nvPr>
         </p:nvSpPr>
-        <p:spPr bwMode="auto">
+        <p:spPr>
           <a:xfrm>
-            <a:off x="3403600" y="5759450"/>
-            <a:ext cx="1641475" cy="641350"/>
+            <a:off x="228600" y="1524000"/>
+            <a:ext cx="8610600" cy="2743200"/>
           </a:xfrm>
-          <a:prstGeom prst="rect">
-            <a:avLst/>
-          </a:prstGeom>
-          <a:noFill/>
-          <a:ln w="9525">
-            <a:noFill/>
-            <a:miter lim="800000"/>
-            <a:headEnd/>
-            <a:tailEnd type="none" w="lg" len="lg"/>
-          </a:ln>
-          <a:effectLst/>
         </p:spPr>
         <p:txBody>
-          <a:bodyPr wrap="none">
-            <a:spAutoFit/>
+          <a:bodyPr/>
+          <a:lstStyle/>
+          <a:p>
+            <a:r>
+              <a:rPr lang="en-US" sz="4400" dirty="0" smtClean="0">
+                <a:solidFill>
+                  <a:srgbClr val="8F008F"/>
+                </a:solidFill>
+              </a:rPr>
+              <a:t>proof:</a:t>
+            </a:r>
+            <a:r>
+              <a:rPr lang="en-US" sz="5400" dirty="0" smtClean="0"/>
+              <a:t> </a:t>
+            </a:r>
+            <a:r>
+              <a:rPr lang="en-US" sz="4800" dirty="0" smtClean="0"/>
+              <a:t>map </a:t>
+            </a:r>
+            <a:r>
+              <a:rPr lang="en-US" sz="4800" dirty="0" smtClean="0"/>
+              <a:t>element</a:t>
+            </a:r>
+            <a:r>
+              <a:rPr lang="en-US" sz="4800" dirty="0" smtClean="0"/>
+              <a:t>,</a:t>
+            </a:r>
+            <a:r>
+              <a:rPr lang="en-US" sz="4800" dirty="0" smtClean="0">
+                <a:solidFill>
+                  <a:srgbClr val="0000FF"/>
+                </a:solidFill>
+              </a:rPr>
+              <a:t> a</a:t>
+            </a:r>
+            <a:r>
+              <a:rPr lang="en-US" sz="4800" dirty="0" smtClean="0"/>
+              <a:t>, </a:t>
+            </a:r>
+            <a:r>
+              <a:rPr lang="en-US" sz="4800" dirty="0" smtClean="0"/>
+              <a:t>to </a:t>
+            </a:r>
+          </a:p>
+          <a:p>
+            <a:r>
+              <a:rPr lang="en-US" sz="4800" dirty="0" smtClean="0"/>
+              <a:t>the </a:t>
+            </a:r>
+            <a:r>
+              <a:rPr lang="en-US" sz="4800" dirty="0" smtClean="0"/>
+              <a:t>set of elements below </a:t>
+            </a:r>
+            <a:r>
+              <a:rPr lang="en-US" sz="4800" dirty="0" smtClean="0"/>
+              <a:t>it.</a:t>
+            </a:r>
+          </a:p>
+          <a:p>
+            <a:r>
+              <a:rPr lang="en-US" sz="4800" dirty="0" smtClean="0">
+                <a:solidFill>
+                  <a:srgbClr val="0000FF"/>
+                </a:solidFill>
+              </a:rPr>
+              <a:t>a</a:t>
+            </a:r>
+            <a:r>
+              <a:rPr lang="en-US" sz="4800" dirty="0" smtClean="0"/>
+              <a:t> maps to</a:t>
+            </a:r>
+            <a:endParaRPr lang="en-US" sz="4800" dirty="0" smtClean="0"/>
+          </a:p>
+          <a:p>
+            <a:endParaRPr lang="en-US" dirty="0" smtClean="0"/>
+          </a:p>
+        </p:txBody>
+      </p:sp>
+      <p:sp>
+        <p:nvSpPr>
+          <p:cNvPr id="7" name="Title 1"/>
+          <p:cNvSpPr>
+            <a:spLocks noGrp="1"/>
+          </p:cNvSpPr>
+          <p:nvPr>
+            <p:ph type="title"/>
+          </p:nvPr>
+        </p:nvSpPr>
+        <p:spPr>
+          <a:xfrm>
+            <a:off x="1371600" y="304800"/>
+            <a:ext cx="7391400" cy="1143000"/>
+          </a:xfrm>
+        </p:spPr>
+        <p:txBody>
+          <a:bodyPr>
+            <a:noAutofit/>
           </a:bodyPr>
           <a:lstStyle/>
           <a:p>
-            <a:pPr algn="l">
-              <a:spcBef>
-                <a:spcPct val="0"/>
-              </a:spcBef>
-            </a:pPr>
-            <a:r>
-              <a:rPr lang="en-US" sz="3600"/>
-              <a:t>1 </a:t>
-            </a:r>
-            <a:r>
-              <a:rPr lang="en-US" sz="3600">
-                <a:sym typeface="Wingdings" pitchFamily="2" charset="2"/>
+            <a:r>
+              <a:rPr lang="en-US" sz="4400" dirty="0" err="1" smtClean="0"/>
+              <a:t>p.o.</a:t>
+            </a:r>
+            <a:r>
+              <a:rPr lang="en-US" sz="4400" dirty="0"/>
+              <a:t> </a:t>
+            </a:r>
+            <a:r>
+              <a:rPr lang="en-US" sz="4400" dirty="0" smtClean="0"/>
+              <a:t>isomorphic to </a:t>
+            </a:r>
+            <a:r>
+              <a:rPr lang="en-US" sz="4400" dirty="0" smtClean="0">
+                <a:solidFill>
+                  <a:srgbClr val="0033CC"/>
+                </a:solidFill>
+                <a:latin typeface="Euclid Symbol" charset="2"/>
+                <a:cs typeface="Euclid Symbol" charset="2"/>
+                <a:sym typeface="Euclid Symbol"/>
               </a:rPr>
-              <a:t></a:t>
-            </a:r>
-            <a:r>
-              <a:rPr lang="en-US" sz="3600"/>
-              <a:t>{1}</a:t>
-            </a:r>
+              <a:t>⊂</a:t>
+            </a:r>
+            <a:endParaRPr lang="en-US" sz="4400" dirty="0">
+              <a:solidFill>
+                <a:srgbClr val="0033CC"/>
+              </a:solidFill>
+              <a:latin typeface="Euclid Symbol" charset="2"/>
+              <a:cs typeface="Euclid Symbol" charset="2"/>
+            </a:endParaRPr>
           </a:p>
         </p:txBody>
       </p:sp>
+      <p:graphicFrame>
+        <p:nvGraphicFramePr>
+          <p:cNvPr id="6" name="Object 5"/>
+          <p:cNvGraphicFramePr>
+            <a:graphicFrameLocks noChangeAspect="1"/>
+          </p:cNvGraphicFramePr>
+          <p:nvPr>
+            <p:extLst>
+              <p:ext uri="{D42A27DB-BD31-4B8C-83A1-F6EECF244321}">
+                <p14:modId xmlns:p14="http://schemas.microsoft.com/office/powerpoint/2010/main" val="2908698064"/>
+              </p:ext>
+            </p:extLst>
+          </p:nvPr>
+        </p:nvGraphicFramePr>
+        <p:xfrm>
+          <a:off x="3048000" y="3276600"/>
+          <a:ext cx="5943600" cy="1188421"/>
+        </p:xfrm>
+        <a:graphic>
+          <a:graphicData uri="http://schemas.openxmlformats.org/presentationml/2006/ole">
+            <mc:AlternateContent xmlns:mc="http://schemas.openxmlformats.org/markup-compatibility/2006">
+              <mc:Choice xmlns:v="urn:schemas-microsoft-com:vml" Requires="v">
+                <p:oleObj spid="_x0000_s120900" name="Equation" r:id="rId4" imgW="1651000" imgH="330200" progId="Equation.DSMT4">
+                  <p:embed/>
+                </p:oleObj>
+              </mc:Choice>
+              <mc:Fallback>
+                <p:oleObj name="Equation" r:id="rId4" imgW="1651000" imgH="330200" progId="Equation.DSMT4">
+                  <p:embed/>
+                  <p:pic>
+                    <p:nvPicPr>
+                      <p:cNvPr id="0" name=""/>
+                      <p:cNvPicPr/>
+                      <p:nvPr/>
+                    </p:nvPicPr>
+                    <p:blipFill>
+                      <a:blip r:embed="rId5"/>
+                      <a:stretch>
+                        <a:fillRect/>
+                      </a:stretch>
+                    </p:blipFill>
+                    <p:spPr>
+                      <a:xfrm>
+                        <a:off x="3048000" y="3276600"/>
+                        <a:ext cx="5943600" cy="1188421"/>
+                      </a:xfrm>
+                      <a:prstGeom prst="rect">
+                        <a:avLst/>
+                      </a:prstGeom>
+                    </p:spPr>
+                  </p:pic>
+                </p:oleObj>
+              </mc:Fallback>
+            </mc:AlternateContent>
+          </a:graphicData>
+        </a:graphic>
+      </p:graphicFrame>
+    </p:spTree>
+  </p:cSld>
+  <p:clrMapOvr>
+    <a:masterClrMapping/>
+  </p:clrMapOvr>
+  <mc:AlternateContent xmlns:mc="http://schemas.openxmlformats.org/markup-compatibility/2006">
+    <mc:Choice xmlns:p14="http://schemas.microsoft.com/office/powerpoint/2010/main" Requires="p14">
+      <p:transition spd="slow" p14:dur="1200">
+        <p:fade/>
+      </p:transition>
+    </mc:Choice>
+    <mc:Fallback>
+      <p:transition xmlns:p14="http://schemas.microsoft.com/office/powerpoint/2010/main" spd="slow">
+        <p:fade/>
+      </p:transition>
+    </mc:Fallback>
+  </mc:AlternateContent>
+  <p:timing>
+    <p:tnLst>
+      <p:par>
+        <p:cTn xmlns:p14="http://schemas.microsoft.com/office/powerpoint/2010/main" id="1" dur="indefinite" restart="never" nodeType="tmRoot"/>
+      </p:par>
+    </p:tnLst>
+  </p:timing>
+</p:sld>
+</file>
+
+<file path=ppt/slides/slide14.xml><?xml version="1.0" encoding="utf-8"?>
+<p:sld xmlns:a="http://schemas.openxmlformats.org/drawingml/2006/main" xmlns:r="http://schemas.openxmlformats.org/officeDocument/2006/relationships" xmlns:p="http://schemas.openxmlformats.org/presentationml/2006/main">
+  <p:cSld>
+    <p:spTree>
+      <p:nvGrpSpPr>
+        <p:cNvPr id="1" name=""/>
+        <p:cNvGrpSpPr/>
+        <p:nvPr/>
+      </p:nvGrpSpPr>
+      <p:grpSpPr>
+        <a:xfrm>
+          <a:off x="0" y="0"/>
+          <a:ext cx="0" cy="0"/>
+          <a:chOff x="0" y="0"/>
+          <a:chExt cx="0" cy="0"/>
+        </a:xfrm>
+      </p:grpSpPr>
+      <p:sp>
+        <p:nvSpPr>
+          <p:cNvPr id="3" name="Content Placeholder 2"/>
+          <p:cNvSpPr>
+            <a:spLocks noGrp="1"/>
+          </p:cNvSpPr>
+          <p:nvPr>
+            <p:ph idx="1"/>
+          </p:nvPr>
+        </p:nvSpPr>
+        <p:spPr>
+          <a:xfrm>
+            <a:off x="228600" y="1524000"/>
+            <a:ext cx="8610600" cy="2743200"/>
+          </a:xfrm>
+        </p:spPr>
+        <p:txBody>
+          <a:bodyPr/>
+          <a:lstStyle/>
+          <a:p>
+            <a:r>
+              <a:rPr lang="en-US" sz="4400" dirty="0" smtClean="0">
+                <a:solidFill>
+                  <a:srgbClr val="8F008F"/>
+                </a:solidFill>
+              </a:rPr>
+              <a:t>proof:</a:t>
+            </a:r>
+            <a:r>
+              <a:rPr lang="en-US" sz="5400" dirty="0" smtClean="0"/>
+              <a:t> </a:t>
+            </a:r>
+            <a:r>
+              <a:rPr lang="en-US" sz="4800" dirty="0" smtClean="0"/>
+              <a:t>map </a:t>
+            </a:r>
+            <a:r>
+              <a:rPr lang="en-US" sz="4800" dirty="0" smtClean="0"/>
+              <a:t>element</a:t>
+            </a:r>
+            <a:r>
+              <a:rPr lang="en-US" sz="4800" dirty="0" smtClean="0"/>
+              <a:t>,</a:t>
+            </a:r>
+            <a:r>
+              <a:rPr lang="en-US" sz="4800" dirty="0" smtClean="0">
+                <a:solidFill>
+                  <a:srgbClr val="0000FF"/>
+                </a:solidFill>
+              </a:rPr>
+              <a:t> a</a:t>
+            </a:r>
+            <a:r>
+              <a:rPr lang="en-US" sz="4800" dirty="0" smtClean="0"/>
+              <a:t>, </a:t>
+            </a:r>
+            <a:r>
+              <a:rPr lang="en-US" sz="4800" dirty="0" smtClean="0"/>
+              <a:t>to </a:t>
+            </a:r>
+          </a:p>
+          <a:p>
+            <a:r>
+              <a:rPr lang="en-US" sz="4800" dirty="0" smtClean="0"/>
+              <a:t>the </a:t>
+            </a:r>
+            <a:r>
+              <a:rPr lang="en-US" sz="4800" dirty="0" smtClean="0"/>
+              <a:t>set of elements below </a:t>
+            </a:r>
+            <a:r>
+              <a:rPr lang="en-US" sz="4800" dirty="0" smtClean="0"/>
+              <a:t>it.</a:t>
+            </a:r>
+          </a:p>
+          <a:p>
+            <a:r>
+              <a:rPr lang="en-US" sz="4800" dirty="0" smtClean="0">
+                <a:solidFill>
+                  <a:srgbClr val="0000FF"/>
+                </a:solidFill>
+              </a:rPr>
+              <a:t>a</a:t>
+            </a:r>
+            <a:r>
+              <a:rPr lang="en-US" sz="4800" dirty="0" smtClean="0"/>
+              <a:t> maps to</a:t>
+            </a:r>
+            <a:endParaRPr lang="en-US" sz="4800" dirty="0" smtClean="0"/>
+          </a:p>
+          <a:p>
+            <a:endParaRPr lang="en-US" dirty="0" smtClean="0"/>
+          </a:p>
+        </p:txBody>
+      </p:sp>
+      <p:sp>
+        <p:nvSpPr>
+          <p:cNvPr id="7" name="Title 1"/>
+          <p:cNvSpPr>
+            <a:spLocks noGrp="1"/>
+          </p:cNvSpPr>
+          <p:nvPr>
+            <p:ph type="title"/>
+          </p:nvPr>
+        </p:nvSpPr>
+        <p:spPr>
+          <a:xfrm>
+            <a:off x="1371600" y="304800"/>
+            <a:ext cx="7391400" cy="1143000"/>
+          </a:xfrm>
+        </p:spPr>
+        <p:txBody>
+          <a:bodyPr>
+            <a:noAutofit/>
+          </a:bodyPr>
+          <a:lstStyle/>
+          <a:p>
+            <a:r>
+              <a:rPr lang="en-US" sz="4400" dirty="0" err="1" smtClean="0"/>
+              <a:t>p.o.</a:t>
+            </a:r>
+            <a:r>
+              <a:rPr lang="en-US" sz="4400" dirty="0"/>
+              <a:t> </a:t>
+            </a:r>
+            <a:r>
+              <a:rPr lang="en-US" sz="4400" dirty="0" smtClean="0"/>
+              <a:t>isomorphic to </a:t>
+            </a:r>
+            <a:r>
+              <a:rPr lang="en-US" sz="4400" dirty="0" smtClean="0">
+                <a:solidFill>
+                  <a:srgbClr val="0033CC"/>
+                </a:solidFill>
+                <a:latin typeface="Euclid Symbol" charset="2"/>
+                <a:cs typeface="Euclid Symbol" charset="2"/>
+                <a:sym typeface="Euclid Symbol"/>
+              </a:rPr>
+              <a:t>⊂</a:t>
+            </a:r>
+            <a:endParaRPr lang="en-US" sz="4400" dirty="0">
+              <a:solidFill>
+                <a:srgbClr val="0033CC"/>
+              </a:solidFill>
+              <a:latin typeface="Euclid Symbol" charset="2"/>
+              <a:cs typeface="Euclid Symbol" charset="2"/>
+            </a:endParaRPr>
+          </a:p>
+        </p:txBody>
+      </p:sp>
+      <p:graphicFrame>
+        <p:nvGraphicFramePr>
+          <p:cNvPr id="6" name="Object 5"/>
+          <p:cNvGraphicFramePr>
+            <a:graphicFrameLocks noChangeAspect="1"/>
+          </p:cNvGraphicFramePr>
+          <p:nvPr>
+            <p:extLst>
+              <p:ext uri="{D42A27DB-BD31-4B8C-83A1-F6EECF244321}">
+                <p14:modId xmlns:p14="http://schemas.microsoft.com/office/powerpoint/2010/main" val="3925196997"/>
+              </p:ext>
+            </p:extLst>
+          </p:nvPr>
+        </p:nvGraphicFramePr>
+        <p:xfrm>
+          <a:off x="3048000" y="3276600"/>
+          <a:ext cx="5943600" cy="1188421"/>
+        </p:xfrm>
+        <a:graphic>
+          <a:graphicData uri="http://schemas.openxmlformats.org/presentationml/2006/ole">
+            <mc:AlternateContent xmlns:mc="http://schemas.openxmlformats.org/markup-compatibility/2006">
+              <mc:Choice xmlns:v="urn:schemas-microsoft-com:vml" Requires="v">
+                <p:oleObj spid="_x0000_s125960" name="Equation" r:id="rId4" imgW="1651000" imgH="330200" progId="Equation.DSMT4">
+                  <p:embed/>
+                </p:oleObj>
+              </mc:Choice>
+              <mc:Fallback>
+                <p:oleObj name="Equation" r:id="rId4" imgW="1651000" imgH="330200" progId="Equation.DSMT4">
+                  <p:embed/>
+                  <p:pic>
+                    <p:nvPicPr>
+                      <p:cNvPr id="0" name=""/>
+                      <p:cNvPicPr/>
+                      <p:nvPr/>
+                    </p:nvPicPr>
+                    <p:blipFill>
+                      <a:blip r:embed="rId5"/>
+                      <a:stretch>
+                        <a:fillRect/>
+                      </a:stretch>
+                    </p:blipFill>
+                    <p:spPr>
+                      <a:xfrm>
+                        <a:off x="3048000" y="3276600"/>
+                        <a:ext cx="5943600" cy="1188421"/>
+                      </a:xfrm>
+                      <a:prstGeom prst="rect">
+                        <a:avLst/>
+                      </a:prstGeom>
+                    </p:spPr>
+                  </p:pic>
+                </p:oleObj>
+              </mc:Fallback>
+            </mc:AlternateContent>
+          </a:graphicData>
+        </a:graphic>
+      </p:graphicFrame>
+      <p:graphicFrame>
+        <p:nvGraphicFramePr>
+          <p:cNvPr id="2" name="Object 1"/>
+          <p:cNvGraphicFramePr>
+            <a:graphicFrameLocks noChangeAspect="1"/>
+          </p:cNvGraphicFramePr>
+          <p:nvPr>
+            <p:extLst>
+              <p:ext uri="{D42A27DB-BD31-4B8C-83A1-F6EECF244321}">
+                <p14:modId xmlns:p14="http://schemas.microsoft.com/office/powerpoint/2010/main" val="1665874375"/>
+              </p:ext>
+            </p:extLst>
+          </p:nvPr>
+        </p:nvGraphicFramePr>
+        <p:xfrm>
+          <a:off x="1447800" y="4495800"/>
+          <a:ext cx="6235700" cy="1460500"/>
+        </p:xfrm>
+        <a:graphic>
+          <a:graphicData uri="http://schemas.openxmlformats.org/presentationml/2006/ole">
+            <mc:AlternateContent xmlns:mc="http://schemas.openxmlformats.org/markup-compatibility/2006">
+              <mc:Choice xmlns:v="urn:schemas-microsoft-com:vml" Requires="v">
+                <p:oleObj spid="_x0000_s125961" name="Equation" r:id="rId6" imgW="1409700" imgH="330200" progId="Equation.DSMT4">
+                  <p:embed/>
+                </p:oleObj>
+              </mc:Choice>
+              <mc:Fallback>
+                <p:oleObj name="Equation" r:id="rId6" imgW="1409700" imgH="330200" progId="Equation.DSMT4">
+                  <p:embed/>
+                  <p:pic>
+                    <p:nvPicPr>
+                      <p:cNvPr id="0" name=""/>
+                      <p:cNvPicPr/>
+                      <p:nvPr/>
+                    </p:nvPicPr>
+                    <p:blipFill>
+                      <a:blip r:embed="rId7"/>
+                      <a:stretch>
+                        <a:fillRect/>
+                      </a:stretch>
+                    </p:blipFill>
+                    <p:spPr>
+                      <a:xfrm>
+                        <a:off x="1447800" y="4495800"/>
+                        <a:ext cx="6235700" cy="1460500"/>
+                      </a:xfrm>
+                      <a:prstGeom prst="rect">
+                        <a:avLst/>
+                      </a:prstGeom>
+                    </p:spPr>
+                  </p:pic>
+                </p:oleObj>
+              </mc:Fallback>
+            </mc:AlternateContent>
+          </a:graphicData>
+        </a:graphic>
+      </p:graphicFrame>
+    </p:spTree>
+    <p:extLst>
+      <p:ext uri="{BB962C8B-B14F-4D97-AF65-F5344CB8AC3E}">
+        <p14:creationId xmlns:p14="http://schemas.microsoft.com/office/powerpoint/2010/main" val="425832986"/>
+      </p:ext>
+    </p:extLst>
+  </p:cSld>
+  <p:clrMapOvr>
+    <a:masterClrMapping/>
+  </p:clrMapOvr>
+  <p:transition xmlns:p14="http://schemas.microsoft.com/office/powerpoint/2010/main" spd="slow">
+    <p:fade thruBlk="1"/>
+  </p:transition>
+  <p:timing>
+    <p:tnLst>
+      <p:par>
+        <p:cTn xmlns:p14="http://schemas.microsoft.com/office/powerpoint/2010/main" id="1" dur="indefinite" restart="never" nodeType="tmRoot"/>
+      </p:par>
+    </p:tnLst>
+  </p:timing>
+</p:sld>
+</file>
+
+<file path=ppt/slides/slide15.xml><?xml version="1.0" encoding="utf-8"?>
+<p:sld xmlns:a="http://schemas.openxmlformats.org/drawingml/2006/main" xmlns:r="http://schemas.openxmlformats.org/officeDocument/2006/relationships" xmlns:p="http://schemas.openxmlformats.org/presentationml/2006/main">
+  <p:cSld>
+    <p:spTree>
+      <p:nvGrpSpPr>
+        <p:cNvPr id="1" name=""/>
+        <p:cNvGrpSpPr/>
+        <p:nvPr/>
+      </p:nvGrpSpPr>
+      <p:grpSpPr>
+        <a:xfrm>
+          <a:off x="0" y="0"/>
+          <a:ext cx="0" cy="0"/>
+          <a:chOff x="0" y="0"/>
+          <a:chExt cx="0" cy="0"/>
+        </a:xfrm>
+      </p:grpSpPr>
       <p:sp>
         <p:nvSpPr>
           <p:cNvPr id="611331" name="Rectangle 3"/>
@@ -6473,7 +7228,7 @@
         </p:nvSpPr>
         <p:spPr>
           <a:xfrm>
-            <a:off x="1219200" y="304800"/>
+            <a:off x="1219200" y="76200"/>
             <a:ext cx="7543800" cy="1143000"/>
           </a:xfrm>
         </p:spPr>
@@ -6509,10 +7264,10 @@
         </p:nvGrpSpPr>
         <p:grpSpPr bwMode="auto">
           <a:xfrm>
-            <a:off x="3860800" y="3630613"/>
-            <a:ext cx="4224338" cy="2160587"/>
+            <a:off x="3860801" y="3630613"/>
+            <a:ext cx="4137026" cy="2160587"/>
             <a:chOff x="2928" y="2191"/>
-            <a:chExt cx="2661" cy="1361"/>
+            <a:chExt cx="2606" cy="1361"/>
           </a:xfrm>
         </p:grpSpPr>
         <p:grpSp>
@@ -6564,7 +7319,10 @@
               <a:bodyPr wrap="none" anchor="ctr"/>
               <a:lstStyle/>
               <a:p>
-                <a:endParaRPr lang="en-US"/>
+                <a:endParaRPr lang="en-US">
+                  <a:latin typeface="Comic Sans MS"/>
+                  <a:cs typeface="Comic Sans MS"/>
+                </a:endParaRPr>
               </a:p>
             </p:txBody>
           </p:sp>
@@ -6608,9 +7366,9 @@
           <p:grpSpPr bwMode="auto">
             <a:xfrm>
               <a:off x="3688" y="2191"/>
-              <a:ext cx="1901" cy="1073"/>
+              <a:ext cx="1846" cy="1073"/>
               <a:chOff x="3688" y="2191"/>
-              <a:chExt cx="1901" cy="1073"/>
+              <a:chExt cx="1846" cy="1073"/>
             </a:xfrm>
           </p:grpSpPr>
           <p:sp>
@@ -6624,7 +7382,7 @@
             <p:spPr bwMode="auto">
               <a:xfrm>
                 <a:off x="4464" y="2191"/>
-                <a:ext cx="1125" cy="365"/>
+                <a:ext cx="1070" cy="368"/>
               </a:xfrm>
               <a:prstGeom prst="rect">
                 <a:avLst/>
@@ -6644,24 +7402,38 @@
               </a:bodyPr>
               <a:lstStyle/>
               <a:p>
-                <a:pPr algn="l">
+                <a:pPr>
                   <a:spcBef>
                     <a:spcPct val="0"/>
                   </a:spcBef>
                 </a:pPr>
                 <a:r>
-                  <a:rPr lang="en-US" sz="3200"/>
-                  <a:t>2 </a:t>
+                  <a:rPr lang="en-US" sz="3200" dirty="0" smtClean="0">
+                    <a:latin typeface="Comic Sans MS"/>
+                    <a:cs typeface="Comic Sans MS"/>
+                  </a:rPr>
+                  <a:t>2</a:t>
                 </a:r>
                 <a:r>
-                  <a:rPr lang="en-US" sz="3200">
-                    <a:sym typeface="Wingdings" pitchFamily="2" charset="2"/>
+                  <a:rPr lang="en-US" sz="3200" b="1" dirty="0">
+                    <a:latin typeface="Comic Sans MS"/>
+                    <a:cs typeface="Comic Sans MS"/>
                   </a:rPr>
-                  <a:t></a:t>
+                  <a:t>→</a:t>
                 </a:r>
                 <a:r>
-                  <a:rPr lang="en-US" sz="3200"/>
-                  <a:t>{1,2}</a:t>
+                  <a:rPr lang="en-US" sz="3200" dirty="0" smtClean="0">
+                    <a:latin typeface="Comic Sans MS"/>
+                    <a:cs typeface="Comic Sans MS"/>
+                  </a:rPr>
+                  <a:t>{</a:t>
+                </a:r>
+                <a:r>
+                  <a:rPr lang="en-US" sz="3200" dirty="0">
+                    <a:latin typeface="Comic Sans MS"/>
+                    <a:cs typeface="Comic Sans MS"/>
+                  </a:rPr>
+                  <a:t>1,2}</a:t>
                 </a:r>
               </a:p>
             </p:txBody>
@@ -6753,158 +7525,100 @@
               <a:bodyPr/>
               <a:lstStyle/>
               <a:p>
-                <a:endParaRPr lang="en-US"/>
+                <a:endParaRPr lang="en-US">
+                  <a:latin typeface="Comic Sans MS"/>
+                  <a:cs typeface="Comic Sans MS"/>
+                </a:endParaRPr>
               </a:p>
             </p:txBody>
           </p:sp>
         </p:grpSp>
       </p:grpSp>
-      <p:sp>
-        <p:nvSpPr>
-          <p:cNvPr id="611339" name="Oval 11"/>
-          <p:cNvSpPr>
-            <a:spLocks noChangeArrowheads="1"/>
-          </p:cNvSpPr>
-          <p:nvPr/>
-        </p:nvSpPr>
-        <p:spPr bwMode="auto">
-          <a:xfrm>
-            <a:off x="3708400" y="5715000"/>
-            <a:ext cx="152400" cy="152400"/>
-          </a:xfrm>
-          <a:prstGeom prst="ellipse">
-            <a:avLst/>
-          </a:prstGeom>
-          <a:solidFill>
-            <a:srgbClr val="008000"/>
-          </a:solidFill>
-          <a:ln w="9525">
-            <a:solidFill>
-              <a:schemeClr val="tx1"/>
-            </a:solidFill>
-            <a:round/>
-            <a:headEnd/>
-            <a:tailEnd type="none" w="lg" len="lg"/>
-          </a:ln>
-          <a:effectLst/>
-        </p:spPr>
-        <p:txBody>
-          <a:bodyPr wrap="none" anchor="ctr"/>
-          <a:lstStyle/>
-          <a:p>
-            <a:endParaRPr lang="en-US"/>
-          </a:p>
-        </p:txBody>
-      </p:sp>
-      <p:sp>
-        <p:nvSpPr>
-          <p:cNvPr id="611341" name="Oval 13"/>
-          <p:cNvSpPr>
-            <a:spLocks noChangeArrowheads="1"/>
-          </p:cNvSpPr>
-          <p:nvPr/>
-        </p:nvSpPr>
-        <p:spPr bwMode="auto">
-          <a:xfrm>
-            <a:off x="1828800" y="3886200"/>
-            <a:ext cx="152400" cy="188913"/>
-          </a:xfrm>
-          <a:prstGeom prst="ellipse">
-            <a:avLst/>
-          </a:prstGeom>
-          <a:solidFill>
-            <a:srgbClr val="008000"/>
-          </a:solidFill>
-          <a:ln w="9525">
-            <a:solidFill>
-              <a:schemeClr val="tx1"/>
-            </a:solidFill>
-            <a:round/>
-            <a:headEnd/>
-            <a:tailEnd type="none" w="lg" len="lg"/>
-          </a:ln>
-          <a:effectLst/>
-        </p:spPr>
-        <p:txBody>
-          <a:bodyPr wrap="none" anchor="ctr"/>
-          <a:lstStyle/>
-          <a:p>
-            <a:endParaRPr lang="en-US"/>
-          </a:p>
-        </p:txBody>
-      </p:sp>
-      <p:sp>
-        <p:nvSpPr>
-          <p:cNvPr id="611343" name="Text Box 15"/>
-          <p:cNvSpPr txBox="1">
-            <a:spLocks noChangeArrowheads="1"/>
-          </p:cNvSpPr>
-          <p:nvPr/>
-        </p:nvSpPr>
-        <p:spPr bwMode="auto">
-          <a:xfrm>
-            <a:off x="152400" y="4114800"/>
-            <a:ext cx="1785938" cy="579438"/>
-          </a:xfrm>
-          <a:prstGeom prst="rect">
-            <a:avLst/>
-          </a:prstGeom>
-          <a:noFill/>
-          <a:ln w="9525">
-            <a:noFill/>
-            <a:miter lim="800000"/>
-            <a:headEnd/>
-            <a:tailEnd type="none" w="lg" len="lg"/>
-          </a:ln>
-          <a:effectLst/>
-        </p:spPr>
-        <p:txBody>
-          <a:bodyPr wrap="none">
-            <a:spAutoFit/>
-          </a:bodyPr>
-          <a:lstStyle/>
-          <a:p>
-            <a:pPr algn="l">
-              <a:spcBef>
-                <a:spcPct val="0"/>
-              </a:spcBef>
-            </a:pPr>
-            <a:r>
-              <a:rPr lang="en-US" sz="3200"/>
-              <a:t>3 </a:t>
-            </a:r>
-            <a:r>
-              <a:rPr lang="en-US" sz="3200">
-                <a:sym typeface="Wingdings" pitchFamily="2" charset="2"/>
-              </a:rPr>
-              <a:t></a:t>
-            </a:r>
-            <a:r>
-              <a:rPr lang="en-US" sz="3200"/>
-              <a:t>{1,3}</a:t>
-            </a:r>
-          </a:p>
-        </p:txBody>
-      </p:sp>
       <p:grpSp>
         <p:nvGrpSpPr>
-          <p:cNvPr id="5" name="Group 16"/>
-          <p:cNvGrpSpPr>
-            <a:grpSpLocks/>
-          </p:cNvGrpSpPr>
+          <p:cNvPr id="16" name="Group 15"/>
+          <p:cNvGrpSpPr/>
           <p:nvPr/>
         </p:nvGrpSpPr>
-        <p:grpSpPr bwMode="auto">
+        <p:grpSpPr>
           <a:xfrm>
-            <a:off x="3708400" y="3706813"/>
-            <a:ext cx="1862138" cy="2030412"/>
-            <a:chOff x="2832" y="2239"/>
-            <a:chExt cx="1173" cy="1279"/>
+            <a:off x="3403600" y="5715000"/>
+            <a:ext cx="1223412" cy="629226"/>
+            <a:chOff x="3403600" y="5715000"/>
+            <a:chExt cx="1223412" cy="629226"/>
           </a:xfrm>
         </p:grpSpPr>
         <p:sp>
           <p:nvSpPr>
-            <p:cNvPr id="611345" name="Oval 17"/>
+            <p:cNvPr id="611330" name="Text Box 2"/>
+            <p:cNvSpPr txBox="1">
+              <a:spLocks noChangeArrowheads="1"/>
+            </p:cNvSpPr>
+            <p:nvPr/>
+          </p:nvSpPr>
+          <p:spPr bwMode="auto">
+            <a:xfrm>
+              <a:off x="3403600" y="5759450"/>
+              <a:ext cx="1223412" cy="584776"/>
+            </a:xfrm>
+            <a:prstGeom prst="rect">
+              <a:avLst/>
+            </a:prstGeom>
+            <a:noFill/>
+            <a:ln w="9525">
+              <a:noFill/>
+              <a:miter lim="800000"/>
+              <a:headEnd/>
+              <a:tailEnd type="none" w="lg" len="lg"/>
+            </a:ln>
+            <a:effectLst/>
+          </p:spPr>
+          <p:txBody>
+            <a:bodyPr wrap="none">
+              <a:spAutoFit/>
+            </a:bodyPr>
+            <a:lstStyle/>
+            <a:p>
+              <a:pPr>
+                <a:spcBef>
+                  <a:spcPct val="0"/>
+                </a:spcBef>
+              </a:pPr>
+              <a:r>
+                <a:rPr lang="en-US" sz="3200" dirty="0" smtClean="0">
+                  <a:latin typeface="Comic Sans MS"/>
+                  <a:cs typeface="Comic Sans MS"/>
+                </a:rPr>
+                <a:t>1</a:t>
+              </a:r>
+              <a:r>
+                <a:rPr lang="en-US" sz="3200" b="1" dirty="0" smtClean="0">
+                  <a:latin typeface="Comic Sans MS"/>
+                  <a:cs typeface="Comic Sans MS"/>
+                </a:rPr>
+                <a:t>→</a:t>
+              </a:r>
+              <a:r>
+                <a:rPr lang="en-US" sz="3200" dirty="0" smtClean="0"/>
+                <a:t>{</a:t>
+              </a:r>
+              <a:r>
+                <a:rPr lang="en-US" sz="3200" dirty="0">
+                  <a:latin typeface="Comic Sans MS"/>
+                  <a:cs typeface="Comic Sans MS"/>
+                </a:rPr>
+                <a:t>1</a:t>
+              </a:r>
+              <a:r>
+                <a:rPr lang="en-US" sz="3200" dirty="0"/>
+                <a:t>}</a:t>
+              </a:r>
+            </a:p>
+          </p:txBody>
+        </p:sp>
+        <p:sp>
+          <p:nvSpPr>
+            <p:cNvPr id="611339" name="Oval 11"/>
             <p:cNvSpPr>
               <a:spLocks noChangeArrowheads="1"/>
             </p:cNvSpPr>
@@ -6912,8 +7626,8 @@
           </p:nvSpPr>
           <p:spPr bwMode="auto">
             <a:xfrm>
-              <a:off x="2832" y="2400"/>
-              <a:ext cx="96" cy="96"/>
+              <a:off x="3708400" y="5715000"/>
+              <a:ext cx="152400" cy="152400"/>
             </a:xfrm>
             <a:prstGeom prst="ellipse">
               <a:avLst/>
@@ -6935,30 +7649,383 @@
             <a:bodyPr wrap="none" anchor="ctr"/>
             <a:lstStyle/>
             <a:p>
-              <a:endParaRPr lang="en-US"/>
+              <a:endParaRPr lang="en-US">
+                <a:latin typeface="Comic Sans MS"/>
+                <a:cs typeface="Comic Sans MS"/>
+              </a:endParaRPr>
             </a:p>
           </p:txBody>
         </p:sp>
-        <p:cxnSp>
-          <p:nvCxnSpPr>
-            <p:cNvPr id="611346" name="AutoShape 18"/>
-            <p:cNvCxnSpPr>
-              <a:cxnSpLocks noChangeShapeType="1"/>
-              <a:stCxn id="611345" idx="4"/>
-              <a:endCxn id="611339" idx="7"/>
-            </p:cNvCxnSpPr>
+      </p:grpSp>
+      <p:grpSp>
+        <p:nvGrpSpPr>
+          <p:cNvPr id="15" name="Group 14"/>
+          <p:cNvGrpSpPr/>
+          <p:nvPr/>
+        </p:nvGrpSpPr>
+        <p:grpSpPr>
+          <a:xfrm>
+            <a:off x="152400" y="3706813"/>
+            <a:ext cx="5330827" cy="2087562"/>
+            <a:chOff x="152400" y="3706813"/>
+            <a:chExt cx="5330827" cy="2087562"/>
+          </a:xfrm>
+        </p:grpSpPr>
+        <p:grpSp>
+          <p:nvGrpSpPr>
+            <p:cNvPr id="11" name="Group 10"/>
+            <p:cNvGrpSpPr/>
             <p:nvPr/>
-          </p:nvCxnSpPr>
+          </p:nvGrpSpPr>
+          <p:grpSpPr>
+            <a:xfrm>
+              <a:off x="1851025" y="3706813"/>
+              <a:ext cx="3632202" cy="2087562"/>
+              <a:chOff x="1851025" y="3706813"/>
+              <a:chExt cx="3632202" cy="2087562"/>
+            </a:xfrm>
+          </p:grpSpPr>
+          <p:grpSp>
+            <p:nvGrpSpPr>
+              <p:cNvPr id="5" name="Group 16"/>
+              <p:cNvGrpSpPr>
+                <a:grpSpLocks/>
+              </p:cNvGrpSpPr>
+              <p:nvPr/>
+            </p:nvGrpSpPr>
+            <p:grpSpPr bwMode="auto">
+              <a:xfrm>
+                <a:off x="3708401" y="3706813"/>
+                <a:ext cx="1774826" cy="2030412"/>
+                <a:chOff x="2832" y="2239"/>
+                <a:chExt cx="1118" cy="1279"/>
+              </a:xfrm>
+            </p:grpSpPr>
+            <p:sp>
+              <p:nvSpPr>
+                <p:cNvPr id="611345" name="Oval 17"/>
+                <p:cNvSpPr>
+                  <a:spLocks noChangeArrowheads="1"/>
+                </p:cNvSpPr>
+                <p:nvPr/>
+              </p:nvSpPr>
+              <p:spPr bwMode="auto">
+                <a:xfrm>
+                  <a:off x="2832" y="2400"/>
+                  <a:ext cx="96" cy="96"/>
+                </a:xfrm>
+                <a:prstGeom prst="ellipse">
+                  <a:avLst/>
+                </a:prstGeom>
+                <a:solidFill>
+                  <a:srgbClr val="008000"/>
+                </a:solidFill>
+                <a:ln w="9525">
+                  <a:solidFill>
+                    <a:schemeClr val="tx1"/>
+                  </a:solidFill>
+                  <a:round/>
+                  <a:headEnd/>
+                  <a:tailEnd type="none" w="lg" len="lg"/>
+                </a:ln>
+                <a:effectLst/>
+              </p:spPr>
+              <p:txBody>
+                <a:bodyPr wrap="none" anchor="ctr"/>
+                <a:lstStyle/>
+                <a:p>
+                  <a:endParaRPr lang="en-US">
+                    <a:latin typeface="Comic Sans MS"/>
+                    <a:cs typeface="Comic Sans MS"/>
+                  </a:endParaRPr>
+                </a:p>
+              </p:txBody>
+            </p:sp>
+            <p:cxnSp>
+              <p:nvCxnSpPr>
+                <p:cNvPr id="611346" name="AutoShape 18"/>
+                <p:cNvCxnSpPr>
+                  <a:cxnSpLocks noChangeShapeType="1"/>
+                  <a:stCxn id="611345" idx="4"/>
+                  <a:endCxn id="611339" idx="7"/>
+                </p:cNvCxnSpPr>
+                <p:nvPr/>
+              </p:nvCxnSpPr>
+              <p:spPr bwMode="auto">
+                <a:xfrm>
+                  <a:off x="2880" y="2496"/>
+                  <a:ext cx="34" cy="1022"/>
+                </a:xfrm>
+                <a:prstGeom prst="straightConnector1">
+                  <a:avLst/>
+                </a:prstGeom>
+                <a:noFill/>
+                <a:ln w="25400">
+                  <a:solidFill>
+                    <a:schemeClr val="tx1"/>
+                  </a:solidFill>
+                  <a:round/>
+                  <a:headEnd/>
+                  <a:tailEnd type="none" w="lg" len="lg"/>
+                </a:ln>
+                <a:effectLst/>
+              </p:spPr>
+            </p:cxnSp>
+            <p:sp>
+              <p:nvSpPr>
+                <p:cNvPr id="611347" name="Text Box 19"/>
+                <p:cNvSpPr txBox="1">
+                  <a:spLocks noChangeArrowheads="1"/>
+                </p:cNvSpPr>
+                <p:nvPr/>
+              </p:nvSpPr>
+              <p:spPr bwMode="auto">
+                <a:xfrm>
+                  <a:off x="2880" y="2239"/>
+                  <a:ext cx="1070" cy="368"/>
+                </a:xfrm>
+                <a:prstGeom prst="rect">
+                  <a:avLst/>
+                </a:prstGeom>
+                <a:noFill/>
+                <a:ln w="9525">
+                  <a:noFill/>
+                  <a:miter lim="800000"/>
+                  <a:headEnd/>
+                  <a:tailEnd type="none" w="lg" len="lg"/>
+                </a:ln>
+                <a:effectLst/>
+              </p:spPr>
+              <p:txBody>
+                <a:bodyPr wrap="none">
+                  <a:spAutoFit/>
+                </a:bodyPr>
+                <a:lstStyle/>
+                <a:p>
+                  <a:pPr>
+                    <a:spcBef>
+                      <a:spcPct val="0"/>
+                    </a:spcBef>
+                  </a:pPr>
+                  <a:r>
+                    <a:rPr lang="en-US" sz="3200" dirty="0" smtClean="0">
+                      <a:latin typeface="Comic Sans MS"/>
+                      <a:cs typeface="Comic Sans MS"/>
+                    </a:rPr>
+                    <a:t>5</a:t>
+                  </a:r>
+                  <a:r>
+                    <a:rPr lang="en-US" sz="3200" b="1" dirty="0" smtClean="0">
+                      <a:latin typeface="Comic Sans MS"/>
+                      <a:cs typeface="Comic Sans MS"/>
+                    </a:rPr>
+                    <a:t>→</a:t>
+                  </a:r>
+                  <a:r>
+                    <a:rPr lang="en-US" sz="3200" dirty="0" smtClean="0">
+                      <a:latin typeface="Comic Sans MS"/>
+                      <a:cs typeface="Comic Sans MS"/>
+                    </a:rPr>
+                    <a:t>{</a:t>
+                  </a:r>
+                  <a:r>
+                    <a:rPr lang="en-US" sz="3200" dirty="0">
+                      <a:latin typeface="Comic Sans MS"/>
+                      <a:cs typeface="Comic Sans MS"/>
+                    </a:rPr>
+                    <a:t>1,5}</a:t>
+                  </a:r>
+                </a:p>
+              </p:txBody>
+            </p:sp>
+          </p:grpSp>
+          <p:cxnSp>
+            <p:nvCxnSpPr>
+              <p:cNvPr id="611342" name="AutoShape 14"/>
+              <p:cNvCxnSpPr>
+                <a:cxnSpLocks noChangeShapeType="1"/>
+                <a:stCxn id="611341" idx="3"/>
+              </p:cNvCxnSpPr>
+              <p:nvPr/>
+            </p:nvCxnSpPr>
+            <p:spPr bwMode="auto">
+              <a:xfrm>
+                <a:off x="1851025" y="4048125"/>
+                <a:ext cx="1911350" cy="1746250"/>
+              </a:xfrm>
+              <a:prstGeom prst="straightConnector1">
+                <a:avLst/>
+              </a:prstGeom>
+              <a:noFill/>
+              <a:ln w="25400">
+                <a:solidFill>
+                  <a:schemeClr val="tx1"/>
+                </a:solidFill>
+                <a:round/>
+                <a:headEnd/>
+                <a:tailEnd type="none" w="lg" len="lg"/>
+              </a:ln>
+              <a:effectLst/>
+            </p:spPr>
+          </p:cxnSp>
+        </p:grpSp>
+        <p:grpSp>
+          <p:nvGrpSpPr>
+            <p:cNvPr id="14" name="Group 13"/>
+            <p:cNvGrpSpPr/>
+            <p:nvPr/>
+          </p:nvGrpSpPr>
+          <p:grpSpPr>
+            <a:xfrm>
+              <a:off x="152400" y="3886200"/>
+              <a:ext cx="1828800" cy="813376"/>
+              <a:chOff x="152400" y="3886200"/>
+              <a:chExt cx="1828800" cy="813376"/>
+            </a:xfrm>
+          </p:grpSpPr>
+          <p:sp>
+            <p:nvSpPr>
+              <p:cNvPr id="611341" name="Oval 13"/>
+              <p:cNvSpPr>
+                <a:spLocks noChangeArrowheads="1"/>
+              </p:cNvSpPr>
+              <p:nvPr/>
+            </p:nvSpPr>
+            <p:spPr bwMode="auto">
+              <a:xfrm>
+                <a:off x="1828800" y="3886200"/>
+                <a:ext cx="152400" cy="188913"/>
+              </a:xfrm>
+              <a:prstGeom prst="ellipse">
+                <a:avLst/>
+              </a:prstGeom>
+              <a:solidFill>
+                <a:srgbClr val="008000"/>
+              </a:solidFill>
+              <a:ln w="9525">
+                <a:solidFill>
+                  <a:schemeClr val="tx1"/>
+                </a:solidFill>
+                <a:round/>
+                <a:headEnd/>
+                <a:tailEnd type="none" w="lg" len="lg"/>
+              </a:ln>
+              <a:effectLst/>
+            </p:spPr>
+            <p:txBody>
+              <a:bodyPr wrap="none" anchor="ctr"/>
+              <a:lstStyle/>
+              <a:p>
+                <a:endParaRPr lang="en-US">
+                  <a:latin typeface="Comic Sans MS"/>
+                  <a:cs typeface="Comic Sans MS"/>
+                </a:endParaRPr>
+              </a:p>
+            </p:txBody>
+          </p:sp>
+          <p:sp>
+            <p:nvSpPr>
+              <p:cNvPr id="611343" name="Text Box 15"/>
+              <p:cNvSpPr txBox="1">
+                <a:spLocks noChangeArrowheads="1"/>
+              </p:cNvSpPr>
+              <p:nvPr/>
+            </p:nvSpPr>
+            <p:spPr bwMode="auto">
+              <a:xfrm>
+                <a:off x="152400" y="4114800"/>
+                <a:ext cx="1697901" cy="584776"/>
+              </a:xfrm>
+              <a:prstGeom prst="rect">
+                <a:avLst/>
+              </a:prstGeom>
+              <a:noFill/>
+              <a:ln w="9525">
+                <a:noFill/>
+                <a:miter lim="800000"/>
+                <a:headEnd/>
+                <a:tailEnd type="none" w="lg" len="lg"/>
+              </a:ln>
+              <a:effectLst/>
+            </p:spPr>
+            <p:txBody>
+              <a:bodyPr wrap="none">
+                <a:spAutoFit/>
+              </a:bodyPr>
+              <a:lstStyle/>
+              <a:p>
+                <a:pPr>
+                  <a:spcBef>
+                    <a:spcPct val="0"/>
+                  </a:spcBef>
+                </a:pPr>
+                <a:r>
+                  <a:rPr lang="en-US" sz="3200" dirty="0" smtClean="0">
+                    <a:latin typeface="Comic Sans MS"/>
+                    <a:cs typeface="Comic Sans MS"/>
+                  </a:rPr>
+                  <a:t>3</a:t>
+                </a:r>
+                <a:r>
+                  <a:rPr lang="en-US" sz="3200" b="1" dirty="0" smtClean="0">
+                    <a:latin typeface="Comic Sans MS"/>
+                    <a:cs typeface="Comic Sans MS"/>
+                  </a:rPr>
+                  <a:t>→</a:t>
+                </a:r>
+                <a:r>
+                  <a:rPr lang="en-US" sz="3200" dirty="0" smtClean="0">
+                    <a:latin typeface="Comic Sans MS"/>
+                    <a:cs typeface="Comic Sans MS"/>
+                  </a:rPr>
+                  <a:t>{</a:t>
+                </a:r>
+                <a:r>
+                  <a:rPr lang="en-US" sz="3200" dirty="0">
+                    <a:latin typeface="Comic Sans MS"/>
+                    <a:cs typeface="Comic Sans MS"/>
+                  </a:rPr>
+                  <a:t>1,3}</a:t>
+                </a:r>
+              </a:p>
+            </p:txBody>
+          </p:sp>
+        </p:grpSp>
+      </p:grpSp>
+      <p:grpSp>
+        <p:nvGrpSpPr>
+          <p:cNvPr id="13" name="Group 12"/>
+          <p:cNvGrpSpPr/>
+          <p:nvPr/>
+        </p:nvGrpSpPr>
+        <p:grpSpPr>
+          <a:xfrm>
+            <a:off x="152400" y="1600200"/>
+            <a:ext cx="3556000" cy="2438400"/>
+            <a:chOff x="152400" y="1600200"/>
+            <a:chExt cx="3556000" cy="2438400"/>
+          </a:xfrm>
+        </p:grpSpPr>
+        <p:sp>
+          <p:nvSpPr>
+            <p:cNvPr id="611349" name="Oval 21"/>
+            <p:cNvSpPr>
+              <a:spLocks noChangeArrowheads="1"/>
+            </p:cNvSpPr>
+            <p:nvPr/>
+          </p:nvSpPr>
           <p:spPr bwMode="auto">
             <a:xfrm>
-              <a:off x="2880" y="2496"/>
-              <a:ext cx="34" cy="1022"/>
+              <a:off x="2311400" y="2312988"/>
+              <a:ext cx="152400" cy="152400"/>
             </a:xfrm>
-            <a:prstGeom prst="straightConnector1">
+            <a:prstGeom prst="ellipse">
               <a:avLst/>
             </a:prstGeom>
-            <a:noFill/>
-            <a:ln w="25400">
+            <a:solidFill>
+              <a:srgbClr val="008000"/>
+            </a:solidFill>
+            <a:ln w="9525">
               <a:solidFill>
                 <a:schemeClr val="tx1"/>
               </a:solidFill>
@@ -6968,10 +8035,179 @@
             </a:ln>
             <a:effectLst/>
           </p:spPr>
-        </p:cxnSp>
+          <p:txBody>
+            <a:bodyPr wrap="none" anchor="ctr"/>
+            <a:lstStyle/>
+            <a:p>
+              <a:endParaRPr lang="en-US">
+                <a:latin typeface="Comic Sans MS"/>
+                <a:cs typeface="Comic Sans MS"/>
+              </a:endParaRPr>
+            </a:p>
+          </p:txBody>
+        </p:sp>
+        <p:grpSp>
+          <p:nvGrpSpPr>
+            <p:cNvPr id="10" name="Group 9"/>
+            <p:cNvGrpSpPr/>
+            <p:nvPr/>
+          </p:nvGrpSpPr>
+          <p:grpSpPr>
+            <a:xfrm>
+              <a:off x="152400" y="1600200"/>
+              <a:ext cx="3556000" cy="2438400"/>
+              <a:chOff x="152400" y="1600200"/>
+              <a:chExt cx="3556000" cy="2438400"/>
+            </a:xfrm>
+          </p:grpSpPr>
+          <p:sp>
+            <p:nvSpPr>
+              <p:cNvPr id="611350" name="Text Box 22"/>
+              <p:cNvSpPr txBox="1">
+                <a:spLocks noChangeArrowheads="1"/>
+              </p:cNvSpPr>
+              <p:nvPr/>
+            </p:nvSpPr>
+            <p:spPr bwMode="auto">
+              <a:xfrm>
+                <a:off x="152400" y="1600200"/>
+                <a:ext cx="2787943" cy="584776"/>
+              </a:xfrm>
+              <a:prstGeom prst="rect">
+                <a:avLst/>
+              </a:prstGeom>
+              <a:noFill/>
+              <a:ln w="9525">
+                <a:noFill/>
+                <a:miter lim="800000"/>
+                <a:headEnd/>
+                <a:tailEnd type="none" w="lg" len="lg"/>
+              </a:ln>
+              <a:effectLst/>
+            </p:spPr>
+            <p:txBody>
+              <a:bodyPr wrap="none">
+                <a:spAutoFit/>
+              </a:bodyPr>
+              <a:lstStyle/>
+              <a:p>
+                <a:pPr>
+                  <a:spcBef>
+                    <a:spcPct val="0"/>
+                  </a:spcBef>
+                </a:pPr>
+                <a:r>
+                  <a:rPr lang="en-US" sz="3200" dirty="0" smtClean="0">
+                    <a:latin typeface="Comic Sans MS"/>
+                    <a:cs typeface="Comic Sans MS"/>
+                  </a:rPr>
+                  <a:t>15</a:t>
+                </a:r>
+                <a:r>
+                  <a:rPr lang="en-US" sz="3200" b="1" dirty="0">
+                    <a:latin typeface="Comic Sans MS"/>
+                    <a:cs typeface="Comic Sans MS"/>
+                  </a:rPr>
+                  <a:t>→</a:t>
+                </a:r>
+                <a:r>
+                  <a:rPr lang="en-US" sz="3200" dirty="0" smtClean="0">
+                    <a:latin typeface="Comic Sans MS"/>
+                    <a:cs typeface="Comic Sans MS"/>
+                  </a:rPr>
+                  <a:t>{</a:t>
+                </a:r>
+                <a:r>
+                  <a:rPr lang="en-US" sz="3200" dirty="0">
+                    <a:latin typeface="Comic Sans MS"/>
+                    <a:cs typeface="Comic Sans MS"/>
+                  </a:rPr>
+                  <a:t>1,3,5,15}</a:t>
+                </a:r>
+              </a:p>
+            </p:txBody>
+          </p:sp>
+          <p:cxnSp>
+            <p:nvCxnSpPr>
+              <p:cNvPr id="611351" name="AutoShape 23"/>
+              <p:cNvCxnSpPr>
+                <a:cxnSpLocks noChangeShapeType="1"/>
+                <a:stCxn id="611349" idx="5"/>
+                <a:endCxn id="611341" idx="7"/>
+              </p:cNvCxnSpPr>
+              <p:nvPr/>
+            </p:nvCxnSpPr>
+            <p:spPr bwMode="auto">
+              <a:xfrm flipH="1">
+                <a:off x="1958975" y="2443163"/>
+                <a:ext cx="482600" cy="1470025"/>
+              </a:xfrm>
+              <a:prstGeom prst="straightConnector1">
+                <a:avLst/>
+              </a:prstGeom>
+              <a:noFill/>
+              <a:ln w="25400">
+                <a:solidFill>
+                  <a:schemeClr val="tx1"/>
+                </a:solidFill>
+                <a:round/>
+                <a:headEnd/>
+                <a:tailEnd type="none" w="lg" len="lg"/>
+              </a:ln>
+              <a:effectLst/>
+            </p:spPr>
+          </p:cxnSp>
+          <p:cxnSp>
+            <p:nvCxnSpPr>
+              <p:cNvPr id="611352" name="AutoShape 24"/>
+              <p:cNvCxnSpPr>
+                <a:cxnSpLocks noChangeShapeType="1"/>
+                <a:stCxn id="611349" idx="6"/>
+                <a:endCxn id="611345" idx="2"/>
+              </p:cNvCxnSpPr>
+              <p:nvPr/>
+            </p:nvCxnSpPr>
+            <p:spPr bwMode="auto">
+              <a:xfrm>
+                <a:off x="2463800" y="2389188"/>
+                <a:ext cx="1244600" cy="1649412"/>
+              </a:xfrm>
+              <a:prstGeom prst="straightConnector1">
+                <a:avLst/>
+              </a:prstGeom>
+              <a:noFill/>
+              <a:ln w="25400">
+                <a:solidFill>
+                  <a:schemeClr val="tx1"/>
+                </a:solidFill>
+                <a:round/>
+                <a:headEnd/>
+                <a:tailEnd type="none" w="lg" len="lg"/>
+              </a:ln>
+              <a:effectLst/>
+            </p:spPr>
+          </p:cxnSp>
+        </p:grpSp>
+      </p:grpSp>
+      <p:grpSp>
+        <p:nvGrpSpPr>
+          <p:cNvPr id="6" name="Group 25"/>
+          <p:cNvGrpSpPr>
+            <a:grpSpLocks/>
+          </p:cNvGrpSpPr>
+          <p:nvPr/>
+        </p:nvGrpSpPr>
+        <p:grpSpPr bwMode="auto">
+          <a:xfrm>
+            <a:off x="3784599" y="2133600"/>
+            <a:ext cx="4235450" cy="1847849"/>
+            <a:chOff x="2880" y="1259"/>
+            <a:chExt cx="2668" cy="1164"/>
+          </a:xfrm>
+        </p:grpSpPr>
         <p:sp>
           <p:nvSpPr>
-            <p:cNvPr id="611347" name="Text Box 19"/>
+            <p:cNvPr id="611354" name="Text Box 26"/>
             <p:cNvSpPr txBox="1">
               <a:spLocks noChangeArrowheads="1"/>
             </p:cNvSpPr>
@@ -6979,8 +8215,8 @@
           </p:nvSpPr>
           <p:spPr bwMode="auto">
             <a:xfrm>
-              <a:off x="2880" y="2239"/>
-              <a:ext cx="1125" cy="365"/>
+              <a:off x="3784" y="1259"/>
+              <a:ext cx="1764" cy="368"/>
             </a:xfrm>
             <a:prstGeom prst="rect">
               <a:avLst/>
@@ -7000,244 +8236,38 @@
             </a:bodyPr>
             <a:lstStyle/>
             <a:p>
-              <a:pPr algn="l">
+              <a:pPr>
                 <a:spcBef>
                   <a:spcPct val="0"/>
                 </a:spcBef>
               </a:pPr>
               <a:r>
-                <a:rPr lang="en-US" sz="3200"/>
-                <a:t>5 </a:t>
+                <a:rPr lang="en-US" sz="3200" dirty="0" smtClean="0">
+                  <a:latin typeface="Comic Sans MS"/>
+                  <a:cs typeface="Comic Sans MS"/>
+                </a:rPr>
+                <a:t>10</a:t>
               </a:r>
               <a:r>
-                <a:rPr lang="en-US" sz="3200">
-                  <a:sym typeface="Wingdings" pitchFamily="2" charset="2"/>
+                <a:rPr lang="en-US" sz="3200" b="1" dirty="0">
+                  <a:latin typeface="Comic Sans MS"/>
+                  <a:cs typeface="Comic Sans MS"/>
                 </a:rPr>
-                <a:t></a:t>
+                <a:t>→</a:t>
               </a:r>
               <a:r>
-                <a:rPr lang="en-US" sz="3200"/>
-                <a:t>{1,5}</a:t>
-              </a:r>
-            </a:p>
-          </p:txBody>
-        </p:sp>
-      </p:grpSp>
-      <p:sp>
-        <p:nvSpPr>
-          <p:cNvPr id="611349" name="Oval 21"/>
-          <p:cNvSpPr>
-            <a:spLocks noChangeArrowheads="1"/>
-          </p:cNvSpPr>
-          <p:nvPr/>
-        </p:nvSpPr>
-        <p:spPr bwMode="auto">
-          <a:xfrm>
-            <a:off x="2311400" y="2312988"/>
-            <a:ext cx="152400" cy="152400"/>
-          </a:xfrm>
-          <a:prstGeom prst="ellipse">
-            <a:avLst/>
-          </a:prstGeom>
-          <a:solidFill>
-            <a:srgbClr val="008000"/>
-          </a:solidFill>
-          <a:ln w="9525">
-            <a:solidFill>
-              <a:schemeClr val="tx1"/>
-            </a:solidFill>
-            <a:round/>
-            <a:headEnd/>
-            <a:tailEnd type="none" w="lg" len="lg"/>
-          </a:ln>
-          <a:effectLst/>
-        </p:spPr>
-        <p:txBody>
-          <a:bodyPr wrap="none" anchor="ctr"/>
-          <a:lstStyle/>
-          <a:p>
-            <a:endParaRPr lang="en-US"/>
-          </a:p>
-        </p:txBody>
-      </p:sp>
-      <p:sp>
-        <p:nvSpPr>
-          <p:cNvPr id="611350" name="Text Box 22"/>
-          <p:cNvSpPr txBox="1">
-            <a:spLocks noChangeArrowheads="1"/>
-          </p:cNvSpPr>
-          <p:nvPr/>
-        </p:nvSpPr>
-        <p:spPr bwMode="auto">
-          <a:xfrm>
-            <a:off x="152400" y="1600200"/>
-            <a:ext cx="2700338" cy="579438"/>
-          </a:xfrm>
-          <a:prstGeom prst="rect">
-            <a:avLst/>
-          </a:prstGeom>
-          <a:noFill/>
-          <a:ln w="9525">
-            <a:noFill/>
-            <a:miter lim="800000"/>
-            <a:headEnd/>
-            <a:tailEnd type="none" w="lg" len="lg"/>
-          </a:ln>
-          <a:effectLst/>
-        </p:spPr>
-        <p:txBody>
-          <a:bodyPr wrap="none">
-            <a:spAutoFit/>
-          </a:bodyPr>
-          <a:lstStyle/>
-          <a:p>
-            <a:pPr algn="l">
-              <a:spcBef>
-                <a:spcPct val="0"/>
-              </a:spcBef>
-            </a:pPr>
-            <a:r>
-              <a:rPr lang="en-US" sz="3200"/>
-              <a:t>15</a:t>
-            </a:r>
-            <a:r>
-              <a:rPr lang="en-US" sz="3200">
-                <a:sym typeface="Wingdings" pitchFamily="2" charset="2"/>
-              </a:rPr>
-              <a:t></a:t>
-            </a:r>
-            <a:r>
-              <a:rPr lang="en-US" sz="3200"/>
-              <a:t>{1,3,5,15}</a:t>
-            </a:r>
-          </a:p>
-        </p:txBody>
-      </p:sp>
-      <p:cxnSp>
-        <p:nvCxnSpPr>
-          <p:cNvPr id="611351" name="AutoShape 23"/>
-          <p:cNvCxnSpPr>
-            <a:cxnSpLocks noChangeShapeType="1"/>
-            <a:stCxn id="611349" idx="5"/>
-            <a:endCxn id="611341" idx="7"/>
-          </p:cNvCxnSpPr>
-          <p:nvPr/>
-        </p:nvCxnSpPr>
-        <p:spPr bwMode="auto">
-          <a:xfrm flipH="1">
-            <a:off x="1958975" y="2443163"/>
-            <a:ext cx="482600" cy="1470025"/>
-          </a:xfrm>
-          <a:prstGeom prst="straightConnector1">
-            <a:avLst/>
-          </a:prstGeom>
-          <a:noFill/>
-          <a:ln w="25400">
-            <a:solidFill>
-              <a:schemeClr val="tx1"/>
-            </a:solidFill>
-            <a:round/>
-            <a:headEnd/>
-            <a:tailEnd type="none" w="lg" len="lg"/>
-          </a:ln>
-          <a:effectLst/>
-        </p:spPr>
-      </p:cxnSp>
-      <p:cxnSp>
-        <p:nvCxnSpPr>
-          <p:cNvPr id="611352" name="AutoShape 24"/>
-          <p:cNvCxnSpPr>
-            <a:cxnSpLocks noChangeShapeType="1"/>
-            <a:stCxn id="611349" idx="6"/>
-            <a:endCxn id="611345" idx="2"/>
-          </p:cNvCxnSpPr>
-          <p:nvPr/>
-        </p:nvCxnSpPr>
-        <p:spPr bwMode="auto">
-          <a:xfrm>
-            <a:off x="2463800" y="2389188"/>
-            <a:ext cx="1244600" cy="1649412"/>
-          </a:xfrm>
-          <a:prstGeom prst="straightConnector1">
-            <a:avLst/>
-          </a:prstGeom>
-          <a:noFill/>
-          <a:ln w="25400">
-            <a:solidFill>
-              <a:schemeClr val="tx1"/>
-            </a:solidFill>
-            <a:round/>
-            <a:headEnd/>
-            <a:tailEnd type="none" w="lg" len="lg"/>
-          </a:ln>
-          <a:effectLst/>
-        </p:spPr>
-      </p:cxnSp>
-      <p:grpSp>
-        <p:nvGrpSpPr>
-          <p:cNvPr id="6" name="Group 25"/>
-          <p:cNvGrpSpPr>
-            <a:grpSpLocks/>
-          </p:cNvGrpSpPr>
-          <p:nvPr/>
-        </p:nvGrpSpPr>
-        <p:grpSpPr bwMode="auto">
-          <a:xfrm>
-            <a:off x="3784600" y="2151063"/>
-            <a:ext cx="4237038" cy="1833562"/>
-            <a:chOff x="2880" y="1259"/>
-            <a:chExt cx="2669" cy="1155"/>
-          </a:xfrm>
-        </p:grpSpPr>
-        <p:sp>
-          <p:nvSpPr>
-            <p:cNvPr id="611354" name="Text Box 26"/>
-            <p:cNvSpPr txBox="1">
-              <a:spLocks noChangeArrowheads="1"/>
-            </p:cNvSpPr>
-            <p:nvPr/>
-          </p:nvSpPr>
-          <p:spPr bwMode="auto">
-            <a:xfrm>
-              <a:off x="3784" y="1259"/>
-              <a:ext cx="1765" cy="365"/>
-            </a:xfrm>
-            <a:prstGeom prst="rect">
-              <a:avLst/>
-            </a:prstGeom>
-            <a:noFill/>
-            <a:ln w="9525">
-              <a:noFill/>
-              <a:miter lim="800000"/>
-              <a:headEnd/>
-              <a:tailEnd type="none" w="lg" len="lg"/>
-            </a:ln>
-            <a:effectLst/>
-          </p:spPr>
-          <p:txBody>
-            <a:bodyPr wrap="none">
-              <a:spAutoFit/>
-            </a:bodyPr>
-            <a:lstStyle/>
-            <a:p>
-              <a:pPr algn="l">
-                <a:spcBef>
-                  <a:spcPct val="0"/>
-                </a:spcBef>
-              </a:pPr>
-              <a:r>
-                <a:rPr lang="en-US" sz="3200"/>
-                <a:t>10 </a:t>
+                <a:rPr lang="en-US" sz="3200" dirty="0" smtClean="0">
+                  <a:latin typeface="Comic Sans MS"/>
+                  <a:cs typeface="Comic Sans MS"/>
+                </a:rPr>
+                <a:t>{</a:t>
               </a:r>
               <a:r>
-                <a:rPr lang="en-US" sz="3200">
-                  <a:sym typeface="Wingdings" pitchFamily="2" charset="2"/>
+                <a:rPr lang="en-US" sz="3200" dirty="0">
+                  <a:latin typeface="Comic Sans MS"/>
+                  <a:cs typeface="Comic Sans MS"/>
                 </a:rPr>
-                <a:t></a:t>
-              </a:r>
-              <a:r>
-                <a:rPr lang="en-US" sz="3200"/>
-                <a:t>{1,2,5,10}</a:t>
+                <a:t>1,2,5,10}</a:t>
               </a:r>
             </a:p>
           </p:txBody>
@@ -7304,7 +8334,10 @@
             <a:bodyPr wrap="none" anchor="ctr"/>
             <a:lstStyle/>
             <a:p>
-              <a:endParaRPr lang="en-US"/>
+              <a:endParaRPr lang="en-US">
+                <a:latin typeface="Comic Sans MS"/>
+                <a:cs typeface="Comic Sans MS"/>
+              </a:endParaRPr>
             </a:p>
           </p:txBody>
         </p:sp>
@@ -7321,7 +8354,7 @@
           <p:spPr bwMode="auto">
             <a:xfrm flipV="1">
               <a:off x="2880" y="1522"/>
-              <a:ext cx="734" cy="888"/>
+              <a:ext cx="734" cy="901"/>
             </a:xfrm>
             <a:prstGeom prst="straightConnector1">
               <a:avLst/>
@@ -7349,10 +8382,10 @@
         </p:nvGrpSpPr>
         <p:grpSpPr bwMode="auto">
           <a:xfrm>
-            <a:off x="2489200" y="1114425"/>
-            <a:ext cx="6696075" cy="1400175"/>
+            <a:off x="2517775" y="957262"/>
+            <a:ext cx="5864225" cy="1481138"/>
             <a:chOff x="1568" y="702"/>
-            <a:chExt cx="4218" cy="882"/>
+            <a:chExt cx="3694" cy="933"/>
           </a:xfrm>
         </p:grpSpPr>
         <p:grpSp>
@@ -7366,9 +8399,9 @@
           <p:grpSpPr bwMode="auto">
             <a:xfrm>
               <a:off x="1568" y="864"/>
-              <a:ext cx="1550" cy="720"/>
+              <a:ext cx="1532" cy="771"/>
               <a:chOff x="2064" y="768"/>
-              <a:chExt cx="1550" cy="720"/>
+              <a:chExt cx="1532" cy="771"/>
             </a:xfrm>
           </p:grpSpPr>
           <p:sp>
@@ -7451,7 +8484,7 @@
             <p:spPr bwMode="auto">
               <a:xfrm>
                 <a:off x="3250" y="850"/>
-                <a:ext cx="364" cy="604"/>
+                <a:ext cx="346" cy="689"/>
               </a:xfrm>
               <a:prstGeom prst="straightConnector1">
                 <a:avLst/>
@@ -7479,8 +8512,8 @@
           </p:nvSpPr>
           <p:spPr bwMode="auto">
             <a:xfrm>
-              <a:off x="2592" y="702"/>
-              <a:ext cx="3194" cy="404"/>
+              <a:off x="2496" y="702"/>
+              <a:ext cx="2766" cy="368"/>
             </a:xfrm>
             <a:prstGeom prst="rect">
               <a:avLst/>
@@ -7500,221 +8533,403 @@
             </a:bodyPr>
             <a:lstStyle/>
             <a:p>
-              <a:pPr marL="742950" indent="-285750" algn="l"/>
+              <a:pPr marL="742950" indent="-285750"/>
               <a:r>
-                <a:rPr lang="en-US" sz="3600"/>
-                <a:t>30 </a:t>
+                <a:rPr lang="en-US" sz="3200" dirty="0">
+                  <a:latin typeface="Comic Sans MS"/>
+                  <a:cs typeface="Comic Sans MS"/>
+                </a:rPr>
+                <a:t>30</a:t>
               </a:r>
               <a:r>
-                <a:rPr lang="en-US" sz="3600">
+                <a:rPr lang="en-US" sz="3200" b="1" dirty="0" smtClean="0">
+                  <a:latin typeface="Comic Sans MS"/>
+                  <a:cs typeface="Comic Sans MS"/>
+                </a:rPr>
+                <a:t>→</a:t>
+              </a:r>
+              <a:r>
+                <a:rPr lang="en-US" sz="3200" dirty="0" smtClean="0">
+                  <a:latin typeface="Comic Sans MS"/>
+                  <a:cs typeface="Comic Sans MS"/>
                   <a:sym typeface="Wingdings" pitchFamily="2" charset="2"/>
                 </a:rPr>
-                <a:t>{</a:t>
+                <a:t>{</a:t>
               </a:r>
               <a:r>
-                <a:rPr lang="en-US" sz="3600"/>
+                <a:rPr lang="en-US" sz="3200" dirty="0">
+                  <a:latin typeface="Comic Sans MS"/>
+                  <a:cs typeface="Comic Sans MS"/>
+                </a:rPr>
                 <a:t>1,2,3,5,10,15,30}</a:t>
               </a:r>
             </a:p>
           </p:txBody>
         </p:sp>
       </p:grpSp>
+      <p:sp>
+        <p:nvSpPr>
+          <p:cNvPr id="9" name="TextBox 8"/>
+          <p:cNvSpPr txBox="1"/>
+          <p:nvPr/>
+        </p:nvSpPr>
+        <p:spPr>
+          <a:xfrm>
+            <a:off x="3363310" y="183931"/>
+            <a:ext cx="914400" cy="914400"/>
+          </a:xfrm>
+          <a:prstGeom prst="rect">
+            <a:avLst/>
+          </a:prstGeom>
+          <a:noFill/>
+        </p:spPr>
+        <p:txBody>
+          <a:bodyPr wrap="none" rtlCol="0">
+            <a:noAutofit/>
+          </a:bodyPr>
+          <a:lstStyle/>
+          <a:p>
+            <a:endParaRPr lang="en-US" sz="5400" dirty="0" smtClean="0">
+              <a:latin typeface="Comic Sans MS" pitchFamily="66" charset="0"/>
+            </a:endParaRPr>
+          </a:p>
+        </p:txBody>
+      </p:sp>
     </p:spTree>
   </p:cSld>
   <p:clrMapOvr>
     <a:masterClrMapping/>
   </p:clrMapOvr>
-  <p:transition xmlns:p14="http://schemas.microsoft.com/office/powerpoint/2010/main"/>
+  <p:transition xmlns:p14="http://schemas.microsoft.com/office/powerpoint/2010/main" spd="slow">
+    <p:fade thruBlk="1"/>
+  </p:transition>
   <p:timing>
     <p:tnLst>
       <p:par>
-        <p:cTn xmlns:p14="http://schemas.microsoft.com/office/powerpoint/2010/main" id="1" dur="indefinite" restart="never" nodeType="tmRoot"/>
-      </p:par>
-    </p:tnLst>
-  </p:timing>
-</p:sld>
-</file>
-
-<file path=ppt/slides/slide14.xml><?xml version="1.0" encoding="utf-8"?>
-<p:sld xmlns:a="http://schemas.openxmlformats.org/drawingml/2006/main" xmlns:r="http://schemas.openxmlformats.org/officeDocument/2006/relationships" xmlns:p="http://schemas.openxmlformats.org/presentationml/2006/main">
-  <p:cSld>
-    <p:spTree>
-      <p:nvGrpSpPr>
-        <p:cNvPr id="1" name=""/>
-        <p:cNvGrpSpPr/>
-        <p:nvPr/>
-      </p:nvGrpSpPr>
-      <p:grpSpPr>
-        <a:xfrm>
-          <a:off x="0" y="0"/>
-          <a:ext cx="0" cy="0"/>
-          <a:chOff x="0" y="0"/>
-          <a:chExt cx="0" cy="0"/>
-        </a:xfrm>
-      </p:grpSpPr>
-      <p:sp>
-        <p:nvSpPr>
-          <p:cNvPr id="3" name="Content Placeholder 2"/>
-          <p:cNvSpPr>
-            <a:spLocks noGrp="1"/>
-          </p:cNvSpPr>
-          <p:nvPr>
-            <p:ph idx="1"/>
-          </p:nvPr>
-        </p:nvSpPr>
-        <p:spPr>
-          <a:xfrm>
-            <a:off x="381000" y="1600201"/>
-            <a:ext cx="8153400" cy="1676399"/>
-          </a:xfrm>
-        </p:spPr>
-        <p:txBody>
-          <a:bodyPr/>
-          <a:lstStyle/>
-          <a:p>
-            <a:r>
-              <a:rPr lang="en-US" dirty="0" smtClean="0"/>
-              <a:t>proof: map each element,</a:t>
-            </a:r>
-            <a:r>
-              <a:rPr lang="en-US" dirty="0" smtClean="0">
-                <a:solidFill>
-                  <a:srgbClr val="0000FF"/>
-                </a:solidFill>
-              </a:rPr>
-              <a:t> a</a:t>
-            </a:r>
-            <a:r>
-              <a:rPr lang="en-US" dirty="0" smtClean="0"/>
-              <a:t>, </a:t>
-            </a:r>
-          </a:p>
-          <a:p>
-            <a:r>
-              <a:rPr lang="en-US" dirty="0" smtClean="0"/>
-              <a:t>to the set of elements below it</a:t>
-            </a:r>
-          </a:p>
-        </p:txBody>
-      </p:sp>
-      <p:sp>
-        <p:nvSpPr>
-          <p:cNvPr id="7" name="Title 1"/>
-          <p:cNvSpPr>
-            <a:spLocks noGrp="1"/>
-          </p:cNvSpPr>
-          <p:nvPr>
-            <p:ph type="title"/>
-          </p:nvPr>
-        </p:nvSpPr>
-        <p:spPr>
-          <a:xfrm>
-            <a:off x="1371600" y="304800"/>
-            <a:ext cx="7391400" cy="1143000"/>
-          </a:xfrm>
-        </p:spPr>
-        <p:txBody>
-          <a:bodyPr>
-            <a:noAutofit/>
-          </a:bodyPr>
-          <a:lstStyle/>
-          <a:p>
-            <a:r>
-              <a:rPr lang="en-US" sz="4400" dirty="0" err="1" smtClean="0"/>
-              <a:t>p.o</a:t>
-            </a:r>
-            <a:r>
-              <a:rPr lang="en-US" sz="4400" dirty="0" smtClean="0"/>
-              <a:t>. has same shape as </a:t>
-            </a:r>
-            <a:r>
-              <a:rPr lang="en-US" sz="4400" dirty="0" smtClean="0">
-                <a:solidFill>
-                  <a:srgbClr val="0033CC"/>
-                </a:solidFill>
-                <a:latin typeface="Euclid Symbol" charset="2"/>
-                <a:cs typeface="Euclid Symbol" charset="2"/>
-                <a:sym typeface="Euclid Symbol"/>
-              </a:rPr>
-              <a:t>⊂</a:t>
-            </a:r>
-            <a:endParaRPr lang="en-US" sz="4400" dirty="0">
-              <a:solidFill>
-                <a:srgbClr val="0033CC"/>
-              </a:solidFill>
-              <a:latin typeface="Euclid Symbol" charset="2"/>
-              <a:cs typeface="Euclid Symbol" charset="2"/>
-            </a:endParaRPr>
-          </a:p>
-        </p:txBody>
-      </p:sp>
-      <p:graphicFrame>
-        <p:nvGraphicFramePr>
-          <p:cNvPr id="2" name="Object 1"/>
-          <p:cNvGraphicFramePr>
-            <a:graphicFrameLocks noChangeAspect="1"/>
-          </p:cNvGraphicFramePr>
-          <p:nvPr>
-            <p:extLst>
-              <p:ext uri="{D42A27DB-BD31-4B8C-83A1-F6EECF244321}">
-                <p14:modId xmlns:p14="http://schemas.microsoft.com/office/powerpoint/2010/main" val="2801228036"/>
-              </p:ext>
-            </p:extLst>
-          </p:nvPr>
-        </p:nvGraphicFramePr>
-        <p:xfrm>
-          <a:off x="889000" y="3109912"/>
-          <a:ext cx="7342188" cy="3138488"/>
-        </p:xfrm>
-        <a:graphic>
-          <a:graphicData uri="http://schemas.openxmlformats.org/presentationml/2006/ole">
-            <mc:AlternateContent xmlns:mc="http://schemas.openxmlformats.org/markup-compatibility/2006">
-              <mc:Choice xmlns:v="urn:schemas-microsoft-com:vml" Requires="v">
-                <p:oleObj spid="_x0000_s120890" name="Equation" r:id="rId3" imgW="1841500" imgH="787400" progId="Equation.3">
-                  <p:embed/>
-                </p:oleObj>
-              </mc:Choice>
-              <mc:Fallback>
-                <p:oleObj name="Equation" r:id="rId3" imgW="1841500" imgH="787400" progId="Equation.3">
-                  <p:embed/>
-                  <p:pic>
-                    <p:nvPicPr>
-                      <p:cNvPr id="0" name=""/>
-                      <p:cNvPicPr/>
-                      <p:nvPr/>
-                    </p:nvPicPr>
-                    <p:blipFill>
-                      <a:blip r:embed="rId4"/>
-                      <a:stretch>
-                        <a:fillRect/>
-                      </a:stretch>
-                    </p:blipFill>
-                    <p:spPr>
-                      <a:xfrm>
-                        <a:off x="889000" y="3109912"/>
-                        <a:ext cx="7342188" cy="3138488"/>
-                      </a:xfrm>
-                      <a:prstGeom prst="rect">
-                        <a:avLst/>
-                      </a:prstGeom>
-                    </p:spPr>
-                  </p:pic>
-                </p:oleObj>
-              </mc:Fallback>
-            </mc:AlternateContent>
-          </a:graphicData>
-        </a:graphic>
-      </p:graphicFrame>
-    </p:spTree>
-  </p:cSld>
-  <p:clrMapOvr>
-    <a:masterClrMapping/>
-  </p:clrMapOvr>
-  <p:transition xmlns:p14="http://schemas.microsoft.com/office/powerpoint/2010/main"/>
-  <p:timing>
-    <p:tnLst>
-      <p:par>
-        <p:cTn xmlns:p14="http://schemas.microsoft.com/office/powerpoint/2010/main" id="1" dur="indefinite" restart="never" nodeType="tmRoot"/>
+        <p:cTn xmlns:p14="http://schemas.microsoft.com/office/powerpoint/2010/main" id="1" dur="indefinite" restart="never" nodeType="tmRoot">
+          <p:childTnLst>
+            <p:seq concurrent="1" nextAc="seek">
+              <p:cTn id="2" dur="indefinite" nodeType="mainSeq">
+                <p:childTnLst>
+                  <p:par>
+                    <p:cTn id="3" fill="hold">
+                      <p:stCondLst>
+                        <p:cond delay="indefinite"/>
+                      </p:stCondLst>
+                      <p:childTnLst>
+                        <p:par>
+                          <p:cTn id="4" fill="hold">
+                            <p:stCondLst>
+                              <p:cond delay="0"/>
+                            </p:stCondLst>
+                            <p:childTnLst>
+                              <p:par>
+                                <p:cTn id="5" presetID="22" presetClass="entr" presetSubtype="8" fill="hold" nodeType="clickEffect">
+                                  <p:stCondLst>
+                                    <p:cond delay="0"/>
+                                  </p:stCondLst>
+                                  <p:childTnLst>
+                                    <p:set>
+                                      <p:cBhvr>
+                                        <p:cTn id="6" dur="1" fill="hold">
+                                          <p:stCondLst>
+                                            <p:cond delay="0"/>
+                                          </p:stCondLst>
+                                        </p:cTn>
+                                        <p:tgtEl>
+                                          <p:spTgt spid="16"/>
+                                        </p:tgtEl>
+                                        <p:attrNameLst>
+                                          <p:attrName>style.visibility</p:attrName>
+                                        </p:attrNameLst>
+                                      </p:cBhvr>
+                                      <p:to>
+                                        <p:strVal val="visible"/>
+                                      </p:to>
+                                    </p:set>
+                                    <p:animEffect transition="in" filter="wipe(left)">
+                                      <p:cBhvr>
+                                        <p:cTn id="7" dur="500"/>
+                                        <p:tgtEl>
+                                          <p:spTgt spid="16"/>
+                                        </p:tgtEl>
+                                      </p:cBhvr>
+                                    </p:animEffect>
+                                  </p:childTnLst>
+                                </p:cTn>
+                              </p:par>
+                            </p:childTnLst>
+                          </p:cTn>
+                        </p:par>
+                      </p:childTnLst>
+                    </p:cTn>
+                  </p:par>
+                  <p:par>
+                    <p:cTn id="8" fill="hold">
+                      <p:stCondLst>
+                        <p:cond delay="indefinite"/>
+                      </p:stCondLst>
+                      <p:childTnLst>
+                        <p:par>
+                          <p:cTn id="9" fill="hold">
+                            <p:stCondLst>
+                              <p:cond delay="0"/>
+                            </p:stCondLst>
+                            <p:childTnLst>
+                              <p:par>
+                                <p:cTn id="10" presetID="22" presetClass="entr" presetSubtype="4" fill="hold" nodeType="clickEffect">
+                                  <p:stCondLst>
+                                    <p:cond delay="0"/>
+                                  </p:stCondLst>
+                                  <p:childTnLst>
+                                    <p:set>
+                                      <p:cBhvr>
+                                        <p:cTn id="11" dur="1" fill="hold">
+                                          <p:stCondLst>
+                                            <p:cond delay="0"/>
+                                          </p:stCondLst>
+                                        </p:cTn>
+                                        <p:tgtEl>
+                                          <p:spTgt spid="15"/>
+                                        </p:tgtEl>
+                                        <p:attrNameLst>
+                                          <p:attrName>style.visibility</p:attrName>
+                                        </p:attrNameLst>
+                                      </p:cBhvr>
+                                      <p:to>
+                                        <p:strVal val="visible"/>
+                                      </p:to>
+                                    </p:set>
+                                    <p:animEffect transition="in" filter="wipe(down)">
+                                      <p:cBhvr>
+                                        <p:cTn id="12" dur="500"/>
+                                        <p:tgtEl>
+                                          <p:spTgt spid="15"/>
+                                        </p:tgtEl>
+                                      </p:cBhvr>
+                                    </p:animEffect>
+                                  </p:childTnLst>
+                                </p:cTn>
+                              </p:par>
+                              <p:par>
+                                <p:cTn id="13" presetID="22" presetClass="entr" presetSubtype="8" fill="hold" nodeType="withEffect">
+                                  <p:stCondLst>
+                                    <p:cond delay="0"/>
+                                  </p:stCondLst>
+                                  <p:childTnLst>
+                                    <p:set>
+                                      <p:cBhvr>
+                                        <p:cTn id="14" dur="1" fill="hold">
+                                          <p:stCondLst>
+                                            <p:cond delay="0"/>
+                                          </p:stCondLst>
+                                        </p:cTn>
+                                        <p:tgtEl>
+                                          <p:spTgt spid="2"/>
+                                        </p:tgtEl>
+                                        <p:attrNameLst>
+                                          <p:attrName>style.visibility</p:attrName>
+                                        </p:attrNameLst>
+                                      </p:cBhvr>
+                                      <p:to>
+                                        <p:strVal val="visible"/>
+                                      </p:to>
+                                    </p:set>
+                                    <p:animEffect transition="in" filter="wipe(left)">
+                                      <p:cBhvr>
+                                        <p:cTn id="15" dur="1000"/>
+                                        <p:tgtEl>
+                                          <p:spTgt spid="2"/>
+                                        </p:tgtEl>
+                                      </p:cBhvr>
+                                    </p:animEffect>
+                                  </p:childTnLst>
+                                </p:cTn>
+                              </p:par>
+                            </p:childTnLst>
+                          </p:cTn>
+                        </p:par>
+                      </p:childTnLst>
+                    </p:cTn>
+                  </p:par>
+                  <p:par>
+                    <p:cTn id="16" fill="hold">
+                      <p:stCondLst>
+                        <p:cond delay="indefinite"/>
+                      </p:stCondLst>
+                      <p:childTnLst>
+                        <p:par>
+                          <p:cTn id="17" fill="hold">
+                            <p:stCondLst>
+                              <p:cond delay="0"/>
+                            </p:stCondLst>
+                            <p:childTnLst>
+                              <p:par>
+                                <p:cTn id="18" presetID="22" presetClass="entr" presetSubtype="4" fill="hold" nodeType="clickEffect">
+                                  <p:stCondLst>
+                                    <p:cond delay="0"/>
+                                  </p:stCondLst>
+                                  <p:childTnLst>
+                                    <p:set>
+                                      <p:cBhvr>
+                                        <p:cTn id="19" dur="1" fill="hold">
+                                          <p:stCondLst>
+                                            <p:cond delay="0"/>
+                                          </p:stCondLst>
+                                        </p:cTn>
+                                        <p:tgtEl>
+                                          <p:spTgt spid="13"/>
+                                        </p:tgtEl>
+                                        <p:attrNameLst>
+                                          <p:attrName>style.visibility</p:attrName>
+                                        </p:attrNameLst>
+                                      </p:cBhvr>
+                                      <p:to>
+                                        <p:strVal val="visible"/>
+                                      </p:to>
+                                    </p:set>
+                                    <p:animEffect transition="in" filter="wipe(down)">
+                                      <p:cBhvr>
+                                        <p:cTn id="20" dur="500"/>
+                                        <p:tgtEl>
+                                          <p:spTgt spid="13"/>
+                                        </p:tgtEl>
+                                      </p:cBhvr>
+                                    </p:animEffect>
+                                  </p:childTnLst>
+                                </p:cTn>
+                              </p:par>
+                            </p:childTnLst>
+                          </p:cTn>
+                        </p:par>
+                      </p:childTnLst>
+                    </p:cTn>
+                  </p:par>
+                  <p:par>
+                    <p:cTn id="21" fill="hold">
+                      <p:stCondLst>
+                        <p:cond delay="indefinite"/>
+                      </p:stCondLst>
+                      <p:childTnLst>
+                        <p:par>
+                          <p:cTn id="22" fill="hold">
+                            <p:stCondLst>
+                              <p:cond delay="0"/>
+                            </p:stCondLst>
+                            <p:childTnLst>
+                              <p:par>
+                                <p:cTn id="23" presetID="22" presetClass="entr" presetSubtype="8" fill="hold" nodeType="clickEffect">
+                                  <p:stCondLst>
+                                    <p:cond delay="0"/>
+                                  </p:stCondLst>
+                                  <p:childTnLst>
+                                    <p:set>
+                                      <p:cBhvr>
+                                        <p:cTn id="24" dur="1" fill="hold">
+                                          <p:stCondLst>
+                                            <p:cond delay="0"/>
+                                          </p:stCondLst>
+                                        </p:cTn>
+                                        <p:tgtEl>
+                                          <p:spTgt spid="6"/>
+                                        </p:tgtEl>
+                                        <p:attrNameLst>
+                                          <p:attrName>style.visibility</p:attrName>
+                                        </p:attrNameLst>
+                                      </p:cBhvr>
+                                      <p:to>
+                                        <p:strVal val="visible"/>
+                                      </p:to>
+                                    </p:set>
+                                    <p:animEffect transition="in" filter="wipe(left)">
+                                      <p:cBhvr>
+                                        <p:cTn id="25" dur="500"/>
+                                        <p:tgtEl>
+                                          <p:spTgt spid="6"/>
+                                        </p:tgtEl>
+                                      </p:cBhvr>
+                                    </p:animEffect>
+                                  </p:childTnLst>
+                                </p:cTn>
+                              </p:par>
+                            </p:childTnLst>
+                          </p:cTn>
+                        </p:par>
+                      </p:childTnLst>
+                    </p:cTn>
+                  </p:par>
+                  <p:par>
+                    <p:cTn id="26" fill="hold">
+                      <p:stCondLst>
+                        <p:cond delay="indefinite"/>
+                      </p:stCondLst>
+                      <p:childTnLst>
+                        <p:par>
+                          <p:cTn id="27" fill="hold">
+                            <p:stCondLst>
+                              <p:cond delay="0"/>
+                            </p:stCondLst>
+                            <p:childTnLst>
+                              <p:par>
+                                <p:cTn id="28" presetID="22" presetClass="entr" presetSubtype="8" fill="hold" nodeType="clickEffect">
+                                  <p:stCondLst>
+                                    <p:cond delay="0"/>
+                                  </p:stCondLst>
+                                  <p:childTnLst>
+                                    <p:set>
+                                      <p:cBhvr>
+                                        <p:cTn id="29" dur="1" fill="hold">
+                                          <p:stCondLst>
+                                            <p:cond delay="0"/>
+                                          </p:stCondLst>
+                                        </p:cTn>
+                                        <p:tgtEl>
+                                          <p:spTgt spid="7"/>
+                                        </p:tgtEl>
+                                        <p:attrNameLst>
+                                          <p:attrName>style.visibility</p:attrName>
+                                        </p:attrNameLst>
+                                      </p:cBhvr>
+                                      <p:to>
+                                        <p:strVal val="visible"/>
+                                      </p:to>
+                                    </p:set>
+                                    <p:animEffect transition="in" filter="wipe(left)">
+                                      <p:cBhvr>
+                                        <p:cTn id="30" dur="500"/>
+                                        <p:tgtEl>
+                                          <p:spTgt spid="7"/>
+                                        </p:tgtEl>
+                                      </p:cBhvr>
+                                    </p:animEffect>
+                                  </p:childTnLst>
+                                </p:cTn>
+                              </p:par>
+                            </p:childTnLst>
+                          </p:cTn>
+                        </p:par>
+                      </p:childTnLst>
+                    </p:cTn>
+                  </p:par>
+                </p:childTnLst>
+              </p:cTn>
+              <p:prevCondLst>
+                <p:cond evt="onPrev" delay="0">
+                  <p:tgtEl>
+                    <p:sldTgt/>
+                  </p:tgtEl>
+                </p:cond>
+              </p:prevCondLst>
+              <p:nextCondLst>
+                <p:cond evt="onNext" delay="0">
+                  <p:tgtEl>
+                    <p:sldTgt/>
+                  </p:tgtEl>
+                </p:cond>
+              </p:nextCondLst>
+            </p:seq>
+          </p:childTnLst>
+        </p:cTn>
       </p:par>
     </p:tnLst>
   </p:timing>
@@ -7949,7 +9164,7 @@
           <a:graphicData uri="http://schemas.openxmlformats.org/presentationml/2006/ole">
             <mc:AlternateContent xmlns:mc="http://schemas.openxmlformats.org/markup-compatibility/2006">
               <mc:Choice xmlns:v="urn:schemas-microsoft-com:vml" Requires="v">
-                <p:oleObj spid="_x0000_s121877" name="Equation" r:id="rId4" imgW="419100" imgH="177800" progId="Equation.DSMT4">
+                <p:oleObj spid="_x0000_s121885" name="Equation" r:id="rId4" imgW="419100" imgH="177800" progId="Equation.DSMT4">
                   <p:embed/>
                 </p:oleObj>
               </mc:Choice>
@@ -10756,16 +11971,20 @@
           <a:lstStyle/>
           <a:p>
             <a:r>
-              <a:rPr lang="en-US" sz="6600" b="0" dirty="0" smtClean="0">
+              <a:rPr lang="en-US" sz="7200" b="0" dirty="0" smtClean="0">
                 <a:solidFill>
-                  <a:srgbClr val="006600"/>
+                  <a:srgbClr val="660066"/>
                 </a:solidFill>
                 <a:ea typeface="+mn-ea"/>
                 <a:cs typeface="+mn-cs"/>
               </a:rPr>
               <a:t>same shape</a:t>
             </a:r>
-            <a:endParaRPr lang="en-US" sz="4800" b="0" dirty="0"/>
+            <a:endParaRPr lang="en-US" sz="5400" b="0" dirty="0">
+              <a:solidFill>
+                <a:srgbClr val="660066"/>
+              </a:solidFill>
+            </a:endParaRPr>
           </a:p>
         </p:txBody>
       </p:sp>
@@ -10781,13 +12000,15 @@
         </p:nvSpPr>
         <p:spPr>
           <a:xfrm>
-            <a:off x="609600" y="1447800"/>
-            <a:ext cx="7924800" cy="3955032"/>
+            <a:off x="762000" y="2438400"/>
+            <a:ext cx="7620000" cy="1752600"/>
           </a:xfrm>
           <a:ln/>
         </p:spPr>
         <p:txBody>
-          <a:bodyPr/>
+          <a:bodyPr>
+            <a:normAutofit/>
+          </a:bodyPr>
           <a:lstStyle/>
           <a:p>
             <a:pPr>
@@ -10795,25 +12016,13 @@
               <a:buNone/>
             </a:pPr>
             <a:r>
-              <a:rPr lang="en-US" sz="6600" dirty="0" smtClean="0">
+              <a:rPr lang="en-US" sz="7200" dirty="0" smtClean="0"/>
+              <a:t>  as </a:t>
+            </a:r>
+            <a:r>
+              <a:rPr lang="en-US" sz="7200" b="1" dirty="0" smtClean="0">
                 <a:solidFill>
-                  <a:srgbClr val="0033CC"/>
-                </a:solidFill>
-              </a:rPr>
-              <a:t> </a:t>
-            </a:r>
-            <a:r>
-              <a:rPr lang="en-US" sz="6600" dirty="0" smtClean="0">
-                <a:solidFill>
-                  <a:srgbClr val="006600"/>
-                </a:solidFill>
-              </a:rPr>
-              <a:t> as </a:t>
-            </a:r>
-            <a:r>
-              <a:rPr lang="en-US" sz="6600" b="1" dirty="0" smtClean="0">
-                <a:solidFill>
-                  <a:srgbClr val="006600"/>
+                  <a:srgbClr val="0000FF"/>
                 </a:solidFill>
                 <a:latin typeface="Euclid Symbol" charset="2"/>
                 <a:cs typeface="Euclid Symbol" charset="2"/>
@@ -10821,42 +12030,14 @@
               <a:t>⊂</a:t>
             </a:r>
             <a:r>
-              <a:rPr lang="en-US" sz="6600" dirty="0" smtClean="0">
-                <a:solidFill>
-                  <a:srgbClr val="006600"/>
-                </a:solidFill>
-              </a:rPr>
-              <a:t> example</a:t>
-            </a:r>
-          </a:p>
-          <a:p>
-            <a:pPr>
-              <a:buFontTx/>
-              <a:buNone/>
-            </a:pPr>
-            <a:endParaRPr lang="en-US" sz="8800" dirty="0" smtClean="0">
-              <a:solidFill>
-                <a:srgbClr val="006600"/>
-              </a:solidFill>
-            </a:endParaRPr>
-          </a:p>
-          <a:p>
-            <a:pPr>
-              <a:buFontTx/>
-              <a:buNone/>
-            </a:pPr>
-            <a:endParaRPr lang="en-US" sz="8800" dirty="0" smtClean="0">
-              <a:solidFill>
-                <a:srgbClr val="006600"/>
-              </a:solidFill>
-            </a:endParaRPr>
-          </a:p>
-          <a:p>
-            <a:pPr>
-              <a:buFontTx/>
-              <a:buNone/>
-            </a:pPr>
-            <a:endParaRPr lang="en-US" sz="8800" dirty="0">
+              <a:rPr lang="en-US" sz="7200" dirty="0" smtClean="0"/>
+              <a:t> </a:t>
+            </a:r>
+            <a:r>
+              <a:rPr lang="en-US" sz="7200" dirty="0" smtClean="0"/>
+              <a:t>example</a:t>
+            </a:r>
+            <a:endParaRPr lang="en-US" sz="9600" dirty="0">
               <a:solidFill>
                 <a:srgbClr val="006600"/>
               </a:solidFill>
@@ -10869,7 +12050,18 @@
   <p:clrMapOvr>
     <a:masterClrMapping/>
   </p:clrMapOvr>
-  <p:transition xmlns:p14="http://schemas.microsoft.com/office/powerpoint/2010/main"/>
+  <mc:AlternateContent xmlns:mc="http://schemas.openxmlformats.org/markup-compatibility/2006">
+    <mc:Choice xmlns:p14="http://schemas.microsoft.com/office/powerpoint/2010/main" Requires="p14">
+      <p:transition spd="med" p14:dur="700">
+        <p:fade/>
+      </p:transition>
+    </mc:Choice>
+    <mc:Fallback>
+      <p:transition xmlns:p14="http://schemas.microsoft.com/office/powerpoint/2010/main" spd="med">
+        <p:fade/>
+      </p:transition>
+    </mc:Fallback>
+  </mc:AlternateContent>
   <p:timing>
     <p:tnLst>
       <p:par>
@@ -13005,7 +14197,7 @@
   <p:clrMapOvr>
     <a:masterClrMapping/>
   </p:clrMapOvr>
-  <p:transition xmlns:p14="http://schemas.microsoft.com/office/powerpoint/2010/main" spd="slow">
+  <p:transition xmlns:p14="http://schemas.microsoft.com/office/powerpoint/2010/main">
     <p:fade/>
   </p:transition>
   <p:timing>
@@ -13056,16 +14248,20 @@
           <a:lstStyle/>
           <a:p>
             <a:r>
-              <a:rPr lang="en-US" sz="6600" b="0" dirty="0" smtClean="0">
+              <a:rPr lang="en-US" sz="7200" b="0" dirty="0" smtClean="0">
                 <a:solidFill>
-                  <a:srgbClr val="006600"/>
+                  <a:srgbClr val="8F008F"/>
                 </a:solidFill>
                 <a:ea typeface="+mn-ea"/>
                 <a:cs typeface="+mn-cs"/>
               </a:rPr>
               <a:t>same shape</a:t>
             </a:r>
-            <a:endParaRPr lang="en-US" sz="4800" b="0" dirty="0"/>
+            <a:endParaRPr lang="en-US" sz="5400" b="0" dirty="0">
+              <a:solidFill>
+                <a:srgbClr val="8F008F"/>
+              </a:solidFill>
+            </a:endParaRPr>
           </a:p>
         </p:txBody>
       </p:sp>
@@ -13081,13 +14277,15 @@
         </p:nvSpPr>
         <p:spPr>
           <a:xfrm>
-            <a:off x="609600" y="1447800"/>
-            <a:ext cx="7924800" cy="3955032"/>
+            <a:off x="762000" y="2438400"/>
+            <a:ext cx="7772400" cy="3124200"/>
           </a:xfrm>
           <a:ln/>
         </p:spPr>
         <p:txBody>
-          <a:bodyPr/>
+          <a:bodyPr>
+            <a:normAutofit/>
+          </a:bodyPr>
           <a:lstStyle/>
           <a:p>
             <a:pPr>
@@ -13095,25 +14293,13 @@
               <a:buNone/>
             </a:pPr>
             <a:r>
-              <a:rPr lang="en-US" sz="6600" dirty="0" smtClean="0">
+              <a:rPr lang="en-US" sz="7200" dirty="0" smtClean="0"/>
+              <a:t>  as </a:t>
+            </a:r>
+            <a:r>
+              <a:rPr lang="en-US" sz="7200" b="1" dirty="0" smtClean="0">
                 <a:solidFill>
-                  <a:srgbClr val="0033CC"/>
-                </a:solidFill>
-              </a:rPr>
-              <a:t> </a:t>
-            </a:r>
-            <a:r>
-              <a:rPr lang="en-US" sz="6600" dirty="0" smtClean="0">
-                <a:solidFill>
-                  <a:srgbClr val="006600"/>
-                </a:solidFill>
-              </a:rPr>
-              <a:t> as </a:t>
-            </a:r>
-            <a:r>
-              <a:rPr lang="en-US" sz="6600" b="1" dirty="0" smtClean="0">
-                <a:solidFill>
-                  <a:srgbClr val="006600"/>
+                  <a:srgbClr val="0000FF"/>
                 </a:solidFill>
                 <a:latin typeface="Euclid Symbol" charset="2"/>
                 <a:cs typeface="Euclid Symbol" charset="2"/>
@@ -13121,167 +14307,51 @@
               <a:t>⊂</a:t>
             </a:r>
             <a:r>
-              <a:rPr lang="en-US" sz="6600" dirty="0" smtClean="0">
-                <a:solidFill>
-                  <a:srgbClr val="006600"/>
-                </a:solidFill>
-              </a:rPr>
-              <a:t> example</a:t>
+              <a:rPr lang="en-US" sz="7200" dirty="0" smtClean="0"/>
+              <a:t> </a:t>
+            </a:r>
+            <a:r>
+              <a:rPr lang="en-US" sz="7200" dirty="0" smtClean="0"/>
+              <a:t>example</a:t>
             </a:r>
           </a:p>
           <a:p>
-            <a:pPr algn="ctr">
-              <a:buFontTx/>
-              <a:buNone/>
-            </a:pPr>
-            <a:r>
-              <a:rPr lang="en-US" sz="8800" dirty="0" smtClean="0">
+            <a:pPr algn="ctr"/>
+            <a:r>
+              <a:rPr lang="en-US" sz="9600" dirty="0" smtClean="0">
                 <a:solidFill>
                   <a:srgbClr val="8F008F"/>
                 </a:solidFill>
               </a:rPr>
               <a:t>isomorphic</a:t>
             </a:r>
-          </a:p>
-          <a:p>
-            <a:pPr>
-              <a:buFontTx/>
-              <a:buNone/>
-            </a:pPr>
-            <a:endParaRPr lang="en-US" sz="8800" dirty="0" smtClean="0">
+            <a:endParaRPr lang="en-US" sz="9600" dirty="0">
               <a:solidFill>
-                <a:srgbClr val="006600"/>
-              </a:solidFill>
-            </a:endParaRPr>
-          </a:p>
-          <a:p>
-            <a:pPr>
-              <a:buFontTx/>
-              <a:buNone/>
-            </a:pPr>
-            <a:endParaRPr lang="en-US" sz="8800" dirty="0" smtClean="0">
-              <a:solidFill>
-                <a:srgbClr val="006600"/>
-              </a:solidFill>
-            </a:endParaRPr>
-          </a:p>
-          <a:p>
-            <a:pPr>
-              <a:buFontTx/>
-              <a:buNone/>
-            </a:pPr>
-            <a:endParaRPr lang="en-US" sz="8800" dirty="0">
-              <a:solidFill>
-                <a:srgbClr val="006600"/>
+                <a:srgbClr val="8F008F"/>
               </a:solidFill>
             </a:endParaRPr>
           </a:p>
         </p:txBody>
       </p:sp>
     </p:spTree>
+    <p:extLst>
+      <p:ext uri="{BB962C8B-B14F-4D97-AF65-F5344CB8AC3E}">
+        <p14:creationId xmlns:p14="http://schemas.microsoft.com/office/powerpoint/2010/main" val="620975190"/>
+      </p:ext>
+    </p:extLst>
   </p:cSld>
   <p:clrMapOvr>
     <a:masterClrMapping/>
   </p:clrMapOvr>
-  <p:transition xmlns:p14="http://schemas.microsoft.com/office/powerpoint/2010/main">
+  <p:transition xmlns:p14="http://schemas.microsoft.com/office/powerpoint/2010/main" spd="slow">
     <p:fade/>
   </p:transition>
   <p:timing>
     <p:tnLst>
       <p:par>
-        <p:cTn xmlns:p14="http://schemas.microsoft.com/office/powerpoint/2010/main" id="1" dur="indefinite" restart="never" nodeType="tmRoot">
-          <p:childTnLst>
-            <p:seq concurrent="1" nextAc="seek">
-              <p:cTn id="2" dur="indefinite" nodeType="mainSeq">
-                <p:childTnLst>
-                  <p:par>
-                    <p:cTn id="3" fill="hold">
-                      <p:stCondLst>
-                        <p:cond delay="indefinite"/>
-                        <p:cond evt="onBegin" delay="0">
-                          <p:tn val="2"/>
-                        </p:cond>
-                      </p:stCondLst>
-                      <p:childTnLst>
-                        <p:par>
-                          <p:cTn id="4" fill="hold">
-                            <p:stCondLst>
-                              <p:cond delay="0"/>
-                            </p:stCondLst>
-                            <p:childTnLst>
-                              <p:par>
-                                <p:cTn id="5" presetID="9" presetClass="entr" presetSubtype="0" fill="hold" grpId="0" nodeType="withEffect">
-                                  <p:stCondLst>
-                                    <p:cond delay="0"/>
-                                  </p:stCondLst>
-                                  <p:childTnLst>
-                                    <p:set>
-                                      <p:cBhvr>
-                                        <p:cTn id="6" dur="1" fill="hold">
-                                          <p:stCondLst>
-                                            <p:cond delay="0"/>
-                                          </p:stCondLst>
-                                        </p:cTn>
-                                        <p:tgtEl>
-                                          <p:spTgt spid="506883">
-                                            <p:txEl>
-                                              <p:pRg st="1" end="1"/>
-                                            </p:txEl>
-                                          </p:spTgt>
-                                        </p:tgtEl>
-                                        <p:attrNameLst>
-                                          <p:attrName>style.visibility</p:attrName>
-                                        </p:attrNameLst>
-                                      </p:cBhvr>
-                                      <p:to>
-                                        <p:strVal val="visible"/>
-                                      </p:to>
-                                    </p:set>
-                                    <p:animEffect transition="in" filter="dissolve">
-                                      <p:cBhvr>
-                                        <p:cTn id="7" dur="500"/>
-                                        <p:tgtEl>
-                                          <p:spTgt spid="506883">
-                                            <p:txEl>
-                                              <p:pRg st="1" end="1"/>
-                                            </p:txEl>
-                                          </p:spTgt>
-                                        </p:tgtEl>
-                                      </p:cBhvr>
-                                    </p:animEffect>
-                                  </p:childTnLst>
-                                </p:cTn>
-                              </p:par>
-                            </p:childTnLst>
-                          </p:cTn>
-                        </p:par>
-                      </p:childTnLst>
-                    </p:cTn>
-                  </p:par>
-                </p:childTnLst>
-              </p:cTn>
-              <p:prevCondLst>
-                <p:cond evt="onPrev" delay="0">
-                  <p:tgtEl>
-                    <p:sldTgt/>
-                  </p:tgtEl>
-                </p:cond>
-              </p:prevCondLst>
-              <p:nextCondLst>
-                <p:cond evt="onNext" delay="0">
-                  <p:tgtEl>
-                    <p:sldTgt/>
-                  </p:tgtEl>
-                </p:cond>
-              </p:nextCondLst>
-            </p:seq>
-          </p:childTnLst>
-        </p:cTn>
+        <p:cTn xmlns:p14="http://schemas.microsoft.com/office/powerpoint/2010/main" id="1" dur="indefinite" restart="never" nodeType="tmRoot"/>
       </p:par>
     </p:tnLst>
-    <p:bldLst>
-      <p:bldP spid="506883" grpId="0" uiExpand="1" build="p"/>
-    </p:bldLst>
   </p:timing>
 </p:sld>
 </file>
@@ -13334,7 +14404,7 @@
                 </a:solidFill>
                 <a:latin typeface="Comic Sans MS"/>
               </a:rPr>
-              <a:t> 8M.</a:t>
+              <a:t> 7M.</a:t>
             </a:r>
             <a:fld id="{68A93573-C3A1-4216-A253-FAD638233C5A}" type="slidenum">
               <a:rPr lang="en-US" smtClean="0">
